--- a/eece2160/sp18/lectures/eece.2160sp18_lec22_strings.pptx
+++ b/eece2160/sp18/lectures/eece.2160sp18_lec22_strings.pptx
@@ -5,10 +5,10 @@
     <p:sldMasterId id="2147483792" r:id="rId1"/>
   </p:sldMasterIdLst>
   <p:notesMasterIdLst>
-    <p:notesMasterId r:id="rId16"/>
+    <p:notesMasterId r:id="rId15"/>
   </p:notesMasterIdLst>
   <p:handoutMasterIdLst>
-    <p:handoutMasterId r:id="rId17"/>
+    <p:handoutMasterId r:id="rId16"/>
   </p:handoutMasterIdLst>
   <p:sldIdLst>
     <p:sldId id="256" r:id="rId2"/>
@@ -17,14 +17,13 @@
     <p:sldId id="522" r:id="rId5"/>
     <p:sldId id="519" r:id="rId6"/>
     <p:sldId id="520" r:id="rId7"/>
-    <p:sldId id="513" r:id="rId8"/>
-    <p:sldId id="514" r:id="rId9"/>
-    <p:sldId id="515" r:id="rId10"/>
-    <p:sldId id="516" r:id="rId11"/>
-    <p:sldId id="517" r:id="rId12"/>
-    <p:sldId id="507" r:id="rId13"/>
-    <p:sldId id="508" r:id="rId14"/>
-    <p:sldId id="410" r:id="rId15"/>
+    <p:sldId id="523" r:id="rId8"/>
+    <p:sldId id="513" r:id="rId9"/>
+    <p:sldId id="514" r:id="rId10"/>
+    <p:sldId id="515" r:id="rId11"/>
+    <p:sldId id="516" r:id="rId12"/>
+    <p:sldId id="517" r:id="rId13"/>
+    <p:sldId id="410" r:id="rId14"/>
   </p:sldIdLst>
   <p:sldSz cx="9144000" cy="6858000" type="screen4x3"/>
   <p:notesSz cx="9144000" cy="6858000"/>
@@ -1335,7 +1334,7 @@
             </a:pPr>
             <a:fld id="{E60DF28D-4D3D-334B-8A80-0EF4EF3472BC}" type="datetime1">
               <a:rPr lang="en-US" smtClean="0"/>
-              <a:t>3/25/18</a:t>
+              <a:t>3/26/18</a:t>
             </a:fld>
             <a:endParaRPr lang="en-US"/>
           </a:p>
@@ -1540,7 +1539,7 @@
             </a:pPr>
             <a:fld id="{241A03DF-81D7-1845-AED8-49D782D4595A}" type="datetime1">
               <a:rPr lang="en-US" smtClean="0"/>
-              <a:t>3/25/18</a:t>
+              <a:t>3/26/18</a:t>
             </a:fld>
             <a:endParaRPr lang="en-US"/>
           </a:p>
@@ -1754,7 +1753,7 @@
             </a:pPr>
             <a:fld id="{695911B2-7668-2542-8852-A393BD279917}" type="datetime1">
               <a:rPr lang="en-US" smtClean="0"/>
-              <a:t>3/25/18</a:t>
+              <a:t>3/26/18</a:t>
             </a:fld>
             <a:endParaRPr lang="en-US"/>
           </a:p>
@@ -2025,7 +2024,7 @@
             </a:pPr>
             <a:fld id="{CAC512EF-0C1B-F34D-A52E-52E9DADCA0CC}" type="datetime1">
               <a:rPr lang="en-US" smtClean="0"/>
-              <a:t>3/25/18</a:t>
+              <a:t>3/26/18</a:t>
             </a:fld>
             <a:endParaRPr lang="en-US"/>
           </a:p>
@@ -2296,7 +2295,7 @@
             </a:pPr>
             <a:fld id="{1BDA91C3-6A42-5840-8B1B-E58E3C44C813}" type="datetime1">
               <a:rPr lang="en-US" smtClean="0"/>
-              <a:t>3/25/18</a:t>
+              <a:t>3/26/18</a:t>
             </a:fld>
             <a:endParaRPr lang="en-US"/>
           </a:p>
@@ -2500,7 +2499,7 @@
             </a:pPr>
             <a:fld id="{CE19B1CE-253C-3746-B6BC-4EBD52F4C35C}" type="datetime1">
               <a:rPr lang="en-US" smtClean="0"/>
-              <a:t>3/25/18</a:t>
+              <a:t>3/26/18</a:t>
             </a:fld>
             <a:endParaRPr lang="en-US"/>
           </a:p>
@@ -2726,7 +2725,7 @@
             </a:pPr>
             <a:fld id="{1D249428-5EF9-2F4F-A58A-C552EC4433F7}" type="datetime1">
               <a:rPr lang="en-US" smtClean="0"/>
-              <a:t>3/25/18</a:t>
+              <a:t>3/26/18</a:t>
             </a:fld>
             <a:endParaRPr lang="en-US"/>
           </a:p>
@@ -3048,7 +3047,7 @@
             </a:pPr>
             <a:fld id="{0F407804-A983-4B4A-BDBF-D75D381C06B0}" type="datetime1">
               <a:rPr lang="en-US" smtClean="0"/>
-              <a:t>3/25/18</a:t>
+              <a:t>3/26/18</a:t>
             </a:fld>
             <a:endParaRPr lang="en-US"/>
           </a:p>
@@ -3509,7 +3508,7 @@
             </a:pPr>
             <a:fld id="{61D6B39C-7B0D-4242-AB1F-79A6C86F1ADE}" type="datetime1">
               <a:rPr lang="en-US" smtClean="0"/>
-              <a:t>3/25/18</a:t>
+              <a:t>3/26/18</a:t>
             </a:fld>
             <a:endParaRPr lang="en-US"/>
           </a:p>
@@ -3661,7 +3660,7 @@
             </a:pPr>
             <a:fld id="{F069D24D-10B6-6F4B-A599-7427A397FBAC}" type="datetime1">
               <a:rPr lang="en-US" smtClean="0"/>
-              <a:t>3/25/18</a:t>
+              <a:t>3/26/18</a:t>
             </a:fld>
             <a:endParaRPr lang="en-US"/>
           </a:p>
@@ -3790,7 +3789,7 @@
             </a:pPr>
             <a:fld id="{9A58CA99-09F6-3641-8C55-DD842034E2E8}" type="datetime1">
               <a:rPr lang="en-US" smtClean="0"/>
-              <a:t>3/25/18</a:t>
+              <a:t>3/26/18</a:t>
             </a:fld>
             <a:endParaRPr lang="en-US"/>
           </a:p>
@@ -4101,7 +4100,7 @@
             </a:pPr>
             <a:fld id="{FFFEC72E-5931-3F47-85B7-C449C72B1500}" type="datetime1">
               <a:rPr lang="en-US" smtClean="0"/>
-              <a:t>3/25/18</a:t>
+              <a:t>3/26/18</a:t>
             </a:fld>
             <a:endParaRPr lang="en-US"/>
           </a:p>
@@ -4389,7 +4388,7 @@
             </a:pPr>
             <a:fld id="{E2288FB0-ABE4-814D-8E25-7819734967CE}" type="datetime1">
               <a:rPr lang="en-US" smtClean="0"/>
-              <a:t>3/25/18</a:t>
+              <a:t>3/26/18</a:t>
             </a:fld>
             <a:endParaRPr lang="en-US"/>
           </a:p>
@@ -4696,7 +4695,7 @@
             </a:pPr>
             <a:fld id="{A1425259-6C15-C341-9B88-9A6730407357}" type="datetime1">
               <a:rPr lang="en-US" smtClean="0"/>
-              <a:t>3/25/18</a:t>
+              <a:t>3/26/18</a:t>
             </a:fld>
             <a:endParaRPr lang="en-US"/>
           </a:p>
@@ -5635,7 +5634,7 @@
       </p:grpSpPr>
       <p:sp>
         <p:nvSpPr>
-          <p:cNvPr id="23553" name="Title 1"/>
+          <p:cNvPr id="22529" name="Title 1"/>
           <p:cNvSpPr>
             <a:spLocks noGrp="1"/>
           </p:cNvSpPr>
@@ -5652,14 +5651,14 @@
               <a:rPr lang="en-US">
                 <a:latin typeface="Garamond" charset="0"/>
               </a:rPr>
-              <a:t>String functions (cont.)</a:t>
-            </a:r>
-          </a:p>
-        </p:txBody>
-      </p:sp>
-      <p:sp>
-        <p:nvSpPr>
-          <p:cNvPr id="23554" name="Content Placeholder 2"/>
+              <a:t>String functions</a:t>
+            </a:r>
+          </a:p>
+        </p:txBody>
+      </p:sp>
+      <p:sp>
+        <p:nvSpPr>
+          <p:cNvPr id="22530" name="Content Placeholder 2"/>
           <p:cNvSpPr>
             <a:spLocks noGrp="1"/>
           </p:cNvSpPr>
@@ -5672,277 +5671,72 @@
           <a:bodyPr/>
           <a:lstStyle/>
           <a:p>
-            <a:pPr>
-              <a:lnSpc>
-                <a:spcPct val="80000"/>
-              </a:lnSpc>
-            </a:pPr>
-            <a:r>
-              <a:rPr lang="en-US" sz="2800">
-                <a:latin typeface="Arial" charset="0"/>
-              </a:rPr>
-              <a:t>In </a:t>
-            </a:r>
-            <a:r>
-              <a:rPr lang="en-US" sz="2800">
-                <a:latin typeface="Courier New" charset="0"/>
-                <a:cs typeface="Courier New" charset="0"/>
-              </a:rPr>
-              <a:t>&lt;string.h&gt;</a:t>
-            </a:r>
-            <a:r>
-              <a:rPr lang="en-US" sz="2800">
-                <a:latin typeface="Arial" charset="0"/>
-              </a:rPr>
-              <a:t> library:</a:t>
-            </a:r>
-          </a:p>
-          <a:p>
-            <a:pPr lvl="1">
-              <a:lnSpc>
-                <a:spcPct val="80000"/>
-              </a:lnSpc>
-            </a:pPr>
-            <a:r>
-              <a:rPr lang="en-US" sz="2400">
-                <a:latin typeface="Arial" charset="0"/>
-              </a:rPr>
-              <a:t>Copying strings:</a:t>
-            </a:r>
-          </a:p>
-          <a:p>
-            <a:pPr lvl="2">
-              <a:lnSpc>
-                <a:spcPct val="80000"/>
-              </a:lnSpc>
-            </a:pPr>
-            <a:r>
-              <a:rPr lang="en-US" sz="2000">
-                <a:latin typeface="Courier New" charset="0"/>
-                <a:cs typeface="Courier New" charset="0"/>
-              </a:rPr>
-              <a:t>char *strcpy(char *dest, </a:t>
-            </a:r>
-          </a:p>
-          <a:p>
-            <a:pPr lvl="2">
-              <a:lnSpc>
-                <a:spcPct val="80000"/>
-              </a:lnSpc>
-              <a:buFont typeface="Wingdings" charset="0"/>
-              <a:buNone/>
-            </a:pPr>
-            <a:r>
-              <a:rPr lang="en-US" sz="2000">
-                <a:latin typeface="Courier New" charset="0"/>
-                <a:cs typeface="Courier New" charset="0"/>
-              </a:rPr>
-              <a:t>			   const char *source);</a:t>
-            </a:r>
-          </a:p>
-          <a:p>
-            <a:pPr lvl="2">
-              <a:lnSpc>
-                <a:spcPct val="80000"/>
-              </a:lnSpc>
-            </a:pPr>
-            <a:r>
-              <a:rPr lang="en-US" sz="2000">
-                <a:latin typeface="Courier New" charset="0"/>
-                <a:cs typeface="Courier New" charset="0"/>
-              </a:rPr>
-              <a:t>char *strncpy(char *dest, </a:t>
-            </a:r>
-          </a:p>
-          <a:p>
-            <a:pPr lvl="2">
-              <a:lnSpc>
-                <a:spcPct val="80000"/>
-              </a:lnSpc>
-              <a:buFont typeface="Wingdings" charset="0"/>
-              <a:buNone/>
-            </a:pPr>
-            <a:r>
-              <a:rPr lang="en-US" sz="2000">
-                <a:latin typeface="Courier New" charset="0"/>
-                <a:cs typeface="Courier New" charset="0"/>
-              </a:rPr>
-              <a:t>			    const char *source, </a:t>
-            </a:r>
-          </a:p>
-          <a:p>
-            <a:pPr lvl="2">
-              <a:lnSpc>
-                <a:spcPct val="80000"/>
-              </a:lnSpc>
-              <a:buFont typeface="Wingdings" charset="0"/>
-              <a:buNone/>
-            </a:pPr>
-            <a:r>
-              <a:rPr lang="en-US" sz="2000">
-                <a:latin typeface="Courier New" charset="0"/>
-                <a:cs typeface="Courier New" charset="0"/>
-              </a:rPr>
-              <a:t>			    size_t num);</a:t>
-            </a:r>
-          </a:p>
-          <a:p>
-            <a:pPr lvl="2">
-              <a:lnSpc>
-                <a:spcPct val="80000"/>
-              </a:lnSpc>
-            </a:pPr>
-            <a:r>
-              <a:rPr lang="en-US" sz="2000">
-                <a:latin typeface="Arial" charset="0"/>
-              </a:rPr>
-              <a:t>Return </a:t>
-            </a:r>
-            <a:r>
-              <a:rPr lang="en-US" sz="2000">
-                <a:latin typeface="Courier New" charset="0"/>
-                <a:cs typeface="Courier New" charset="0"/>
-              </a:rPr>
-              <a:t>dest</a:t>
-            </a:r>
-          </a:p>
-          <a:p>
-            <a:pPr lvl="2">
-              <a:lnSpc>
-                <a:spcPct val="80000"/>
-              </a:lnSpc>
-            </a:pPr>
-            <a:r>
-              <a:rPr lang="en-US" sz="2000">
-                <a:latin typeface="Arial" charset="0"/>
-                <a:cs typeface="Courier New" charset="0"/>
-              </a:rPr>
-              <a:t>Does not append </a:t>
-            </a:r>
-            <a:r>
-              <a:rPr lang="ja-JP" altLang="en-US" sz="2000">
-                <a:latin typeface="Arial" charset="0"/>
-                <a:cs typeface="Courier New" charset="0"/>
-              </a:rPr>
-              <a:t>‘</a:t>
-            </a:r>
-            <a:r>
-              <a:rPr lang="en-US" altLang="ja-JP" sz="2000">
-                <a:latin typeface="Arial" charset="0"/>
-                <a:cs typeface="Courier New" charset="0"/>
-              </a:rPr>
-              <a:t>\0</a:t>
-            </a:r>
-            <a:r>
-              <a:rPr lang="ja-JP" altLang="en-US" sz="2000">
-                <a:latin typeface="Arial" charset="0"/>
-                <a:cs typeface="Courier New" charset="0"/>
-              </a:rPr>
-              <a:t>’</a:t>
-            </a:r>
-            <a:r>
-              <a:rPr lang="en-US" altLang="ja-JP" sz="2000">
-                <a:latin typeface="Arial" charset="0"/>
-                <a:cs typeface="Courier New" charset="0"/>
-              </a:rPr>
-              <a:t> unless length of </a:t>
-            </a:r>
-            <a:r>
-              <a:rPr lang="en-US" altLang="ja-JP" sz="2000">
-                <a:latin typeface="Courier New" charset="0"/>
-                <a:cs typeface="Courier New" charset="0"/>
-              </a:rPr>
-              <a:t>source</a:t>
-            </a:r>
-            <a:r>
-              <a:rPr lang="en-US" altLang="ja-JP" sz="2000">
-                <a:latin typeface="Arial" charset="0"/>
-                <a:cs typeface="Courier New" charset="0"/>
-              </a:rPr>
-              <a:t> &lt; </a:t>
-            </a:r>
-            <a:r>
-              <a:rPr lang="en-US" altLang="ja-JP" sz="2000">
-                <a:latin typeface="Courier New" charset="0"/>
-                <a:cs typeface="Courier New" charset="0"/>
-              </a:rPr>
-              <a:t>num</a:t>
-            </a:r>
-          </a:p>
-          <a:p>
-            <a:pPr lvl="1">
-              <a:lnSpc>
-                <a:spcPct val="80000"/>
-              </a:lnSpc>
-            </a:pPr>
-            <a:r>
-              <a:rPr lang="en-US" sz="2400">
-                <a:latin typeface="Arial" charset="0"/>
-              </a:rPr>
-              <a:t>Comparing strings:</a:t>
-            </a:r>
-          </a:p>
-          <a:p>
-            <a:pPr lvl="2">
-              <a:lnSpc>
-                <a:spcPct val="80000"/>
-              </a:lnSpc>
-            </a:pPr>
-            <a:r>
-              <a:rPr lang="en-US" sz="2000">
-                <a:latin typeface="Courier New" charset="0"/>
-                <a:cs typeface="Courier New" charset="0"/>
-              </a:rPr>
-              <a:t>int strcmp(const char *s1, const char *s2);</a:t>
-            </a:r>
-          </a:p>
-          <a:p>
-            <a:pPr lvl="2">
-              <a:lnSpc>
-                <a:spcPct val="80000"/>
-              </a:lnSpc>
-            </a:pPr>
-            <a:r>
-              <a:rPr lang="en-US" sz="2000">
-                <a:latin typeface="Courier New" charset="0"/>
-                <a:cs typeface="Courier New" charset="0"/>
-              </a:rPr>
-              <a:t>int strncmp(const char *s1, const char *s2, 		size_t num);</a:t>
-            </a:r>
-          </a:p>
-          <a:p>
-            <a:pPr lvl="2">
-              <a:lnSpc>
-                <a:spcPct val="80000"/>
-              </a:lnSpc>
-            </a:pPr>
-            <a:r>
-              <a:rPr lang="en-US" sz="2000">
-                <a:latin typeface="Arial" charset="0"/>
-                <a:cs typeface="Courier New" charset="0"/>
-              </a:rPr>
-              <a:t>Character-by-character comparison of character values</a:t>
-            </a:r>
-          </a:p>
-          <a:p>
-            <a:pPr lvl="2">
-              <a:lnSpc>
-                <a:spcPct val="80000"/>
-              </a:lnSpc>
-            </a:pPr>
-            <a:r>
-              <a:rPr lang="en-US" sz="2000">
-                <a:latin typeface="Arial" charset="0"/>
-                <a:cs typeface="Courier New" charset="0"/>
-              </a:rPr>
-              <a:t>Returns 0 if s1 == s2, &gt;0 if s1 &gt; s2, &lt;0 if s1 &lt; s2</a:t>
-            </a:r>
-          </a:p>
-        </p:txBody>
-      </p:sp>
-      <p:sp>
-        <p:nvSpPr>
-          <p:cNvPr id="23555" name="Date Placeholder 3"/>
+            <a:r>
+              <a:rPr lang="en-US">
+                <a:latin typeface="Arial" charset="0"/>
+              </a:rPr>
+              <a:t>Things we’d like to do with strings:</a:t>
+            </a:r>
+          </a:p>
+          <a:p>
+            <a:pPr lvl="1"/>
+            <a:r>
+              <a:rPr lang="en-US">
+                <a:latin typeface="Arial" charset="0"/>
+              </a:rPr>
+              <a:t>Set one equal to another</a:t>
+            </a:r>
+          </a:p>
+          <a:p>
+            <a:pPr lvl="1"/>
+            <a:r>
+              <a:rPr lang="en-US">
+                <a:latin typeface="Arial" charset="0"/>
+              </a:rPr>
+              <a:t>Compare two strings</a:t>
+            </a:r>
+          </a:p>
+          <a:p>
+            <a:pPr lvl="1"/>
+            <a:r>
+              <a:rPr lang="en-US">
+                <a:latin typeface="Arial" charset="0"/>
+              </a:rPr>
+              <a:t>Find # characters in string</a:t>
+            </a:r>
+          </a:p>
+          <a:p>
+            <a:pPr lvl="2"/>
+            <a:r>
+              <a:rPr lang="en-US">
+                <a:latin typeface="Arial" charset="0"/>
+              </a:rPr>
+              <a:t>String may not fill array (“buffer”) allocated for it</a:t>
+            </a:r>
+          </a:p>
+          <a:p>
+            <a:pPr lvl="1"/>
+            <a:r>
+              <a:rPr lang="en-US">
+                <a:latin typeface="Arial" charset="0"/>
+              </a:rPr>
+              <a:t>“Add” two strings together</a:t>
+            </a:r>
+          </a:p>
+          <a:p>
+            <a:pPr lvl="2"/>
+            <a:r>
+              <a:rPr lang="en-US">
+                <a:latin typeface="Arial" charset="0"/>
+              </a:rPr>
+              <a:t>“abc” + “def” = “abcdef”</a:t>
+            </a:r>
+          </a:p>
+        </p:txBody>
+      </p:sp>
+      <p:sp>
+        <p:nvSpPr>
+          <p:cNvPr id="22531" name="Date Placeholder 3"/>
           <p:cNvSpPr>
             <a:spLocks noGrp="1"/>
           </p:cNvSpPr>
@@ -6085,12 +5879,12 @@
           </a:lstStyle>
           <a:p>
             <a:pPr eaLnBrk="1" hangingPunct="1"/>
-            <a:fld id="{105C16ED-4735-8541-BA1D-00BD2F0CFA37}" type="datetime1">
+            <a:fld id="{719A6FF0-B78A-C84E-8CBE-9591AAEE1AD2}" type="datetime1">
               <a:rPr lang="en-US" sz="1200" smtClean="0">
                 <a:latin typeface="Garamond" charset="0"/>
                 <a:cs typeface="Arial" charset="0"/>
               </a:rPr>
-              <a:t>3/25/18</a:t>
+              <a:t>3/26/18</a:t>
             </a:fld>
             <a:endParaRPr lang="en-US" sz="1200">
               <a:latin typeface="Garamond" charset="0"/>
@@ -6127,7 +5921,7 @@
       </p:sp>
       <p:sp>
         <p:nvSpPr>
-          <p:cNvPr id="23557" name="Slide Number Placeholder 5"/>
+          <p:cNvPr id="22533" name="Slide Number Placeholder 5"/>
           <p:cNvSpPr>
             <a:spLocks noGrp="1"/>
           </p:cNvSpPr>
@@ -6270,7 +6064,7 @@
           </a:lstStyle>
           <a:p>
             <a:pPr eaLnBrk="1" hangingPunct="1"/>
-            <a:fld id="{6CD81D62-82F2-7344-B049-4ED08255A5DC}" type="slidenum">
+            <a:fld id="{2C301CE6-3F17-A846-BA25-0D6463054381}" type="slidenum">
               <a:rPr lang="en-US" sz="1200">
                 <a:latin typeface="Garamond" charset="0"/>
                 <a:cs typeface="Arial" charset="0"/>
@@ -6288,7 +6082,7 @@
     </p:spTree>
     <p:extLst>
       <p:ext uri="{BB962C8B-B14F-4D97-AF65-F5344CB8AC3E}">
-        <p14:creationId xmlns:p14="http://schemas.microsoft.com/office/powerpoint/2010/main" val="1487773911"/>
+        <p14:creationId xmlns:p14="http://schemas.microsoft.com/office/powerpoint/2010/main" val="3669480358"/>
       </p:ext>
     </p:extLst>
   </p:cSld>
@@ -6324,7 +6118,7 @@
       </p:grpSpPr>
       <p:sp>
         <p:nvSpPr>
-          <p:cNvPr id="24577" name="Title 1"/>
+          <p:cNvPr id="23553" name="Title 1"/>
           <p:cNvSpPr>
             <a:spLocks noGrp="1"/>
           </p:cNvSpPr>
@@ -6348,7 +6142,7 @@
       </p:sp>
       <p:sp>
         <p:nvSpPr>
-          <p:cNvPr id="24578" name="Content Placeholder 2"/>
+          <p:cNvPr id="23554" name="Content Placeholder 2"/>
           <p:cNvSpPr>
             <a:spLocks noGrp="1"/>
           </p:cNvSpPr>
@@ -6363,141 +6157,66 @@
           <a:p>
             <a:pPr>
               <a:lnSpc>
-                <a:spcPct val="90000"/>
+                <a:spcPct val="80000"/>
               </a:lnSpc>
             </a:pPr>
             <a:r>
-              <a:rPr lang="en-US">
-                <a:latin typeface="Arial" charset="0"/>
-              </a:rPr>
-              <a:t>Find # of characters in a string</a:t>
+              <a:rPr lang="en-US" sz="2800">
+                <a:latin typeface="Arial" charset="0"/>
+              </a:rPr>
+              <a:t>In </a:t>
+            </a:r>
+            <a:r>
+              <a:rPr lang="en-US" sz="2800">
+                <a:latin typeface="Courier New" charset="0"/>
+                <a:cs typeface="Courier New" charset="0"/>
+              </a:rPr>
+              <a:t>&lt;string.h&gt;</a:t>
+            </a:r>
+            <a:r>
+              <a:rPr lang="en-US" sz="2800">
+                <a:latin typeface="Arial" charset="0"/>
+              </a:rPr>
+              <a:t> library:</a:t>
             </a:r>
           </a:p>
           <a:p>
             <a:pPr lvl="1">
               <a:lnSpc>
-                <a:spcPct val="90000"/>
+                <a:spcPct val="80000"/>
               </a:lnSpc>
             </a:pPr>
             <a:r>
-              <a:rPr lang="en-US">
-                <a:latin typeface="Courier New" charset="0"/>
-                <a:cs typeface="Courier New" charset="0"/>
-              </a:rPr>
-              <a:t>size_t strlen(const char *s1);</a:t>
-            </a:r>
-          </a:p>
-          <a:p>
-            <a:pPr lvl="1">
+              <a:rPr lang="en-US" sz="2400">
+                <a:latin typeface="Arial" charset="0"/>
+              </a:rPr>
+              <a:t>Copying strings:</a:t>
+            </a:r>
+          </a:p>
+          <a:p>
+            <a:pPr lvl="2">
               <a:lnSpc>
-                <a:spcPct val="90000"/>
+                <a:spcPct val="80000"/>
               </a:lnSpc>
             </a:pPr>
             <a:r>
-              <a:rPr lang="en-US">
-                <a:latin typeface="Arial" charset="0"/>
-              </a:rPr>
-              <a:t>Returns # characters before </a:t>
-            </a:r>
-            <a:r>
-              <a:rPr lang="ja-JP" altLang="en-US">
+              <a:rPr lang="en-US" sz="2000">
                 <a:latin typeface="Courier New" charset="0"/>
                 <a:cs typeface="Courier New" charset="0"/>
               </a:rPr>
-              <a:t>‘</a:t>
-            </a:r>
-            <a:r>
-              <a:rPr lang="en-US" altLang="ja-JP">
-                <a:latin typeface="Courier New" charset="0"/>
-                <a:cs typeface="Courier New" charset="0"/>
-              </a:rPr>
-              <a:t>\0</a:t>
-            </a:r>
-            <a:r>
-              <a:rPr lang="ja-JP" altLang="en-US">
-                <a:latin typeface="Courier New" charset="0"/>
-                <a:cs typeface="Courier New" charset="0"/>
-              </a:rPr>
-              <a:t>’</a:t>
-            </a:r>
-            <a:endParaRPr lang="en-US" altLang="ja-JP">
-              <a:latin typeface="Courier New" charset="0"/>
-              <a:cs typeface="Courier New" charset="0"/>
-            </a:endParaRPr>
+              <a:t>char *strcpy(char *dest, </a:t>
+            </a:r>
           </a:p>
           <a:p>
             <a:pPr lvl="2">
               <a:lnSpc>
-                <a:spcPct val="90000"/>
-              </a:lnSpc>
-            </a:pPr>
-            <a:r>
-              <a:rPr lang="en-US">
-                <a:latin typeface="Arial" charset="0"/>
-                <a:cs typeface="Courier New" charset="0"/>
-              </a:rPr>
-              <a:t>Not necessarily size of array</a:t>
-            </a:r>
-          </a:p>
-          <a:p>
-            <a:pPr>
-              <a:lnSpc>
-                <a:spcPct val="90000"/>
-              </a:lnSpc>
-            </a:pPr>
-            <a:r>
-              <a:rPr lang="ja-JP" altLang="en-US">
-                <a:latin typeface="Arial" charset="0"/>
-                <a:cs typeface="Courier New" charset="0"/>
-              </a:rPr>
-              <a:t>“</a:t>
-            </a:r>
-            <a:r>
-              <a:rPr lang="en-US" altLang="ja-JP">
-                <a:latin typeface="Arial" charset="0"/>
-                <a:cs typeface="Courier New" charset="0"/>
-              </a:rPr>
-              <a:t>Add</a:t>
-            </a:r>
-            <a:r>
-              <a:rPr lang="ja-JP" altLang="en-US">
-                <a:latin typeface="Arial" charset="0"/>
-                <a:cs typeface="Courier New" charset="0"/>
-              </a:rPr>
-              <a:t>”</a:t>
-            </a:r>
-            <a:r>
-              <a:rPr lang="en-US" altLang="ja-JP">
-                <a:latin typeface="Arial" charset="0"/>
-                <a:cs typeface="Courier New" charset="0"/>
-              </a:rPr>
-              <a:t> strings together—string concatenation</a:t>
-            </a:r>
-          </a:p>
-          <a:p>
-            <a:pPr lvl="1">
-              <a:lnSpc>
-                <a:spcPct val="90000"/>
-              </a:lnSpc>
-            </a:pPr>
-            <a:r>
-              <a:rPr lang="en-US">
-                <a:latin typeface="Courier New" charset="0"/>
-                <a:cs typeface="Courier New" charset="0"/>
-              </a:rPr>
-              <a:t>char *strcat(char *dest, </a:t>
-            </a:r>
-          </a:p>
-          <a:p>
-            <a:pPr lvl="1">
-              <a:lnSpc>
-                <a:spcPct val="90000"/>
+                <a:spcPct val="80000"/>
               </a:lnSpc>
               <a:buFont typeface="Wingdings" charset="0"/>
               <a:buNone/>
             </a:pPr>
             <a:r>
-              <a:rPr lang="en-US">
+              <a:rPr lang="en-US" sz="2000">
                 <a:latin typeface="Courier New" charset="0"/>
                 <a:cs typeface="Courier New" charset="0"/>
               </a:rPr>
@@ -6505,29 +6224,29 @@
             </a:r>
           </a:p>
           <a:p>
-            <a:pPr lvl="1">
+            <a:pPr lvl="2">
               <a:lnSpc>
-                <a:spcPct val="90000"/>
+                <a:spcPct val="80000"/>
               </a:lnSpc>
             </a:pPr>
             <a:r>
-              <a:rPr lang="en-US">
+              <a:rPr lang="en-US" sz="2000">
                 <a:latin typeface="Courier New" charset="0"/>
                 <a:cs typeface="Courier New" charset="0"/>
               </a:rPr>
-              <a:t>char *strncat(char *dest, </a:t>
-            </a:r>
-          </a:p>
-          <a:p>
-            <a:pPr lvl="1">
+              <a:t>char *strncpy(char *dest, </a:t>
+            </a:r>
+          </a:p>
+          <a:p>
+            <a:pPr lvl="2">
               <a:lnSpc>
-                <a:spcPct val="90000"/>
+                <a:spcPct val="80000"/>
               </a:lnSpc>
               <a:buFont typeface="Wingdings" charset="0"/>
               <a:buNone/>
             </a:pPr>
             <a:r>
-              <a:rPr lang="en-US">
+              <a:rPr lang="en-US" sz="2000">
                 <a:latin typeface="Courier New" charset="0"/>
                 <a:cs typeface="Courier New" charset="0"/>
               </a:rPr>
@@ -6535,47 +6254,178 @@
             </a:r>
           </a:p>
           <a:p>
-            <a:pPr lvl="1">
+            <a:pPr lvl="2">
               <a:lnSpc>
-                <a:spcPct val="90000"/>
+                <a:spcPct val="80000"/>
               </a:lnSpc>
               <a:buFont typeface="Wingdings" charset="0"/>
               <a:buNone/>
             </a:pPr>
             <a:r>
-              <a:rPr lang="en-US">
+              <a:rPr lang="en-US" sz="2000">
                 <a:latin typeface="Courier New" charset="0"/>
                 <a:cs typeface="Courier New" charset="0"/>
               </a:rPr>
               <a:t>			    size_t num);</a:t>
+            </a:r>
+          </a:p>
+          <a:p>
+            <a:pPr lvl="2">
+              <a:lnSpc>
+                <a:spcPct val="80000"/>
+              </a:lnSpc>
+            </a:pPr>
+            <a:r>
+              <a:rPr lang="en-US" sz="2000">
+                <a:latin typeface="Arial" charset="0"/>
+              </a:rPr>
+              <a:t>Return </a:t>
+            </a:r>
+            <a:r>
+              <a:rPr lang="en-US" sz="2000">
+                <a:latin typeface="Courier New" charset="0"/>
+                <a:cs typeface="Courier New" charset="0"/>
+              </a:rPr>
+              <a:t>dest</a:t>
+            </a:r>
+          </a:p>
+          <a:p>
+            <a:pPr lvl="2">
+              <a:lnSpc>
+                <a:spcPct val="80000"/>
+              </a:lnSpc>
+            </a:pPr>
+            <a:r>
+              <a:rPr lang="en-US" sz="2000">
+                <a:latin typeface="Arial" charset="0"/>
+                <a:cs typeface="Courier New" charset="0"/>
+              </a:rPr>
+              <a:t>Does not append </a:t>
+            </a:r>
+            <a:r>
+              <a:rPr lang="ja-JP" altLang="en-US" sz="2000">
+                <a:latin typeface="Arial" charset="0"/>
+                <a:cs typeface="Courier New" charset="0"/>
+              </a:rPr>
+              <a:t>‘</a:t>
+            </a:r>
+            <a:r>
+              <a:rPr lang="en-US" altLang="ja-JP" sz="2000">
+                <a:latin typeface="Arial" charset="0"/>
+                <a:cs typeface="Courier New" charset="0"/>
+              </a:rPr>
+              <a:t>\0</a:t>
+            </a:r>
+            <a:r>
+              <a:rPr lang="ja-JP" altLang="en-US" sz="2000">
+                <a:latin typeface="Arial" charset="0"/>
+                <a:cs typeface="Courier New" charset="0"/>
+              </a:rPr>
+              <a:t>’</a:t>
+            </a:r>
+            <a:r>
+              <a:rPr lang="en-US" altLang="ja-JP" sz="2000">
+                <a:latin typeface="Arial" charset="0"/>
+                <a:cs typeface="Courier New" charset="0"/>
+              </a:rPr>
+              <a:t> unless length of </a:t>
+            </a:r>
+            <a:r>
+              <a:rPr lang="en-US" altLang="ja-JP" sz="2000">
+                <a:latin typeface="Courier New" charset="0"/>
+                <a:cs typeface="Courier New" charset="0"/>
+              </a:rPr>
+              <a:t>source</a:t>
+            </a:r>
+            <a:r>
+              <a:rPr lang="en-US" altLang="ja-JP" sz="2000">
+                <a:latin typeface="Arial" charset="0"/>
+                <a:cs typeface="Courier New" charset="0"/>
+              </a:rPr>
+              <a:t> &lt; </a:t>
+            </a:r>
+            <a:r>
+              <a:rPr lang="en-US" altLang="ja-JP" sz="2000">
+                <a:latin typeface="Courier New" charset="0"/>
+                <a:cs typeface="Courier New" charset="0"/>
+              </a:rPr>
+              <a:t>num</a:t>
             </a:r>
           </a:p>
           <a:p>
             <a:pPr lvl="1">
               <a:lnSpc>
-                <a:spcPct val="90000"/>
+                <a:spcPct val="80000"/>
               </a:lnSpc>
             </a:pPr>
             <a:r>
-              <a:rPr lang="en-US">
-                <a:latin typeface="Arial" charset="0"/>
-                <a:cs typeface="Courier New" charset="0"/>
-              </a:rPr>
-              <a:t>Returns </a:t>
-            </a:r>
-            <a:r>
-              <a:rPr lang="en-US">
+              <a:rPr lang="en-US" sz="2400">
+                <a:latin typeface="Arial" charset="0"/>
+              </a:rPr>
+              <a:t>Comparing strings:</a:t>
+            </a:r>
+          </a:p>
+          <a:p>
+            <a:pPr lvl="2">
+              <a:lnSpc>
+                <a:spcPct val="80000"/>
+              </a:lnSpc>
+            </a:pPr>
+            <a:r>
+              <a:rPr lang="en-US" sz="2000">
                 <a:latin typeface="Courier New" charset="0"/>
                 <a:cs typeface="Courier New" charset="0"/>
               </a:rPr>
-              <a:t>dest</a:t>
-            </a:r>
-          </a:p>
-        </p:txBody>
-      </p:sp>
-      <p:sp>
-        <p:nvSpPr>
-          <p:cNvPr id="24579" name="Date Placeholder 3"/>
+              <a:t>int strcmp(const char *s1, const char *s2);</a:t>
+            </a:r>
+          </a:p>
+          <a:p>
+            <a:pPr lvl="2">
+              <a:lnSpc>
+                <a:spcPct val="80000"/>
+              </a:lnSpc>
+            </a:pPr>
+            <a:r>
+              <a:rPr lang="en-US" sz="2000">
+                <a:latin typeface="Courier New" charset="0"/>
+                <a:cs typeface="Courier New" charset="0"/>
+              </a:rPr>
+              <a:t>int strncmp(const char *s1, const char *s2, 		size_t num);</a:t>
+            </a:r>
+          </a:p>
+          <a:p>
+            <a:pPr lvl="2">
+              <a:lnSpc>
+                <a:spcPct val="80000"/>
+              </a:lnSpc>
+            </a:pPr>
+            <a:r>
+              <a:rPr lang="en-US" sz="2000">
+                <a:latin typeface="Arial" charset="0"/>
+                <a:cs typeface="Courier New" charset="0"/>
+              </a:rPr>
+              <a:t>Character-by-character comparison of character values</a:t>
+            </a:r>
+          </a:p>
+          <a:p>
+            <a:pPr lvl="2">
+              <a:lnSpc>
+                <a:spcPct val="80000"/>
+              </a:lnSpc>
+            </a:pPr>
+            <a:r>
+              <a:rPr lang="en-US" sz="2000">
+                <a:latin typeface="Arial" charset="0"/>
+                <a:cs typeface="Courier New" charset="0"/>
+              </a:rPr>
+              <a:t>Returns 0 if s1 == s2, &gt;0 if s1 &gt; s2, &lt;0 if s1 &lt; s2</a:t>
+            </a:r>
+          </a:p>
+        </p:txBody>
+      </p:sp>
+      <p:sp>
+        <p:nvSpPr>
+          <p:cNvPr id="23555" name="Date Placeholder 3"/>
           <p:cNvSpPr>
             <a:spLocks noGrp="1"/>
           </p:cNvSpPr>
@@ -6718,12 +6568,12 @@
           </a:lstStyle>
           <a:p>
             <a:pPr eaLnBrk="1" hangingPunct="1"/>
-            <a:fld id="{280B038E-A88C-B840-953F-8277E78A97AE}" type="datetime1">
+            <a:fld id="{105C16ED-4735-8541-BA1D-00BD2F0CFA37}" type="datetime1">
               <a:rPr lang="en-US" sz="1200" smtClean="0">
                 <a:latin typeface="Garamond" charset="0"/>
                 <a:cs typeface="Arial" charset="0"/>
               </a:rPr>
-              <a:t>3/25/18</a:t>
+              <a:t>3/26/18</a:t>
             </a:fld>
             <a:endParaRPr lang="en-US" sz="1200">
               <a:latin typeface="Garamond" charset="0"/>
@@ -6760,7 +6610,7 @@
       </p:sp>
       <p:sp>
         <p:nvSpPr>
-          <p:cNvPr id="24581" name="Slide Number Placeholder 5"/>
+          <p:cNvPr id="23557" name="Slide Number Placeholder 5"/>
           <p:cNvSpPr>
             <a:spLocks noGrp="1"/>
           </p:cNvSpPr>
@@ -6903,7 +6753,7 @@
           </a:lstStyle>
           <a:p>
             <a:pPr eaLnBrk="1" hangingPunct="1"/>
-            <a:fld id="{A1A4E562-9E91-1D48-8FB4-F5CF7960CF23}" type="slidenum">
+            <a:fld id="{6CD81D62-82F2-7344-B049-4ED08255A5DC}" type="slidenum">
               <a:rPr lang="en-US" sz="1200">
                 <a:latin typeface="Garamond" charset="0"/>
                 <a:cs typeface="Arial" charset="0"/>
@@ -6921,7 +6771,7 @@
     </p:spTree>
     <p:extLst>
       <p:ext uri="{BB962C8B-B14F-4D97-AF65-F5344CB8AC3E}">
-        <p14:creationId xmlns:p14="http://schemas.microsoft.com/office/powerpoint/2010/main" val="723209987"/>
+        <p14:creationId xmlns:p14="http://schemas.microsoft.com/office/powerpoint/2010/main" val="1487773911"/>
       </p:ext>
     </p:extLst>
   </p:cSld>
@@ -6957,7 +6807,7 @@
       </p:grpSpPr>
       <p:sp>
         <p:nvSpPr>
-          <p:cNvPr id="25601" name="Title 1"/>
+          <p:cNvPr id="24577" name="Title 1"/>
           <p:cNvSpPr>
             <a:spLocks noGrp="1"/>
           </p:cNvSpPr>
@@ -6974,928 +6824,241 @@
               <a:rPr lang="en-US">
                 <a:latin typeface="Garamond" charset="0"/>
               </a:rPr>
-              <a:t>Example: Strings</a:t>
-            </a:r>
-          </a:p>
-        </p:txBody>
-      </p:sp>
-      <p:sp>
-        <p:nvSpPr>
-          <p:cNvPr id="25602" name="Content Placeholder 2"/>
+              <a:t>String functions (cont.)</a:t>
+            </a:r>
+          </a:p>
+        </p:txBody>
+      </p:sp>
+      <p:sp>
+        <p:nvSpPr>
+          <p:cNvPr id="24578" name="Content Placeholder 2"/>
           <p:cNvSpPr>
             <a:spLocks noGrp="1"/>
           </p:cNvSpPr>
           <p:nvPr>
-            <p:ph sz="half" idx="1"/>
-          </p:nvPr>
-        </p:nvSpPr>
-        <p:spPr>
-          <a:xfrm>
-            <a:off x="0" y="1143000"/>
-            <a:ext cx="4572000" cy="4987925"/>
-          </a:xfrm>
-          <a:ln>
-            <a:solidFill>
-              <a:schemeClr val="accent1"/>
-            </a:solidFill>
-            <a:miter lim="800000"/>
-            <a:headEnd/>
-            <a:tailEnd/>
-          </a:ln>
-        </p:spPr>
+            <p:ph idx="1"/>
+          </p:nvPr>
+        </p:nvSpPr>
+        <p:spPr/>
         <p:txBody>
           <a:bodyPr/>
           <a:lstStyle/>
           <a:p>
             <a:pPr>
               <a:lnSpc>
-                <a:spcPct val="80000"/>
+                <a:spcPct val="90000"/>
               </a:lnSpc>
             </a:pPr>
             <a:r>
-              <a:rPr lang="en-US" sz="1800">
-                <a:latin typeface="Arial" charset="0"/>
-              </a:rPr>
-              <a:t>What does the following program print?</a:t>
+              <a:rPr lang="en-US">
+                <a:latin typeface="Arial" charset="0"/>
+              </a:rPr>
+              <a:t>Find # of characters in a string</a:t>
+            </a:r>
+          </a:p>
+          <a:p>
+            <a:pPr lvl="1">
+              <a:lnSpc>
+                <a:spcPct val="90000"/>
+              </a:lnSpc>
+            </a:pPr>
+            <a:r>
+              <a:rPr lang="en-US">
+                <a:latin typeface="Courier New" charset="0"/>
+                <a:cs typeface="Courier New" charset="0"/>
+              </a:rPr>
+              <a:t>size_t strlen(const char *s1);</a:t>
+            </a:r>
+          </a:p>
+          <a:p>
+            <a:pPr lvl="1">
+              <a:lnSpc>
+                <a:spcPct val="90000"/>
+              </a:lnSpc>
+            </a:pPr>
+            <a:r>
+              <a:rPr lang="en-US">
+                <a:latin typeface="Arial" charset="0"/>
+              </a:rPr>
+              <a:t>Returns # characters before </a:t>
+            </a:r>
+            <a:r>
+              <a:rPr lang="ja-JP" altLang="en-US">
+                <a:latin typeface="Courier New" charset="0"/>
+                <a:cs typeface="Courier New" charset="0"/>
+              </a:rPr>
+              <a:t>‘</a:t>
+            </a:r>
+            <a:r>
+              <a:rPr lang="en-US" altLang="ja-JP">
+                <a:latin typeface="Courier New" charset="0"/>
+                <a:cs typeface="Courier New" charset="0"/>
+              </a:rPr>
+              <a:t>\0</a:t>
+            </a:r>
+            <a:r>
+              <a:rPr lang="ja-JP" altLang="en-US">
+                <a:latin typeface="Courier New" charset="0"/>
+                <a:cs typeface="Courier New" charset="0"/>
+              </a:rPr>
+              <a:t>’</a:t>
+            </a:r>
+            <a:endParaRPr lang="en-US" altLang="ja-JP">
+              <a:latin typeface="Courier New" charset="0"/>
+              <a:cs typeface="Courier New" charset="0"/>
+            </a:endParaRPr>
+          </a:p>
+          <a:p>
+            <a:pPr lvl="2">
+              <a:lnSpc>
+                <a:spcPct val="90000"/>
+              </a:lnSpc>
+            </a:pPr>
+            <a:r>
+              <a:rPr lang="en-US">
+                <a:latin typeface="Arial" charset="0"/>
+                <a:cs typeface="Courier New" charset="0"/>
+              </a:rPr>
+              <a:t>Not necessarily size of array</a:t>
             </a:r>
           </a:p>
           <a:p>
             <a:pPr>
               <a:lnSpc>
-                <a:spcPct val="80000"/>
+                <a:spcPct val="90000"/>
+              </a:lnSpc>
+            </a:pPr>
+            <a:r>
+              <a:rPr lang="ja-JP" altLang="en-US">
+                <a:latin typeface="Arial" charset="0"/>
+                <a:cs typeface="Courier New" charset="0"/>
+              </a:rPr>
+              <a:t>“</a:t>
+            </a:r>
+            <a:r>
+              <a:rPr lang="en-US" altLang="ja-JP">
+                <a:latin typeface="Arial" charset="0"/>
+                <a:cs typeface="Courier New" charset="0"/>
+              </a:rPr>
+              <a:t>Add</a:t>
+            </a:r>
+            <a:r>
+              <a:rPr lang="ja-JP" altLang="en-US">
+                <a:latin typeface="Arial" charset="0"/>
+                <a:cs typeface="Courier New" charset="0"/>
+              </a:rPr>
+              <a:t>”</a:t>
+            </a:r>
+            <a:r>
+              <a:rPr lang="en-US" altLang="ja-JP">
+                <a:latin typeface="Arial" charset="0"/>
+                <a:cs typeface="Courier New" charset="0"/>
+              </a:rPr>
+              <a:t> strings together—string concatenation</a:t>
+            </a:r>
+          </a:p>
+          <a:p>
+            <a:pPr lvl="1">
+              <a:lnSpc>
+                <a:spcPct val="90000"/>
+              </a:lnSpc>
+            </a:pPr>
+            <a:r>
+              <a:rPr lang="en-US">
+                <a:latin typeface="Courier New" charset="0"/>
+                <a:cs typeface="Courier New" charset="0"/>
+              </a:rPr>
+              <a:t>char *strcat(char *dest, </a:t>
+            </a:r>
+          </a:p>
+          <a:p>
+            <a:pPr lvl="1">
+              <a:lnSpc>
+                <a:spcPct val="90000"/>
               </a:lnSpc>
               <a:buFont typeface="Wingdings" charset="0"/>
               <a:buNone/>
             </a:pPr>
             <a:r>
-              <a:rPr lang="en-US" sz="1500">
+              <a:rPr lang="en-US">
                 <a:latin typeface="Courier New" charset="0"/>
                 <a:cs typeface="Courier New" charset="0"/>
               </a:rPr>
-              <a:t>int main() {</a:t>
-            </a:r>
-          </a:p>
-          <a:p>
-            <a:pPr>
+              <a:t>			   const char *source);</a:t>
+            </a:r>
+          </a:p>
+          <a:p>
+            <a:pPr lvl="1">
               <a:lnSpc>
-                <a:spcPct val="80000"/>
+                <a:spcPct val="90000"/>
+              </a:lnSpc>
+            </a:pPr>
+            <a:r>
+              <a:rPr lang="en-US">
+                <a:latin typeface="Courier New" charset="0"/>
+                <a:cs typeface="Courier New" charset="0"/>
+              </a:rPr>
+              <a:t>char *strncat(char *dest, </a:t>
+            </a:r>
+          </a:p>
+          <a:p>
+            <a:pPr lvl="1">
+              <a:lnSpc>
+                <a:spcPct val="90000"/>
               </a:lnSpc>
               <a:buFont typeface="Wingdings" charset="0"/>
               <a:buNone/>
             </a:pPr>
             <a:r>
-              <a:rPr lang="en-US" sz="1500">
+              <a:rPr lang="en-US">
                 <a:latin typeface="Courier New" charset="0"/>
                 <a:cs typeface="Courier New" charset="0"/>
               </a:rPr>
-              <a:t>	char s1[15];</a:t>
+              <a:t>			    const char *source, </a:t>
             </a:r>
           </a:p>
           <a:p>
             <a:pPr lvl="1">
               <a:lnSpc>
-                <a:spcPct val="80000"/>
+                <a:spcPct val="90000"/>
               </a:lnSpc>
               <a:buFont typeface="Wingdings" charset="0"/>
               <a:buNone/>
             </a:pPr>
             <a:r>
-              <a:rPr lang="en-US" sz="1500">
+              <a:rPr lang="en-US">
                 <a:latin typeface="Courier New" charset="0"/>
                 <a:cs typeface="Courier New" charset="0"/>
               </a:rPr>
-              <a:t>int n1;</a:t>
+              <a:t>			    size_t num);</a:t>
             </a:r>
           </a:p>
           <a:p>
             <a:pPr lvl="1">
               <a:lnSpc>
-                <a:spcPct val="80000"/>
+                <a:spcPct val="90000"/>
               </a:lnSpc>
-              <a:buFont typeface="Wingdings" charset="0"/>
-              <a:buNone/>
             </a:pPr>
             <a:r>
-              <a:rPr lang="en-US" sz="1500">
+              <a:rPr lang="en-US">
+                <a:latin typeface="Arial" charset="0"/>
+                <a:cs typeface="Courier New" charset="0"/>
+              </a:rPr>
+              <a:t>Returns </a:t>
+            </a:r>
+            <a:r>
+              <a:rPr lang="en-US">
                 <a:latin typeface="Courier New" charset="0"/>
                 <a:cs typeface="Courier New" charset="0"/>
               </a:rPr>
-              <a:t>char s2[10] = </a:t>
-            </a:r>
-            <a:r>
-              <a:rPr lang="ja-JP" altLang="en-US" sz="1500">
-                <a:latin typeface="Courier New" charset="0"/>
-                <a:cs typeface="Courier New" charset="0"/>
-              </a:rPr>
-              <a:t>“</a:t>
-            </a:r>
-            <a:r>
-              <a:rPr lang="en-US" altLang="ja-JP" sz="1500">
-                <a:latin typeface="Courier New" charset="0"/>
-                <a:cs typeface="Courier New" charset="0"/>
-              </a:rPr>
-              <a:t>.216</a:t>
-            </a:r>
-            <a:r>
-              <a:rPr lang="ja-JP" altLang="en-US" sz="1500">
-                <a:latin typeface="Courier New" charset="0"/>
-                <a:cs typeface="Courier New" charset="0"/>
-              </a:rPr>
-              <a:t>”</a:t>
-            </a:r>
-            <a:r>
-              <a:rPr lang="en-US" altLang="ja-JP" sz="1500">
-                <a:latin typeface="Courier New" charset="0"/>
-                <a:cs typeface="Courier New" charset="0"/>
-              </a:rPr>
-              <a:t>;</a:t>
-            </a:r>
-          </a:p>
-          <a:p>
-            <a:pPr lvl="1">
-              <a:lnSpc>
-                <a:spcPct val="80000"/>
-              </a:lnSpc>
-              <a:buFont typeface="Wingdings" charset="0"/>
-              <a:buNone/>
-            </a:pPr>
-            <a:r>
-              <a:rPr lang="en-US" sz="1500">
-                <a:latin typeface="Courier New" charset="0"/>
-                <a:cs typeface="Courier New" charset="0"/>
-              </a:rPr>
-              <a:t>int n;</a:t>
-            </a:r>
-          </a:p>
-          <a:p>
-            <a:pPr lvl="1">
-              <a:lnSpc>
-                <a:spcPct val="80000"/>
-              </a:lnSpc>
-              <a:buFont typeface="Wingdings" charset="0"/>
-              <a:buNone/>
-            </a:pPr>
-            <a:endParaRPr lang="en-US" sz="1500">
-              <a:latin typeface="Courier New" charset="0"/>
-              <a:cs typeface="Courier New" charset="0"/>
-            </a:endParaRPr>
-          </a:p>
-          <a:p>
-            <a:pPr lvl="1">
-              <a:lnSpc>
-                <a:spcPct val="80000"/>
-              </a:lnSpc>
-              <a:buFont typeface="Wingdings" charset="0"/>
-              <a:buNone/>
-            </a:pPr>
-            <a:r>
-              <a:rPr lang="en-US" sz="1500">
-                <a:latin typeface="Courier New" charset="0"/>
-                <a:cs typeface="Courier New" charset="0"/>
-              </a:rPr>
-              <a:t>strncpy(s1, </a:t>
-            </a:r>
-            <a:r>
-              <a:rPr lang="ja-JP" altLang="en-US" sz="1500">
-                <a:latin typeface="Courier New" charset="0"/>
-                <a:cs typeface="Courier New" charset="0"/>
-              </a:rPr>
-              <a:t>“</a:t>
-            </a:r>
-            <a:r>
-              <a:rPr lang="en-US" altLang="ja-JP" sz="1500">
-                <a:latin typeface="Courier New" charset="0"/>
-                <a:cs typeface="Courier New" charset="0"/>
-              </a:rPr>
-              <a:t>16</a:t>
-            </a:r>
-            <a:r>
-              <a:rPr lang="ja-JP" altLang="en-US" sz="1500">
-                <a:latin typeface="Courier New" charset="0"/>
-                <a:cs typeface="Courier New" charset="0"/>
-              </a:rPr>
-              <a:t>”</a:t>
-            </a:r>
-            <a:r>
-              <a:rPr lang="en-US" altLang="ja-JP" sz="1500">
-                <a:latin typeface="Courier New" charset="0"/>
-                <a:cs typeface="Courier New" charset="0"/>
-              </a:rPr>
-              <a:t>, 15);</a:t>
-            </a:r>
-          </a:p>
-          <a:p>
-            <a:pPr lvl="1">
-              <a:lnSpc>
-                <a:spcPct val="80000"/>
-              </a:lnSpc>
-              <a:buFont typeface="Wingdings" charset="0"/>
-              <a:buNone/>
-            </a:pPr>
-            <a:r>
-              <a:rPr lang="en-US" sz="1500">
-                <a:latin typeface="Courier New" charset="0"/>
-                <a:cs typeface="Courier New" charset="0"/>
-              </a:rPr>
-              <a:t>n1 = strlen(s1);</a:t>
-            </a:r>
-          </a:p>
-          <a:p>
-            <a:pPr lvl="1">
-              <a:lnSpc>
-                <a:spcPct val="80000"/>
-              </a:lnSpc>
-              <a:buFont typeface="Wingdings" charset="0"/>
-              <a:buNone/>
-            </a:pPr>
-            <a:r>
-              <a:rPr lang="en-US" sz="1500">
-                <a:latin typeface="Courier New" charset="0"/>
-                <a:cs typeface="Courier New" charset="0"/>
-              </a:rPr>
-              <a:t>printf(</a:t>
-            </a:r>
-            <a:r>
-              <a:rPr lang="ja-JP" altLang="en-US" sz="1500">
-                <a:latin typeface="Courier New" charset="0"/>
-                <a:cs typeface="Courier New" charset="0"/>
-              </a:rPr>
-              <a:t>“</a:t>
-            </a:r>
-            <a:r>
-              <a:rPr lang="en-US" altLang="ja-JP" sz="1500">
-                <a:latin typeface="Courier New" charset="0"/>
-                <a:cs typeface="Courier New" charset="0"/>
-              </a:rPr>
-              <a:t>s1 = %s\n</a:t>
-            </a:r>
-            <a:r>
-              <a:rPr lang="ja-JP" altLang="en-US" sz="1500">
-                <a:latin typeface="Courier New" charset="0"/>
-                <a:cs typeface="Courier New" charset="0"/>
-              </a:rPr>
-              <a:t>”</a:t>
-            </a:r>
-            <a:r>
-              <a:rPr lang="en-US" altLang="ja-JP" sz="1500">
-                <a:latin typeface="Courier New" charset="0"/>
-                <a:cs typeface="Courier New" charset="0"/>
-              </a:rPr>
-              <a:t>, s1);</a:t>
-            </a:r>
-          </a:p>
-          <a:p>
-            <a:pPr lvl="1">
-              <a:lnSpc>
-                <a:spcPct val="80000"/>
-              </a:lnSpc>
-              <a:buFont typeface="Wingdings" charset="0"/>
-              <a:buNone/>
-            </a:pPr>
-            <a:r>
-              <a:rPr lang="en-US" sz="1500">
-                <a:latin typeface="Courier New" charset="0"/>
-                <a:cs typeface="Courier New" charset="0"/>
-              </a:rPr>
-              <a:t>printf(</a:t>
-            </a:r>
-            <a:r>
-              <a:rPr lang="ja-JP" altLang="en-US" sz="1500">
-                <a:latin typeface="Courier New" charset="0"/>
-                <a:cs typeface="Courier New" charset="0"/>
-              </a:rPr>
-              <a:t>“</a:t>
-            </a:r>
-            <a:r>
-              <a:rPr lang="en-US" altLang="ja-JP" sz="1500">
-                <a:latin typeface="Courier New" charset="0"/>
-                <a:cs typeface="Courier New" charset="0"/>
-              </a:rPr>
-              <a:t>Length of s1 = %d\n\n</a:t>
-            </a:r>
-            <a:r>
-              <a:rPr lang="ja-JP" altLang="en-US" sz="1500">
-                <a:latin typeface="Courier New" charset="0"/>
-                <a:cs typeface="Courier New" charset="0"/>
-              </a:rPr>
-              <a:t>”</a:t>
-            </a:r>
-            <a:r>
-              <a:rPr lang="en-US" altLang="ja-JP" sz="1500">
-                <a:latin typeface="Courier New" charset="0"/>
-                <a:cs typeface="Courier New" charset="0"/>
-              </a:rPr>
-              <a:t>, n1);</a:t>
-            </a:r>
-          </a:p>
-          <a:p>
-            <a:pPr lvl="1">
-              <a:lnSpc>
-                <a:spcPct val="80000"/>
-              </a:lnSpc>
-              <a:buFont typeface="Wingdings" charset="0"/>
-              <a:buNone/>
-            </a:pPr>
-            <a:endParaRPr lang="en-US" sz="1500">
-              <a:latin typeface="Courier New" charset="0"/>
-              <a:cs typeface="Courier New" charset="0"/>
-            </a:endParaRPr>
-          </a:p>
-          <a:p>
-            <a:pPr lvl="1">
-              <a:lnSpc>
-                <a:spcPct val="80000"/>
-              </a:lnSpc>
-              <a:buFont typeface="Wingdings" charset="0"/>
-              <a:buNone/>
-            </a:pPr>
-            <a:r>
-              <a:rPr lang="en-US" sz="1500">
-                <a:latin typeface="Courier New" charset="0"/>
-                <a:cs typeface="Courier New" charset="0"/>
-              </a:rPr>
-              <a:t>printf(</a:t>
-            </a:r>
-            <a:r>
-              <a:rPr lang="ja-JP" altLang="en-US" sz="1500">
-                <a:latin typeface="Courier New" charset="0"/>
-                <a:cs typeface="Courier New" charset="0"/>
-              </a:rPr>
-              <a:t>“</a:t>
-            </a:r>
-            <a:r>
-              <a:rPr lang="en-US" altLang="ja-JP" sz="1500">
-                <a:latin typeface="Courier New" charset="0"/>
-                <a:cs typeface="Courier New" charset="0"/>
-              </a:rPr>
-              <a:t>%c\n\n</a:t>
-            </a:r>
-            <a:r>
-              <a:rPr lang="ja-JP" altLang="en-US" sz="1500">
-                <a:latin typeface="Courier New" charset="0"/>
-                <a:cs typeface="Courier New" charset="0"/>
-              </a:rPr>
-              <a:t>”</a:t>
-            </a:r>
-            <a:r>
-              <a:rPr lang="en-US" altLang="ja-JP" sz="1500">
-                <a:latin typeface="Courier New" charset="0"/>
-                <a:cs typeface="Courier New" charset="0"/>
-              </a:rPr>
-              <a:t>, s1[1]);</a:t>
-            </a:r>
-          </a:p>
-          <a:p>
-            <a:pPr lvl="1">
-              <a:lnSpc>
-                <a:spcPct val="80000"/>
-              </a:lnSpc>
-              <a:buFont typeface="Wingdings" charset="0"/>
-              <a:buNone/>
-            </a:pPr>
-            <a:endParaRPr lang="en-US" sz="1500">
-              <a:latin typeface="Courier New" charset="0"/>
-              <a:cs typeface="Courier New" charset="0"/>
-            </a:endParaRPr>
-          </a:p>
-        </p:txBody>
-      </p:sp>
-      <p:sp>
-        <p:nvSpPr>
-          <p:cNvPr id="25603" name="Content Placeholder 6"/>
-          <p:cNvSpPr>
-            <a:spLocks noGrp="1"/>
-          </p:cNvSpPr>
-          <p:nvPr>
-            <p:ph sz="half" idx="2"/>
-          </p:nvPr>
-        </p:nvSpPr>
-        <p:spPr>
-          <a:xfrm>
-            <a:off x="4572000" y="1143000"/>
-            <a:ext cx="4495800" cy="4987925"/>
-          </a:xfrm>
-          <a:ln>
-            <a:solidFill>
-              <a:schemeClr val="accent1"/>
-            </a:solidFill>
-            <a:miter lim="800000"/>
-            <a:headEnd/>
-            <a:tailEnd/>
-          </a:ln>
-        </p:spPr>
-        <p:txBody>
-          <a:bodyPr/>
-          <a:lstStyle/>
-          <a:p>
-            <a:pPr lvl="1">
-              <a:lnSpc>
-                <a:spcPct val="80000"/>
-              </a:lnSpc>
-              <a:buFont typeface="Wingdings" charset="0"/>
-              <a:buNone/>
-            </a:pPr>
-            <a:r>
-              <a:rPr lang="en-US" sz="1500">
-                <a:latin typeface="Courier New" charset="0"/>
-                <a:cs typeface="Courier New" charset="0"/>
-              </a:rPr>
-              <a:t>strncat(s1,s2,10);</a:t>
-            </a:r>
-          </a:p>
-          <a:p>
-            <a:pPr lvl="1">
-              <a:lnSpc>
-                <a:spcPct val="80000"/>
-              </a:lnSpc>
-              <a:buFont typeface="Wingdings" charset="0"/>
-              <a:buNone/>
-            </a:pPr>
-            <a:r>
-              <a:rPr lang="en-US" sz="1500">
-                <a:latin typeface="Courier New" charset="0"/>
-                <a:cs typeface="Courier New" charset="0"/>
-              </a:rPr>
-              <a:t>n1 = strlen(s1);</a:t>
-            </a:r>
-          </a:p>
-          <a:p>
-            <a:pPr lvl="1">
-              <a:lnSpc>
-                <a:spcPct val="80000"/>
-              </a:lnSpc>
-              <a:buFont typeface="Wingdings" charset="0"/>
-              <a:buNone/>
-            </a:pPr>
-            <a:r>
-              <a:rPr lang="en-US" sz="1500">
-                <a:latin typeface="Courier New" charset="0"/>
-                <a:cs typeface="Courier New" charset="0"/>
-              </a:rPr>
-              <a:t>printf(</a:t>
-            </a:r>
-            <a:r>
-              <a:rPr lang="ja-JP" altLang="en-US" sz="1500">
-                <a:latin typeface="Courier New" charset="0"/>
-                <a:cs typeface="Courier New" charset="0"/>
-              </a:rPr>
-              <a:t>“</a:t>
-            </a:r>
-            <a:r>
-              <a:rPr lang="en-US" altLang="ja-JP" sz="1500">
-                <a:latin typeface="Courier New" charset="0"/>
-                <a:cs typeface="Courier New" charset="0"/>
-              </a:rPr>
-              <a:t>s1 = %s\n</a:t>
-            </a:r>
-            <a:r>
-              <a:rPr lang="ja-JP" altLang="en-US" sz="1500">
-                <a:latin typeface="Courier New" charset="0"/>
-                <a:cs typeface="Courier New" charset="0"/>
-              </a:rPr>
-              <a:t>”</a:t>
-            </a:r>
-            <a:r>
-              <a:rPr lang="en-US" altLang="ja-JP" sz="1500">
-                <a:latin typeface="Courier New" charset="0"/>
-                <a:cs typeface="Courier New" charset="0"/>
-              </a:rPr>
-              <a:t>, s1);</a:t>
-            </a:r>
-          </a:p>
-          <a:p>
-            <a:pPr lvl="1">
-              <a:lnSpc>
-                <a:spcPct val="80000"/>
-              </a:lnSpc>
-              <a:buFont typeface="Wingdings" charset="0"/>
-              <a:buNone/>
-            </a:pPr>
-            <a:r>
-              <a:rPr lang="en-US" sz="1500">
-                <a:latin typeface="Courier New" charset="0"/>
-                <a:cs typeface="Courier New" charset="0"/>
-              </a:rPr>
-              <a:t>printf(</a:t>
-            </a:r>
-            <a:r>
-              <a:rPr lang="ja-JP" altLang="en-US" sz="1500">
-                <a:latin typeface="Courier New" charset="0"/>
-                <a:cs typeface="Courier New" charset="0"/>
-              </a:rPr>
-              <a:t>“</a:t>
-            </a:r>
-            <a:r>
-              <a:rPr lang="en-US" altLang="ja-JP" sz="1500">
-                <a:latin typeface="Courier New" charset="0"/>
-                <a:cs typeface="Courier New" charset="0"/>
-              </a:rPr>
-              <a:t>Length of s1 = %d\n\n</a:t>
-            </a:r>
-            <a:r>
-              <a:rPr lang="ja-JP" altLang="en-US" sz="1500">
-                <a:latin typeface="Courier New" charset="0"/>
-                <a:cs typeface="Courier New" charset="0"/>
-              </a:rPr>
-              <a:t>”</a:t>
-            </a:r>
-            <a:r>
-              <a:rPr lang="en-US" altLang="ja-JP" sz="1500">
-                <a:latin typeface="Courier New" charset="0"/>
-                <a:cs typeface="Courier New" charset="0"/>
-              </a:rPr>
-              <a:t>, n1);</a:t>
-            </a:r>
-          </a:p>
-          <a:p>
-            <a:pPr lvl="1">
-              <a:lnSpc>
-                <a:spcPct val="80000"/>
-              </a:lnSpc>
-              <a:buFont typeface="Wingdings" charset="0"/>
-              <a:buNone/>
-            </a:pPr>
-            <a:endParaRPr lang="en-US" sz="1500">
-              <a:latin typeface="Courier New" charset="0"/>
-              <a:cs typeface="Courier New" charset="0"/>
-            </a:endParaRPr>
-          </a:p>
-          <a:p>
-            <a:pPr lvl="1">
-              <a:lnSpc>
-                <a:spcPct val="80000"/>
-              </a:lnSpc>
-              <a:buFont typeface="Wingdings" charset="0"/>
-              <a:buNone/>
-            </a:pPr>
-            <a:r>
-              <a:rPr lang="en-US" sz="1500">
-                <a:latin typeface="Courier New" charset="0"/>
-                <a:cs typeface="Courier New" charset="0"/>
-              </a:rPr>
-              <a:t>// Assume user inputs: ABC ABD</a:t>
-            </a:r>
-          </a:p>
-          <a:p>
-            <a:pPr lvl="1">
-              <a:lnSpc>
-                <a:spcPct val="80000"/>
-              </a:lnSpc>
-              <a:buFont typeface="Wingdings" charset="0"/>
-              <a:buNone/>
-            </a:pPr>
-            <a:r>
-              <a:rPr lang="en-US" sz="1500">
-                <a:latin typeface="Courier New" charset="0"/>
-                <a:cs typeface="Courier New" charset="0"/>
-              </a:rPr>
-              <a:t>printf(</a:t>
-            </a:r>
-            <a:r>
-              <a:rPr lang="ja-JP" altLang="en-US" sz="1500">
-                <a:latin typeface="Courier New" charset="0"/>
-                <a:cs typeface="Courier New" charset="0"/>
-              </a:rPr>
-              <a:t>“</a:t>
-            </a:r>
-            <a:r>
-              <a:rPr lang="en-US" altLang="ja-JP" sz="1500">
-                <a:latin typeface="Courier New" charset="0"/>
-                <a:cs typeface="Courier New" charset="0"/>
-              </a:rPr>
-              <a:t>Enter two strings:</a:t>
-            </a:r>
-            <a:r>
-              <a:rPr lang="ja-JP" altLang="en-US" sz="1500">
-                <a:latin typeface="Courier New" charset="0"/>
-                <a:cs typeface="Courier New" charset="0"/>
-              </a:rPr>
-              <a:t>”</a:t>
-            </a:r>
-            <a:r>
-              <a:rPr lang="en-US" altLang="ja-JP" sz="1500">
-                <a:latin typeface="Courier New" charset="0"/>
-                <a:cs typeface="Courier New" charset="0"/>
-              </a:rPr>
-              <a:t>);</a:t>
-            </a:r>
-          </a:p>
-          <a:p>
-            <a:pPr lvl="1">
-              <a:lnSpc>
-                <a:spcPct val="80000"/>
-              </a:lnSpc>
-              <a:buFont typeface="Wingdings" charset="0"/>
-              <a:buNone/>
-            </a:pPr>
-            <a:r>
-              <a:rPr lang="en-US" sz="1500">
-                <a:latin typeface="Courier New" charset="0"/>
-                <a:cs typeface="Courier New" charset="0"/>
-              </a:rPr>
-              <a:t>scanf(</a:t>
-            </a:r>
-            <a:r>
-              <a:rPr lang="ja-JP" altLang="en-US" sz="1500">
-                <a:latin typeface="Courier New" charset="0"/>
-                <a:cs typeface="Courier New" charset="0"/>
-              </a:rPr>
-              <a:t>“</a:t>
-            </a:r>
-            <a:r>
-              <a:rPr lang="en-US" altLang="ja-JP" sz="1500">
-                <a:latin typeface="Courier New" charset="0"/>
-                <a:cs typeface="Courier New" charset="0"/>
-              </a:rPr>
-              <a:t>%s%s</a:t>
-            </a:r>
-            <a:r>
-              <a:rPr lang="ja-JP" altLang="en-US" sz="1500">
-                <a:latin typeface="Courier New" charset="0"/>
-                <a:cs typeface="Courier New" charset="0"/>
-              </a:rPr>
-              <a:t>”</a:t>
-            </a:r>
-            <a:r>
-              <a:rPr lang="en-US" altLang="ja-JP" sz="1500">
-                <a:latin typeface="Courier New" charset="0"/>
-                <a:cs typeface="Courier New" charset="0"/>
-              </a:rPr>
-              <a:t>, s1, s2);</a:t>
-            </a:r>
-          </a:p>
-          <a:p>
-            <a:pPr lvl="1">
-              <a:lnSpc>
-                <a:spcPct val="80000"/>
-              </a:lnSpc>
-              <a:buFont typeface="Wingdings" charset="0"/>
-              <a:buNone/>
-            </a:pPr>
-            <a:r>
-              <a:rPr lang="en-US" sz="1500">
-                <a:latin typeface="Courier New" charset="0"/>
-                <a:cs typeface="Courier New" charset="0"/>
-              </a:rPr>
-              <a:t>n = strncmp(s1, s2, 15);</a:t>
-            </a:r>
-          </a:p>
-          <a:p>
-            <a:pPr lvl="1">
-              <a:lnSpc>
-                <a:spcPct val="80000"/>
-              </a:lnSpc>
-              <a:buFont typeface="Wingdings" charset="0"/>
-              <a:buNone/>
-            </a:pPr>
-            <a:endParaRPr lang="en-US" sz="1500">
-              <a:latin typeface="Courier New" charset="0"/>
-              <a:cs typeface="Courier New" charset="0"/>
-            </a:endParaRPr>
-          </a:p>
-          <a:p>
-            <a:pPr lvl="1">
-              <a:lnSpc>
-                <a:spcPct val="80000"/>
-              </a:lnSpc>
-              <a:buFont typeface="Wingdings" charset="0"/>
-              <a:buNone/>
-            </a:pPr>
-            <a:r>
-              <a:rPr lang="en-US" sz="1500">
-                <a:latin typeface="Courier New" charset="0"/>
-                <a:cs typeface="Courier New" charset="0"/>
-              </a:rPr>
-              <a:t>if (n &gt; 0)</a:t>
-            </a:r>
-          </a:p>
-          <a:p>
-            <a:pPr lvl="1">
-              <a:lnSpc>
-                <a:spcPct val="80000"/>
-              </a:lnSpc>
-              <a:buFont typeface="Wingdings" charset="0"/>
-              <a:buNone/>
-            </a:pPr>
-            <a:r>
-              <a:rPr lang="en-US" sz="1500">
-                <a:latin typeface="Courier New" charset="0"/>
-                <a:cs typeface="Courier New" charset="0"/>
-              </a:rPr>
-              <a:t>	printf(</a:t>
-            </a:r>
-            <a:r>
-              <a:rPr lang="ja-JP" altLang="en-US" sz="1500">
-                <a:latin typeface="Courier New" charset="0"/>
-                <a:cs typeface="Courier New" charset="0"/>
-              </a:rPr>
-              <a:t>“</a:t>
-            </a:r>
-            <a:r>
-              <a:rPr lang="en-US" altLang="ja-JP" sz="1500">
-                <a:latin typeface="Courier New" charset="0"/>
-                <a:cs typeface="Courier New" charset="0"/>
-              </a:rPr>
-              <a:t>%s &gt; %s\n</a:t>
-            </a:r>
-            <a:r>
-              <a:rPr lang="ja-JP" altLang="en-US" sz="1500">
-                <a:latin typeface="Courier New" charset="0"/>
-                <a:cs typeface="Courier New" charset="0"/>
-              </a:rPr>
-              <a:t>”</a:t>
-            </a:r>
-            <a:r>
-              <a:rPr lang="en-US" altLang="ja-JP" sz="1500">
-                <a:latin typeface="Courier New" charset="0"/>
-                <a:cs typeface="Courier New" charset="0"/>
-              </a:rPr>
-              <a:t>, s1, s2);</a:t>
-            </a:r>
-          </a:p>
-          <a:p>
-            <a:pPr lvl="1">
-              <a:lnSpc>
-                <a:spcPct val="80000"/>
-              </a:lnSpc>
-              <a:buFont typeface="Wingdings" charset="0"/>
-              <a:buNone/>
-            </a:pPr>
-            <a:r>
-              <a:rPr lang="en-US" sz="1500">
-                <a:latin typeface="Courier New" charset="0"/>
-                <a:cs typeface="Courier New" charset="0"/>
-              </a:rPr>
-              <a:t>else if (n &lt; 0)</a:t>
-            </a:r>
-          </a:p>
-          <a:p>
-            <a:pPr lvl="1">
-              <a:lnSpc>
-                <a:spcPct val="80000"/>
-              </a:lnSpc>
-              <a:buFont typeface="Wingdings" charset="0"/>
-              <a:buNone/>
-            </a:pPr>
-            <a:r>
-              <a:rPr lang="en-US" sz="1500">
-                <a:latin typeface="Courier New" charset="0"/>
-                <a:cs typeface="Courier New" charset="0"/>
-              </a:rPr>
-              <a:t>	printf(</a:t>
-            </a:r>
-            <a:r>
-              <a:rPr lang="ja-JP" altLang="en-US" sz="1500">
-                <a:latin typeface="Courier New" charset="0"/>
-                <a:cs typeface="Courier New" charset="0"/>
-              </a:rPr>
-              <a:t>“</a:t>
-            </a:r>
-            <a:r>
-              <a:rPr lang="en-US" altLang="ja-JP" sz="1500">
-                <a:latin typeface="Courier New" charset="0"/>
-                <a:cs typeface="Courier New" charset="0"/>
-              </a:rPr>
-              <a:t>%s &lt; %s\n</a:t>
-            </a:r>
-            <a:r>
-              <a:rPr lang="ja-JP" altLang="en-US" sz="1500">
-                <a:latin typeface="Courier New" charset="0"/>
-                <a:cs typeface="Courier New" charset="0"/>
-              </a:rPr>
-              <a:t>”</a:t>
-            </a:r>
-            <a:r>
-              <a:rPr lang="en-US" altLang="ja-JP" sz="1500">
-                <a:latin typeface="Courier New" charset="0"/>
-                <a:cs typeface="Courier New" charset="0"/>
-              </a:rPr>
-              <a:t>, s1, s2);</a:t>
-            </a:r>
-          </a:p>
-          <a:p>
-            <a:pPr lvl="1">
-              <a:lnSpc>
-                <a:spcPct val="80000"/>
-              </a:lnSpc>
-              <a:buFont typeface="Wingdings" charset="0"/>
-              <a:buNone/>
-            </a:pPr>
-            <a:r>
-              <a:rPr lang="en-US" sz="1500">
-                <a:latin typeface="Courier New" charset="0"/>
-                <a:cs typeface="Courier New" charset="0"/>
-              </a:rPr>
-              <a:t>else</a:t>
-            </a:r>
-          </a:p>
-          <a:p>
-            <a:pPr lvl="1">
-              <a:lnSpc>
-                <a:spcPct val="80000"/>
-              </a:lnSpc>
-              <a:buFont typeface="Wingdings" charset="0"/>
-              <a:buNone/>
-            </a:pPr>
-            <a:r>
-              <a:rPr lang="en-US" sz="1500">
-                <a:latin typeface="Courier New" charset="0"/>
-                <a:cs typeface="Courier New" charset="0"/>
-              </a:rPr>
-              <a:t>	printf(</a:t>
-            </a:r>
-            <a:r>
-              <a:rPr lang="ja-JP" altLang="en-US" sz="1500">
-                <a:latin typeface="Courier New" charset="0"/>
-                <a:cs typeface="Courier New" charset="0"/>
-              </a:rPr>
-              <a:t>“</a:t>
-            </a:r>
-            <a:r>
-              <a:rPr lang="en-US" altLang="ja-JP" sz="1500">
-                <a:latin typeface="Courier New" charset="0"/>
-                <a:cs typeface="Courier New" charset="0"/>
-              </a:rPr>
-              <a:t>%s == %s\n</a:t>
-            </a:r>
-            <a:r>
-              <a:rPr lang="ja-JP" altLang="en-US" sz="1500">
-                <a:latin typeface="Courier New" charset="0"/>
-                <a:cs typeface="Courier New" charset="0"/>
-              </a:rPr>
-              <a:t>”</a:t>
-            </a:r>
-            <a:r>
-              <a:rPr lang="en-US" altLang="ja-JP" sz="1500">
-                <a:latin typeface="Courier New" charset="0"/>
-                <a:cs typeface="Courier New" charset="0"/>
-              </a:rPr>
-              <a:t>, s1, s2);</a:t>
-            </a:r>
-          </a:p>
-          <a:p>
-            <a:pPr lvl="1">
-              <a:lnSpc>
-                <a:spcPct val="80000"/>
-              </a:lnSpc>
-              <a:buFont typeface="Wingdings" charset="0"/>
-              <a:buNone/>
-            </a:pPr>
-            <a:r>
-              <a:rPr lang="en-US" sz="1500">
-                <a:latin typeface="Courier New" charset="0"/>
-                <a:cs typeface="Courier New" charset="0"/>
-              </a:rPr>
-              <a:t>return 0;</a:t>
-            </a:r>
-          </a:p>
-          <a:p>
-            <a:pPr lvl="1">
-              <a:lnSpc>
-                <a:spcPct val="80000"/>
-              </a:lnSpc>
-              <a:buFont typeface="Wingdings" charset="0"/>
-              <a:buNone/>
-            </a:pPr>
-            <a:r>
-              <a:rPr lang="en-US" sz="1500">
-                <a:latin typeface="Courier New" charset="0"/>
-                <a:cs typeface="Courier New" charset="0"/>
-              </a:rPr>
-              <a:t>}</a:t>
-            </a:r>
-          </a:p>
-          <a:p>
-            <a:pPr lvl="1">
-              <a:lnSpc>
-                <a:spcPct val="80000"/>
-              </a:lnSpc>
-              <a:buFont typeface="Wingdings" charset="0"/>
-              <a:buNone/>
-            </a:pPr>
-            <a:endParaRPr lang="en-US" sz="1500">
-              <a:latin typeface="Courier New" charset="0"/>
-              <a:cs typeface="Courier New" charset="0"/>
-            </a:endParaRPr>
-          </a:p>
-          <a:p>
-            <a:pPr>
-              <a:lnSpc>
-                <a:spcPct val="80000"/>
-              </a:lnSpc>
-              <a:buFont typeface="Wingdings" charset="0"/>
-              <a:buNone/>
-            </a:pPr>
-            <a:endParaRPr lang="en-US" sz="1800">
-              <a:latin typeface="Courier New" charset="0"/>
-              <a:cs typeface="Courier New" charset="0"/>
-            </a:endParaRPr>
-          </a:p>
-        </p:txBody>
-      </p:sp>
-      <p:sp>
-        <p:nvSpPr>
-          <p:cNvPr id="25604" name="Date Placeholder 3"/>
+              <a:t>dest</a:t>
+            </a:r>
+          </a:p>
+        </p:txBody>
+      </p:sp>
+      <p:sp>
+        <p:nvSpPr>
+          <p:cNvPr id="24579" name="Date Placeholder 3"/>
           <p:cNvSpPr>
             <a:spLocks noGrp="1"/>
           </p:cNvSpPr>
@@ -8038,12 +7201,12 @@
           </a:lstStyle>
           <a:p>
             <a:pPr eaLnBrk="1" hangingPunct="1"/>
-            <a:fld id="{8046FC49-5C90-9C41-8D7B-49DC197C5B4D}" type="datetime1">
+            <a:fld id="{280B038E-A88C-B840-953F-8277E78A97AE}" type="datetime1">
               <a:rPr lang="en-US" sz="1200" smtClean="0">
                 <a:latin typeface="Garamond" charset="0"/>
                 <a:cs typeface="Arial" charset="0"/>
               </a:rPr>
-              <a:t>3/25/18</a:t>
+              <a:t>3/26/18</a:t>
             </a:fld>
             <a:endParaRPr lang="en-US" sz="1200">
               <a:latin typeface="Garamond" charset="0"/>
@@ -8080,7 +7243,7 @@
       </p:sp>
       <p:sp>
         <p:nvSpPr>
-          <p:cNvPr id="25606" name="Slide Number Placeholder 5"/>
+          <p:cNvPr id="24581" name="Slide Number Placeholder 5"/>
           <p:cNvSpPr>
             <a:spLocks noGrp="1"/>
           </p:cNvSpPr>
@@ -8223,7 +7386,7 @@
           </a:lstStyle>
           <a:p>
             <a:pPr eaLnBrk="1" hangingPunct="1"/>
-            <a:fld id="{5ACC0434-5536-4F45-8975-FAE2D3EC70DD}" type="slidenum">
+            <a:fld id="{A1A4E562-9E91-1D48-8FB4-F5CF7960CF23}" type="slidenum">
               <a:rPr lang="en-US" sz="1200">
                 <a:latin typeface="Garamond" charset="0"/>
                 <a:cs typeface="Arial" charset="0"/>
@@ -8241,7 +7404,7 @@
     </p:spTree>
     <p:extLst>
       <p:ext uri="{BB962C8B-B14F-4D97-AF65-F5344CB8AC3E}">
-        <p14:creationId xmlns:p14="http://schemas.microsoft.com/office/powerpoint/2010/main" val="3014744672"/>
+        <p14:creationId xmlns:p14="http://schemas.microsoft.com/office/powerpoint/2010/main" val="723209987"/>
       </p:ext>
     </p:extLst>
   </p:cSld>
@@ -8277,7 +7440,7 @@
       </p:grpSpPr>
       <p:sp>
         <p:nvSpPr>
-          <p:cNvPr id="26625" name="Title 1"/>
+          <p:cNvPr id="40961" name="Title 1"/>
           <p:cNvSpPr>
             <a:spLocks noGrp="1"/>
           </p:cNvSpPr>
@@ -8294,14 +7457,14 @@
               <a:rPr lang="en-US">
                 <a:latin typeface="Garamond" charset="0"/>
               </a:rPr>
-              <a:t>Example solution</a:t>
-            </a:r>
-          </a:p>
-        </p:txBody>
-      </p:sp>
-      <p:sp>
-        <p:nvSpPr>
-          <p:cNvPr id="8" name="Content Placeholder 7"/>
+              <a:t>Final notes</a:t>
+            </a:r>
+          </a:p>
+        </p:txBody>
+      </p:sp>
+      <p:sp>
+        <p:nvSpPr>
+          <p:cNvPr id="40962" name="Content Placeholder 2"/>
           <p:cNvSpPr>
             <a:spLocks noGrp="1"/>
           </p:cNvSpPr>
@@ -8312,257 +7475,123 @@
         <p:spPr/>
         <p:txBody>
           <a:bodyPr>
-            <a:normAutofit fontScale="92500" lnSpcReduction="10000"/>
+            <a:normAutofit/>
           </a:bodyPr>
           <a:lstStyle/>
           <a:p>
-            <a:pPr>
-              <a:buFont typeface="Wingdings" pitchFamily="2" charset="2"/>
-              <a:buNone/>
-              <a:defRPr/>
-            </a:pPr>
+            <a:r>
+              <a:rPr lang="en-US" dirty="0">
+                <a:latin typeface="Arial" charset="0"/>
+              </a:rPr>
+              <a:t>Next time</a:t>
+            </a:r>
+          </a:p>
+          <a:p>
+            <a:pPr lvl="1"/>
             <a:r>
               <a:rPr lang="en-US" dirty="0" smtClean="0">
-                <a:latin typeface="Courier New" pitchFamily="49" charset="0"/>
-                <a:ea typeface="+mn-ea"/>
-                <a:cs typeface="Courier New" pitchFamily="49" charset="0"/>
-              </a:rPr>
-              <a:t>s1 = 16				</a:t>
-            </a:r>
-            <a:r>
-              <a:rPr lang="en-US" dirty="0" smtClean="0">
-                <a:ea typeface="+mn-ea"/>
-                <a:cs typeface="Courier New" pitchFamily="49" charset="0"/>
-                <a:sym typeface="Wingdings" pitchFamily="2" charset="2"/>
-              </a:rPr>
-              <a:t>Initial value of s1</a:t>
-            </a:r>
-            <a:endParaRPr lang="en-US" dirty="0" smtClean="0">
-              <a:latin typeface="Courier New" pitchFamily="49" charset="0"/>
-              <a:ea typeface="+mn-ea"/>
-              <a:cs typeface="Courier New" pitchFamily="49" charset="0"/>
+                <a:latin typeface="Arial" charset="0"/>
+              </a:rPr>
+              <a:t>Exam 2 Preview</a:t>
+            </a:r>
+            <a:endParaRPr lang="en-US" dirty="0">
+              <a:latin typeface="Arial" charset="0"/>
             </a:endParaRPr>
           </a:p>
           <a:p>
-            <a:pPr>
-              <a:buFont typeface="Wingdings" pitchFamily="2" charset="2"/>
-              <a:buNone/>
-              <a:defRPr/>
-            </a:pPr>
-            <a:r>
-              <a:rPr lang="en-US" dirty="0" smtClean="0">
-                <a:latin typeface="Courier New" pitchFamily="49" charset="0"/>
-                <a:ea typeface="+mn-ea"/>
-                <a:cs typeface="Courier New" pitchFamily="49" charset="0"/>
-              </a:rPr>
-              <a:t>Length of s1 = 2</a:t>
-            </a:r>
-          </a:p>
-          <a:p>
-            <a:pPr>
-              <a:buFont typeface="Wingdings" pitchFamily="2" charset="2"/>
-              <a:buNone/>
-              <a:defRPr/>
-            </a:pPr>
-            <a:endParaRPr lang="en-US" dirty="0" smtClean="0">
-              <a:latin typeface="Courier New" pitchFamily="49" charset="0"/>
-              <a:ea typeface="+mn-ea"/>
-              <a:cs typeface="Courier New" pitchFamily="49" charset="0"/>
+            <a:r>
+              <a:rPr lang="en-US" dirty="0">
+                <a:latin typeface="Arial" charset="0"/>
+              </a:rPr>
+              <a:t>Reminders:</a:t>
+            </a:r>
+          </a:p>
+          <a:p>
+            <a:pPr lvl="1"/>
+            <a:r>
+              <a:rPr lang="en-US" dirty="0">
+                <a:latin typeface="Arial" charset="0"/>
+              </a:rPr>
+              <a:t>Program 4 </a:t>
+            </a:r>
+            <a:r>
+              <a:rPr lang="en-US" dirty="0" err="1">
+                <a:latin typeface="Arial" charset="0"/>
+              </a:rPr>
+              <a:t>regrades</a:t>
+            </a:r>
+            <a:r>
+              <a:rPr lang="en-US" dirty="0">
+                <a:latin typeface="Arial" charset="0"/>
+              </a:rPr>
+              <a:t> due today</a:t>
+            </a:r>
+          </a:p>
+          <a:p>
+            <a:pPr lvl="1"/>
+            <a:r>
+              <a:rPr lang="en-US" dirty="0">
+                <a:latin typeface="Arial" charset="0"/>
+              </a:rPr>
+              <a:t>Program 6 due 4/4</a:t>
+            </a:r>
+          </a:p>
+          <a:p>
+            <a:pPr lvl="1"/>
+            <a:r>
+              <a:rPr lang="en-US" dirty="0">
+                <a:latin typeface="Arial" charset="0"/>
+              </a:rPr>
+              <a:t>Exam 2 in class Friday, 3/30</a:t>
+            </a:r>
+          </a:p>
+          <a:p>
+            <a:pPr lvl="2"/>
+            <a:r>
+              <a:rPr lang="en-US" dirty="0">
+                <a:latin typeface="Arial" charset="0"/>
+              </a:rPr>
+              <a:t>Will cover lectures 14-</a:t>
+            </a:r>
+            <a:r>
+              <a:rPr lang="en-US" b="1" dirty="0">
+                <a:solidFill>
+                  <a:srgbClr val="FF0000"/>
+                </a:solidFill>
+                <a:latin typeface="Arial" charset="0"/>
+              </a:rPr>
+              <a:t>21 (strings not on exam)</a:t>
+            </a:r>
+          </a:p>
+          <a:p>
+            <a:pPr lvl="2"/>
+            <a:r>
+              <a:rPr lang="en-US" dirty="0" err="1">
+                <a:latin typeface="Arial" charset="0"/>
+              </a:rPr>
+              <a:t>Lec</a:t>
+            </a:r>
+            <a:r>
+              <a:rPr lang="en-US" dirty="0">
+                <a:latin typeface="Arial" charset="0"/>
+              </a:rPr>
+              <a:t>. 23: Exam 2 Preview (Wed. </a:t>
+            </a:r>
+            <a:r>
+              <a:rPr lang="en-US">
+                <a:latin typeface="Arial" charset="0"/>
+              </a:rPr>
+              <a:t>3/28)</a:t>
+            </a:r>
+            <a:endParaRPr lang="en-US" dirty="0">
+              <a:latin typeface="Arial" charset="0"/>
             </a:endParaRPr>
           </a:p>
-          <a:p>
-            <a:pPr>
-              <a:buFont typeface="Wingdings" pitchFamily="2" charset="2"/>
-              <a:buNone/>
-              <a:defRPr/>
-            </a:pPr>
-            <a:r>
-              <a:rPr lang="en-US" dirty="0" smtClean="0">
-                <a:latin typeface="Courier New" pitchFamily="49" charset="0"/>
-                <a:ea typeface="+mn-ea"/>
-                <a:cs typeface="Courier New" pitchFamily="49" charset="0"/>
-              </a:rPr>
-              <a:t>6						</a:t>
-            </a:r>
-            <a:r>
-              <a:rPr lang="en-US" dirty="0" smtClean="0">
-                <a:ea typeface="+mn-ea"/>
-                <a:cs typeface="Courier New" pitchFamily="49" charset="0"/>
-                <a:sym typeface="Wingdings" pitchFamily="2" charset="2"/>
-              </a:rPr>
-              <a:t> s1[1]</a:t>
-            </a:r>
-          </a:p>
-          <a:p>
-            <a:pPr>
-              <a:buFont typeface="Wingdings" pitchFamily="2" charset="2"/>
-              <a:buNone/>
-              <a:defRPr/>
-            </a:pPr>
-            <a:r>
-              <a:rPr lang="en-US" dirty="0" smtClean="0">
-                <a:latin typeface="Courier New" pitchFamily="49" charset="0"/>
-                <a:ea typeface="+mn-ea"/>
-                <a:cs typeface="Courier New" pitchFamily="49" charset="0"/>
-              </a:rPr>
-              <a:t>	</a:t>
-            </a:r>
-          </a:p>
-          <a:p>
-            <a:pPr>
-              <a:buFont typeface="Wingdings" pitchFamily="2" charset="2"/>
-              <a:buNone/>
-              <a:defRPr/>
-            </a:pPr>
-            <a:r>
-              <a:rPr lang="en-US" dirty="0" smtClean="0">
-                <a:latin typeface="Courier New" pitchFamily="49" charset="0"/>
-                <a:ea typeface="+mn-ea"/>
-                <a:cs typeface="Courier New" pitchFamily="49" charset="0"/>
-              </a:rPr>
-              <a:t>s1 = 16.216			</a:t>
-            </a:r>
-            <a:r>
-              <a:rPr lang="en-US" dirty="0" smtClean="0">
-                <a:ea typeface="+mn-ea"/>
-                <a:cs typeface="Courier New" pitchFamily="49" charset="0"/>
-                <a:sym typeface="Wingdings" pitchFamily="2" charset="2"/>
-              </a:rPr>
-              <a:t> s1 after </a:t>
-            </a:r>
-            <a:r>
-              <a:rPr lang="en-US" dirty="0" err="1" smtClean="0">
-                <a:ea typeface="+mn-ea"/>
-                <a:cs typeface="Courier New" pitchFamily="49" charset="0"/>
-                <a:sym typeface="Wingdings" pitchFamily="2" charset="2"/>
-              </a:rPr>
-              <a:t>strncat</a:t>
-            </a:r>
-            <a:r>
-              <a:rPr lang="en-US" dirty="0" smtClean="0">
-                <a:ea typeface="+mn-ea"/>
-                <a:cs typeface="Courier New" pitchFamily="49" charset="0"/>
-                <a:sym typeface="Wingdings" pitchFamily="2" charset="2"/>
-              </a:rPr>
-              <a:t>()</a:t>
-            </a:r>
-          </a:p>
-          <a:p>
-            <a:pPr>
-              <a:buFont typeface="Wingdings" pitchFamily="2" charset="2"/>
-              <a:buNone/>
-              <a:defRPr/>
-            </a:pPr>
-            <a:r>
-              <a:rPr lang="en-US" dirty="0" smtClean="0">
-                <a:latin typeface="Courier New" pitchFamily="49" charset="0"/>
-                <a:ea typeface="+mn-ea"/>
-                <a:cs typeface="Courier New" pitchFamily="49" charset="0"/>
-              </a:rPr>
-              <a:t>Length of s1 = 6</a:t>
-            </a:r>
-          </a:p>
-          <a:p>
-            <a:pPr>
-              <a:buFont typeface="Wingdings" pitchFamily="2" charset="2"/>
-              <a:buNone/>
-              <a:defRPr/>
-            </a:pPr>
-            <a:endParaRPr lang="en-US" dirty="0" smtClean="0">
-              <a:latin typeface="Courier New" pitchFamily="49" charset="0"/>
-              <a:ea typeface="+mn-ea"/>
-              <a:cs typeface="Courier New" pitchFamily="49" charset="0"/>
-            </a:endParaRPr>
-          </a:p>
-          <a:p>
-            <a:pPr>
-              <a:buFont typeface="Wingdings" pitchFamily="2" charset="2"/>
-              <a:buNone/>
-              <a:defRPr/>
-            </a:pPr>
-            <a:r>
-              <a:rPr lang="en-US" dirty="0" smtClean="0">
-                <a:latin typeface="Courier New" pitchFamily="49" charset="0"/>
-                <a:ea typeface="+mn-ea"/>
-                <a:cs typeface="Courier New" pitchFamily="49" charset="0"/>
-              </a:rPr>
-              <a:t>Enter two strings: </a:t>
-            </a:r>
-            <a:r>
-              <a:rPr lang="en-US" u="sng" dirty="0" smtClean="0">
-                <a:latin typeface="Courier New" pitchFamily="49" charset="0"/>
-                <a:ea typeface="+mn-ea"/>
-                <a:cs typeface="Courier New" pitchFamily="49" charset="0"/>
-              </a:rPr>
-              <a:t>ABC ABD</a:t>
-            </a:r>
-            <a:endParaRPr lang="en-US" dirty="0" smtClean="0">
-              <a:latin typeface="Courier New" pitchFamily="49" charset="0"/>
-              <a:ea typeface="+mn-ea"/>
-              <a:cs typeface="Courier New" pitchFamily="49" charset="0"/>
-            </a:endParaRPr>
-          </a:p>
-          <a:p>
-            <a:pPr>
-              <a:buFont typeface="Wingdings" pitchFamily="2" charset="2"/>
-              <a:buNone/>
-              <a:defRPr/>
-            </a:pPr>
-            <a:r>
-              <a:rPr lang="en-US" dirty="0" smtClean="0">
-                <a:latin typeface="Courier New" pitchFamily="49" charset="0"/>
-                <a:ea typeface="+mn-ea"/>
-                <a:cs typeface="Courier New" pitchFamily="49" charset="0"/>
-              </a:rPr>
-              <a:t>ABC &lt; ABD			</a:t>
-            </a:r>
-            <a:r>
-              <a:rPr lang="en-US" dirty="0" smtClean="0">
-                <a:ea typeface="+mn-ea"/>
-                <a:cs typeface="Courier New" pitchFamily="49" charset="0"/>
-                <a:sym typeface="Wingdings" pitchFamily="2" charset="2"/>
-              </a:rPr>
-              <a:t> Result of </a:t>
-            </a:r>
-            <a:r>
-              <a:rPr lang="en-US" dirty="0" err="1" smtClean="0">
-                <a:ea typeface="+mn-ea"/>
-                <a:cs typeface="Courier New" pitchFamily="49" charset="0"/>
-                <a:sym typeface="Wingdings" pitchFamily="2" charset="2"/>
-              </a:rPr>
-              <a:t>strncmp</a:t>
-            </a:r>
-            <a:r>
-              <a:rPr lang="en-US" dirty="0" smtClean="0">
-                <a:ea typeface="+mn-ea"/>
-                <a:cs typeface="Courier New" pitchFamily="49" charset="0"/>
-                <a:sym typeface="Wingdings" pitchFamily="2" charset="2"/>
-              </a:rPr>
-              <a:t>()</a:t>
-            </a:r>
-            <a:endParaRPr lang="en-US" dirty="0" smtClean="0">
-              <a:latin typeface="Courier New" pitchFamily="49" charset="0"/>
-              <a:ea typeface="+mn-ea"/>
-              <a:cs typeface="Courier New" pitchFamily="49" charset="0"/>
-            </a:endParaRPr>
-          </a:p>
-          <a:p>
-            <a:pPr>
-              <a:buFont typeface="Wingdings" pitchFamily="2" charset="2"/>
-              <a:buNone/>
-              <a:defRPr/>
-            </a:pPr>
-            <a:endParaRPr lang="en-US" dirty="0">
-              <a:latin typeface="Courier New" pitchFamily="49" charset="0"/>
-              <a:ea typeface="+mn-ea"/>
-              <a:cs typeface="Courier New" pitchFamily="49" charset="0"/>
-            </a:endParaRPr>
-          </a:p>
-        </p:txBody>
-      </p:sp>
-      <p:sp>
-        <p:nvSpPr>
-          <p:cNvPr id="26627" name="Date Placeholder 4"/>
+        </p:txBody>
+      </p:sp>
+      <p:sp>
+        <p:nvSpPr>
+          <p:cNvPr id="40963" name="Date Placeholder 3"/>
           <p:cNvSpPr>
             <a:spLocks noGrp="1"/>
           </p:cNvSpPr>
@@ -8705,23 +7734,21 @@
           </a:lstStyle>
           <a:p>
             <a:pPr eaLnBrk="1" hangingPunct="1"/>
-            <a:fld id="{E476914C-DE93-8847-B71C-C6C6938A1699}" type="datetime1">
+            <a:fld id="{8226DC09-2DC0-C649-9B28-2BA49C762235}" type="datetime1">
               <a:rPr lang="en-US" sz="1200" smtClean="0">
                 <a:latin typeface="Garamond" charset="0"/>
-                <a:cs typeface="Arial" charset="0"/>
-              </a:rPr>
-              <a:t>3/25/18</a:t>
+              </a:rPr>
+              <a:t>3/26/18</a:t>
             </a:fld>
             <a:endParaRPr lang="en-US" sz="1200">
               <a:latin typeface="Garamond" charset="0"/>
-              <a:cs typeface="Arial" charset="0"/>
             </a:endParaRPr>
           </a:p>
         </p:txBody>
       </p:sp>
       <p:sp>
         <p:nvSpPr>
-          <p:cNvPr id="6" name="Footer Placeholder 5"/>
+          <p:cNvPr id="5" name="Footer Placeholder 4"/>
           <p:cNvSpPr>
             <a:spLocks noGrp="1"/>
           </p:cNvSpPr>
@@ -8747,7 +7774,7 @@
       </p:sp>
       <p:sp>
         <p:nvSpPr>
-          <p:cNvPr id="26629" name="Slide Number Placeholder 6"/>
+          <p:cNvPr id="40965" name="Slide Number Placeholder 5"/>
           <p:cNvSpPr>
             <a:spLocks noGrp="1"/>
           </p:cNvSpPr>
@@ -8890,543 +7917,12 @@
           </a:lstStyle>
           <a:p>
             <a:pPr eaLnBrk="1" hangingPunct="1"/>
-            <a:fld id="{EBA00BFF-6F30-D348-9DEE-A61DE5213C31}" type="slidenum">
-              <a:rPr lang="en-US" sz="1200">
-                <a:latin typeface="Garamond" charset="0"/>
-                <a:cs typeface="Arial" charset="0"/>
-              </a:rPr>
-              <a:pPr eaLnBrk="1" hangingPunct="1"/>
-              <a:t>13</a:t>
-            </a:fld>
-            <a:endParaRPr lang="en-US" sz="1200">
-              <a:latin typeface="Garamond" charset="0"/>
-              <a:cs typeface="Arial" charset="0"/>
-            </a:endParaRPr>
-          </a:p>
-        </p:txBody>
-      </p:sp>
-    </p:spTree>
-    <p:extLst>
-      <p:ext uri="{BB962C8B-B14F-4D97-AF65-F5344CB8AC3E}">
-        <p14:creationId xmlns:p14="http://schemas.microsoft.com/office/powerpoint/2010/main" val="3020675307"/>
-      </p:ext>
-    </p:extLst>
-  </p:cSld>
-  <p:clrMapOvr>
-    <a:masterClrMapping/>
-  </p:clrMapOvr>
-  <p:timing>
-    <p:tnLst>
-      <p:par>
-        <p:cTn xmlns:p14="http://schemas.microsoft.com/office/powerpoint/2010/main" id="1" dur="indefinite" restart="never" nodeType="tmRoot"/>
-      </p:par>
-    </p:tnLst>
-  </p:timing>
-</p:sld>
-</file>
-
-<file path=ppt/slides/slide14.xml><?xml version="1.0" encoding="utf-8"?>
-<p:sld xmlns:a="http://schemas.openxmlformats.org/drawingml/2006/main" xmlns:r="http://schemas.openxmlformats.org/officeDocument/2006/relationships" xmlns:p="http://schemas.openxmlformats.org/presentationml/2006/main">
-  <p:cSld>
-    <p:spTree>
-      <p:nvGrpSpPr>
-        <p:cNvPr id="1" name=""/>
-        <p:cNvGrpSpPr/>
-        <p:nvPr/>
-      </p:nvGrpSpPr>
-      <p:grpSpPr>
-        <a:xfrm>
-          <a:off x="0" y="0"/>
-          <a:ext cx="0" cy="0"/>
-          <a:chOff x="0" y="0"/>
-          <a:chExt cx="0" cy="0"/>
-        </a:xfrm>
-      </p:grpSpPr>
-      <p:sp>
-        <p:nvSpPr>
-          <p:cNvPr id="40961" name="Title 1"/>
-          <p:cNvSpPr>
-            <a:spLocks noGrp="1"/>
-          </p:cNvSpPr>
-          <p:nvPr>
-            <p:ph type="title"/>
-          </p:nvPr>
-        </p:nvSpPr>
-        <p:spPr/>
-        <p:txBody>
-          <a:bodyPr/>
-          <a:lstStyle/>
-          <a:p>
-            <a:r>
-              <a:rPr lang="en-US">
-                <a:latin typeface="Garamond" charset="0"/>
-              </a:rPr>
-              <a:t>Final notes</a:t>
-            </a:r>
-          </a:p>
-        </p:txBody>
-      </p:sp>
-      <p:sp>
-        <p:nvSpPr>
-          <p:cNvPr id="40962" name="Content Placeholder 2"/>
-          <p:cNvSpPr>
-            <a:spLocks noGrp="1"/>
-          </p:cNvSpPr>
-          <p:nvPr>
-            <p:ph idx="1"/>
-          </p:nvPr>
-        </p:nvSpPr>
-        <p:spPr/>
-        <p:txBody>
-          <a:bodyPr>
-            <a:normAutofit/>
-          </a:bodyPr>
-          <a:lstStyle/>
-          <a:p>
-            <a:r>
-              <a:rPr lang="en-US" dirty="0">
-                <a:latin typeface="Arial" charset="0"/>
-              </a:rPr>
-              <a:t>Next time</a:t>
-            </a:r>
-          </a:p>
-          <a:p>
-            <a:pPr lvl="1"/>
-            <a:r>
-              <a:rPr lang="en-US" dirty="0" smtClean="0">
-                <a:latin typeface="Arial" charset="0"/>
-              </a:rPr>
-              <a:t>Exam 2 Preview</a:t>
-            </a:r>
-            <a:endParaRPr lang="en-US" dirty="0">
-              <a:latin typeface="Arial" charset="0"/>
-            </a:endParaRPr>
-          </a:p>
-          <a:p>
-            <a:r>
-              <a:rPr lang="en-US" dirty="0">
-                <a:latin typeface="Arial" charset="0"/>
-              </a:rPr>
-              <a:t>Reminders:</a:t>
-            </a:r>
-          </a:p>
-          <a:p>
-            <a:pPr lvl="1"/>
-            <a:r>
-              <a:rPr lang="en-US" dirty="0">
-                <a:latin typeface="Arial" charset="0"/>
-              </a:rPr>
-              <a:t>Program 4 </a:t>
-            </a:r>
-            <a:r>
-              <a:rPr lang="en-US" dirty="0" err="1">
-                <a:latin typeface="Arial" charset="0"/>
-              </a:rPr>
-              <a:t>regrades</a:t>
-            </a:r>
-            <a:r>
-              <a:rPr lang="en-US" dirty="0">
-                <a:latin typeface="Arial" charset="0"/>
-              </a:rPr>
-              <a:t> due today</a:t>
-            </a:r>
-          </a:p>
-          <a:p>
-            <a:pPr lvl="1"/>
-            <a:r>
-              <a:rPr lang="en-US" dirty="0">
-                <a:latin typeface="Arial" charset="0"/>
-              </a:rPr>
-              <a:t>Program 6 due 4/4</a:t>
-            </a:r>
-          </a:p>
-          <a:p>
-            <a:pPr lvl="1"/>
-            <a:r>
-              <a:rPr lang="en-US" dirty="0">
-                <a:latin typeface="Arial" charset="0"/>
-              </a:rPr>
-              <a:t>Exam 2 in class Friday, 3/30</a:t>
-            </a:r>
-          </a:p>
-          <a:p>
-            <a:pPr lvl="2"/>
-            <a:r>
-              <a:rPr lang="en-US" dirty="0">
-                <a:latin typeface="Arial" charset="0"/>
-              </a:rPr>
-              <a:t>Will cover lectures 14-</a:t>
-            </a:r>
-            <a:r>
-              <a:rPr lang="en-US" b="1" dirty="0">
-                <a:solidFill>
-                  <a:srgbClr val="FF0000"/>
-                </a:solidFill>
-                <a:latin typeface="Arial" charset="0"/>
-              </a:rPr>
-              <a:t>21 (strings not on exam)</a:t>
-            </a:r>
-          </a:p>
-          <a:p>
-            <a:pPr lvl="2"/>
-            <a:r>
-              <a:rPr lang="en-US" dirty="0" err="1">
-                <a:latin typeface="Arial" charset="0"/>
-              </a:rPr>
-              <a:t>Lec</a:t>
-            </a:r>
-            <a:r>
-              <a:rPr lang="en-US" dirty="0">
-                <a:latin typeface="Arial" charset="0"/>
-              </a:rPr>
-              <a:t>. 23: Exam 2 Preview (Wed. </a:t>
-            </a:r>
-            <a:r>
-              <a:rPr lang="en-US">
-                <a:latin typeface="Arial" charset="0"/>
-              </a:rPr>
-              <a:t>3/28)</a:t>
-            </a:r>
-            <a:endParaRPr lang="en-US" dirty="0">
-              <a:latin typeface="Arial" charset="0"/>
-            </a:endParaRPr>
-          </a:p>
-        </p:txBody>
-      </p:sp>
-      <p:sp>
-        <p:nvSpPr>
-          <p:cNvPr id="40963" name="Date Placeholder 3"/>
-          <p:cNvSpPr>
-            <a:spLocks noGrp="1"/>
-          </p:cNvSpPr>
-          <p:nvPr>
-            <p:ph type="dt" sz="quarter" idx="10"/>
-          </p:nvPr>
-        </p:nvSpPr>
-        <p:spPr>
-          <a:noFill/>
-          <a:ln/>
-          <a:extLst>
-            <a:ext uri="{909E8E84-426E-40dd-AFC4-6F175D3DCCD1}">
-              <a14:hiddenFill xmlns:a14="http://schemas.microsoft.com/office/drawing/2010/main">
-                <a:solidFill>
-                  <a:srgbClr val="FFFFFF"/>
-                </a:solidFill>
-              </a14:hiddenFill>
-            </a:ext>
-            <a:ext uri="{91240B29-F687-4f45-9708-019B960494DF}">
-              <a14:hiddenLine xmlns:a14="http://schemas.microsoft.com/office/drawing/2010/main" w="9525">
-                <a:solidFill>
-                  <a:srgbClr val="000000"/>
-                </a:solidFill>
-                <a:miter lim="800000"/>
-                <a:headEnd/>
-                <a:tailEnd/>
-              </a14:hiddenLine>
-            </a:ext>
-          </a:extLst>
-        </p:spPr>
-        <p:txBody>
-          <a:bodyPr/>
-          <a:lstStyle>
-            <a:lvl1pPr eaLnBrk="0" hangingPunct="0">
-              <a:defRPr sz="2400">
-                <a:solidFill>
-                  <a:schemeClr val="tx1"/>
-                </a:solidFill>
-                <a:latin typeface="Arial" charset="0"/>
-                <a:ea typeface="ＭＳ Ｐゴシック" charset="0"/>
-                <a:cs typeface="ＭＳ Ｐゴシック" charset="0"/>
-              </a:defRPr>
-            </a:lvl1pPr>
-            <a:lvl2pPr marL="742950" indent="-285750" eaLnBrk="0" hangingPunct="0">
-              <a:defRPr sz="2400">
-                <a:solidFill>
-                  <a:schemeClr val="tx1"/>
-                </a:solidFill>
-                <a:latin typeface="Arial" charset="0"/>
-                <a:ea typeface="ＭＳ Ｐゴシック" charset="0"/>
-              </a:defRPr>
-            </a:lvl2pPr>
-            <a:lvl3pPr marL="1143000" indent="-228600" eaLnBrk="0" hangingPunct="0">
-              <a:defRPr sz="2400">
-                <a:solidFill>
-                  <a:schemeClr val="tx1"/>
-                </a:solidFill>
-                <a:latin typeface="Arial" charset="0"/>
-                <a:ea typeface="ＭＳ Ｐゴシック" charset="0"/>
-              </a:defRPr>
-            </a:lvl3pPr>
-            <a:lvl4pPr marL="1600200" indent="-228600" eaLnBrk="0" hangingPunct="0">
-              <a:defRPr sz="2400">
-                <a:solidFill>
-                  <a:schemeClr val="tx1"/>
-                </a:solidFill>
-                <a:latin typeface="Arial" charset="0"/>
-                <a:ea typeface="ＭＳ Ｐゴシック" charset="0"/>
-              </a:defRPr>
-            </a:lvl4pPr>
-            <a:lvl5pPr marL="2057400" indent="-228600" eaLnBrk="0" hangingPunct="0">
-              <a:defRPr sz="2400">
-                <a:solidFill>
-                  <a:schemeClr val="tx1"/>
-                </a:solidFill>
-                <a:latin typeface="Arial" charset="0"/>
-                <a:ea typeface="ＭＳ Ｐゴシック" charset="0"/>
-              </a:defRPr>
-            </a:lvl5pPr>
-            <a:lvl6pPr marL="2514600" indent="-228600" eaLnBrk="0" fontAlgn="base" hangingPunct="0">
-              <a:spcBef>
-                <a:spcPct val="0"/>
-              </a:spcBef>
-              <a:spcAft>
-                <a:spcPct val="0"/>
-              </a:spcAft>
-              <a:defRPr sz="2400">
-                <a:solidFill>
-                  <a:schemeClr val="tx1"/>
-                </a:solidFill>
-                <a:latin typeface="Arial" charset="0"/>
-                <a:ea typeface="ＭＳ Ｐゴシック" charset="0"/>
-              </a:defRPr>
-            </a:lvl6pPr>
-            <a:lvl7pPr marL="2971800" indent="-228600" eaLnBrk="0" fontAlgn="base" hangingPunct="0">
-              <a:spcBef>
-                <a:spcPct val="0"/>
-              </a:spcBef>
-              <a:spcAft>
-                <a:spcPct val="0"/>
-              </a:spcAft>
-              <a:defRPr sz="2400">
-                <a:solidFill>
-                  <a:schemeClr val="tx1"/>
-                </a:solidFill>
-                <a:latin typeface="Arial" charset="0"/>
-                <a:ea typeface="ＭＳ Ｐゴシック" charset="0"/>
-              </a:defRPr>
-            </a:lvl7pPr>
-            <a:lvl8pPr marL="3429000" indent="-228600" eaLnBrk="0" fontAlgn="base" hangingPunct="0">
-              <a:spcBef>
-                <a:spcPct val="0"/>
-              </a:spcBef>
-              <a:spcAft>
-                <a:spcPct val="0"/>
-              </a:spcAft>
-              <a:defRPr sz="2400">
-                <a:solidFill>
-                  <a:schemeClr val="tx1"/>
-                </a:solidFill>
-                <a:latin typeface="Arial" charset="0"/>
-                <a:ea typeface="ＭＳ Ｐゴシック" charset="0"/>
-              </a:defRPr>
-            </a:lvl8pPr>
-            <a:lvl9pPr marL="3886200" indent="-228600" eaLnBrk="0" fontAlgn="base" hangingPunct="0">
-              <a:spcBef>
-                <a:spcPct val="0"/>
-              </a:spcBef>
-              <a:spcAft>
-                <a:spcPct val="0"/>
-              </a:spcAft>
-              <a:defRPr sz="2400">
-                <a:solidFill>
-                  <a:schemeClr val="tx1"/>
-                </a:solidFill>
-                <a:latin typeface="Arial" charset="0"/>
-                <a:ea typeface="ＭＳ Ｐゴシック" charset="0"/>
-              </a:defRPr>
-            </a:lvl9pPr>
-          </a:lstStyle>
-          <a:p>
-            <a:pPr eaLnBrk="1" hangingPunct="1"/>
-            <a:fld id="{8226DC09-2DC0-C649-9B28-2BA49C762235}" type="datetime1">
-              <a:rPr lang="en-US" sz="1200" smtClean="0">
-                <a:latin typeface="Garamond" charset="0"/>
-              </a:rPr>
-              <a:t>3/25/18</a:t>
-            </a:fld>
-            <a:endParaRPr lang="en-US" sz="1200">
-              <a:latin typeface="Garamond" charset="0"/>
-            </a:endParaRPr>
-          </a:p>
-        </p:txBody>
-      </p:sp>
-      <p:sp>
-        <p:nvSpPr>
-          <p:cNvPr id="5" name="Footer Placeholder 4"/>
-          <p:cNvSpPr>
-            <a:spLocks noGrp="1"/>
-          </p:cNvSpPr>
-          <p:nvPr>
-            <p:ph type="ftr" sz="quarter" idx="11"/>
-          </p:nvPr>
-        </p:nvSpPr>
-        <p:spPr/>
-        <p:txBody>
-          <a:bodyPr/>
-          <a:lstStyle/>
-          <a:p>
-            <a:pPr>
-              <a:defRPr/>
-            </a:pPr>
-            <a:r>
-              <a:rPr lang="en-US" altLang="en-US" smtClean="0"/>
-              <a:t>ECE Application Programming: Lecture 22</a:t>
-            </a:r>
-            <a:endParaRPr lang="en-US" altLang="en-US"/>
-          </a:p>
-        </p:txBody>
-      </p:sp>
-      <p:sp>
-        <p:nvSpPr>
-          <p:cNvPr id="40965" name="Slide Number Placeholder 5"/>
-          <p:cNvSpPr>
-            <a:spLocks noGrp="1"/>
-          </p:cNvSpPr>
-          <p:nvPr>
-            <p:ph type="sldNum" sz="quarter" idx="12"/>
-          </p:nvPr>
-        </p:nvSpPr>
-        <p:spPr>
-          <a:noFill/>
-          <a:ln/>
-          <a:extLst>
-            <a:ext uri="{909E8E84-426E-40dd-AFC4-6F175D3DCCD1}">
-              <a14:hiddenFill xmlns:a14="http://schemas.microsoft.com/office/drawing/2010/main">
-                <a:solidFill>
-                  <a:srgbClr val="FFFFFF"/>
-                </a:solidFill>
-              </a14:hiddenFill>
-            </a:ext>
-            <a:ext uri="{91240B29-F687-4f45-9708-019B960494DF}">
-              <a14:hiddenLine xmlns:a14="http://schemas.microsoft.com/office/drawing/2010/main" w="9525">
-                <a:solidFill>
-                  <a:srgbClr val="000000"/>
-                </a:solidFill>
-                <a:miter lim="800000"/>
-                <a:headEnd/>
-                <a:tailEnd/>
-              </a14:hiddenLine>
-            </a:ext>
-          </a:extLst>
-        </p:spPr>
-        <p:txBody>
-          <a:bodyPr/>
-          <a:lstStyle>
-            <a:lvl1pPr eaLnBrk="0" hangingPunct="0">
-              <a:defRPr sz="2400">
-                <a:solidFill>
-                  <a:schemeClr val="tx1"/>
-                </a:solidFill>
-                <a:latin typeface="Arial" charset="0"/>
-                <a:ea typeface="ＭＳ Ｐゴシック" charset="0"/>
-                <a:cs typeface="ＭＳ Ｐゴシック" charset="0"/>
-              </a:defRPr>
-            </a:lvl1pPr>
-            <a:lvl2pPr marL="742950" indent="-285750" eaLnBrk="0" hangingPunct="0">
-              <a:defRPr sz="2400">
-                <a:solidFill>
-                  <a:schemeClr val="tx1"/>
-                </a:solidFill>
-                <a:latin typeface="Arial" charset="0"/>
-                <a:ea typeface="ＭＳ Ｐゴシック" charset="0"/>
-              </a:defRPr>
-            </a:lvl2pPr>
-            <a:lvl3pPr marL="1143000" indent="-228600" eaLnBrk="0" hangingPunct="0">
-              <a:defRPr sz="2400">
-                <a:solidFill>
-                  <a:schemeClr val="tx1"/>
-                </a:solidFill>
-                <a:latin typeface="Arial" charset="0"/>
-                <a:ea typeface="ＭＳ Ｐゴシック" charset="0"/>
-              </a:defRPr>
-            </a:lvl3pPr>
-            <a:lvl4pPr marL="1600200" indent="-228600" eaLnBrk="0" hangingPunct="0">
-              <a:defRPr sz="2400">
-                <a:solidFill>
-                  <a:schemeClr val="tx1"/>
-                </a:solidFill>
-                <a:latin typeface="Arial" charset="0"/>
-                <a:ea typeface="ＭＳ Ｐゴシック" charset="0"/>
-              </a:defRPr>
-            </a:lvl4pPr>
-            <a:lvl5pPr marL="2057400" indent="-228600" eaLnBrk="0" hangingPunct="0">
-              <a:defRPr sz="2400">
-                <a:solidFill>
-                  <a:schemeClr val="tx1"/>
-                </a:solidFill>
-                <a:latin typeface="Arial" charset="0"/>
-                <a:ea typeface="ＭＳ Ｐゴシック" charset="0"/>
-              </a:defRPr>
-            </a:lvl5pPr>
-            <a:lvl6pPr marL="2514600" indent="-228600" eaLnBrk="0" fontAlgn="base" hangingPunct="0">
-              <a:spcBef>
-                <a:spcPct val="0"/>
-              </a:spcBef>
-              <a:spcAft>
-                <a:spcPct val="0"/>
-              </a:spcAft>
-              <a:defRPr sz="2400">
-                <a:solidFill>
-                  <a:schemeClr val="tx1"/>
-                </a:solidFill>
-                <a:latin typeface="Arial" charset="0"/>
-                <a:ea typeface="ＭＳ Ｐゴシック" charset="0"/>
-              </a:defRPr>
-            </a:lvl6pPr>
-            <a:lvl7pPr marL="2971800" indent="-228600" eaLnBrk="0" fontAlgn="base" hangingPunct="0">
-              <a:spcBef>
-                <a:spcPct val="0"/>
-              </a:spcBef>
-              <a:spcAft>
-                <a:spcPct val="0"/>
-              </a:spcAft>
-              <a:defRPr sz="2400">
-                <a:solidFill>
-                  <a:schemeClr val="tx1"/>
-                </a:solidFill>
-                <a:latin typeface="Arial" charset="0"/>
-                <a:ea typeface="ＭＳ Ｐゴシック" charset="0"/>
-              </a:defRPr>
-            </a:lvl7pPr>
-            <a:lvl8pPr marL="3429000" indent="-228600" eaLnBrk="0" fontAlgn="base" hangingPunct="0">
-              <a:spcBef>
-                <a:spcPct val="0"/>
-              </a:spcBef>
-              <a:spcAft>
-                <a:spcPct val="0"/>
-              </a:spcAft>
-              <a:defRPr sz="2400">
-                <a:solidFill>
-                  <a:schemeClr val="tx1"/>
-                </a:solidFill>
-                <a:latin typeface="Arial" charset="0"/>
-                <a:ea typeface="ＭＳ Ｐゴシック" charset="0"/>
-              </a:defRPr>
-            </a:lvl8pPr>
-            <a:lvl9pPr marL="3886200" indent="-228600" eaLnBrk="0" fontAlgn="base" hangingPunct="0">
-              <a:spcBef>
-                <a:spcPct val="0"/>
-              </a:spcBef>
-              <a:spcAft>
-                <a:spcPct val="0"/>
-              </a:spcAft>
-              <a:defRPr sz="2400">
-                <a:solidFill>
-                  <a:schemeClr val="tx1"/>
-                </a:solidFill>
-                <a:latin typeface="Arial" charset="0"/>
-                <a:ea typeface="ＭＳ Ｐゴシック" charset="0"/>
-              </a:defRPr>
-            </a:lvl9pPr>
-          </a:lstStyle>
-          <a:p>
-            <a:pPr eaLnBrk="1" hangingPunct="1"/>
             <a:fld id="{995840FA-E6F5-0343-A066-8FDDE6435D57}" type="slidenum">
               <a:rPr lang="en-US" sz="1200">
                 <a:latin typeface="Garamond" charset="0"/>
               </a:rPr>
               <a:pPr eaLnBrk="1" hangingPunct="1"/>
-              <a:t>14</a:t>
+              <a:t>13</a:t>
             </a:fld>
             <a:endParaRPr lang="en-US" sz="1200">
               <a:latin typeface="Garamond" charset="0"/>
@@ -9532,17 +8028,17 @@
               <a:rPr lang="en-US" dirty="0" smtClean="0">
                 <a:latin typeface="Arial" charset="0"/>
               </a:rPr>
-              <a:t> due </a:t>
-            </a:r>
+              <a:t> due today</a:t>
+            </a:r>
+          </a:p>
+          <a:p>
+            <a:pPr lvl="1"/>
             <a:r>
               <a:rPr lang="en-US" dirty="0" smtClean="0">
                 <a:latin typeface="Arial" charset="0"/>
               </a:rPr>
-              <a:t>today</a:t>
-            </a:r>
-            <a:endParaRPr lang="en-US" dirty="0" smtClean="0">
-              <a:latin typeface="Arial" charset="0"/>
-            </a:endParaRPr>
+              <a:t>Program 6 due 4/4</a:t>
+            </a:r>
           </a:p>
           <a:p>
             <a:pPr lvl="1"/>
@@ -9550,7 +8046,48 @@
               <a:rPr lang="en-US" dirty="0" smtClean="0">
                 <a:latin typeface="Arial" charset="0"/>
               </a:rPr>
-              <a:t>Program 6 due 4/4</a:t>
+              <a:t>Exam 2 in class Friday, 3/30</a:t>
+            </a:r>
+          </a:p>
+          <a:p>
+            <a:pPr lvl="2"/>
+            <a:r>
+              <a:rPr lang="en-US" dirty="0" smtClean="0">
+                <a:latin typeface="Arial" charset="0"/>
+              </a:rPr>
+              <a:t>Will cover lectures 14-</a:t>
+            </a:r>
+            <a:r>
+              <a:rPr lang="en-US" b="1" dirty="0" smtClean="0">
+                <a:solidFill>
+                  <a:srgbClr val="FF0000"/>
+                </a:solidFill>
+                <a:latin typeface="Arial" charset="0"/>
+              </a:rPr>
+              <a:t>21 (strings not on exam)</a:t>
+            </a:r>
+          </a:p>
+          <a:p>
+            <a:pPr lvl="2"/>
+            <a:r>
+              <a:rPr lang="en-US" dirty="0" err="1" smtClean="0">
+                <a:latin typeface="Arial" charset="0"/>
+              </a:rPr>
+              <a:t>Lec</a:t>
+            </a:r>
+            <a:r>
+              <a:rPr lang="en-US" dirty="0" smtClean="0">
+                <a:latin typeface="Arial" charset="0"/>
+              </a:rPr>
+              <a:t>. 23: Exam 2 Preview (Wed. 3/28)</a:t>
+            </a:r>
+          </a:p>
+          <a:p>
+            <a:r>
+              <a:rPr lang="en-US" dirty="0" smtClean="0">
+                <a:latin typeface="Arial" charset="0"/>
+              </a:rPr>
+              <a:t>Today’s lecture</a:t>
             </a:r>
           </a:p>
           <a:p>
@@ -9559,96 +8096,16 @@
               <a:rPr lang="en-US" dirty="0" smtClean="0">
                 <a:latin typeface="Arial" charset="0"/>
               </a:rPr>
-              <a:t>Exam 2 in class Friday, 3/30</a:t>
-            </a:r>
-          </a:p>
-          <a:p>
-            <a:pPr lvl="2"/>
+              <a:t>Review: Arrays and functions</a:t>
+            </a:r>
+          </a:p>
+          <a:p>
+            <a:pPr lvl="1"/>
             <a:r>
               <a:rPr lang="en-US" dirty="0" smtClean="0">
                 <a:latin typeface="Arial" charset="0"/>
               </a:rPr>
-              <a:t>Will cover lectures 14</a:t>
-            </a:r>
-            <a:r>
-              <a:rPr lang="en-US" dirty="0" smtClean="0">
-                <a:latin typeface="Arial" charset="0"/>
-              </a:rPr>
-              <a:t>-</a:t>
-            </a:r>
-            <a:r>
-              <a:rPr lang="en-US" b="1" dirty="0" smtClean="0">
-                <a:solidFill>
-                  <a:srgbClr val="FF0000"/>
-                </a:solidFill>
-                <a:latin typeface="Arial" charset="0"/>
-              </a:rPr>
-              <a:t>21 (strings not on exam)</a:t>
-            </a:r>
-            <a:endParaRPr lang="en-US" b="1" dirty="0" smtClean="0">
-              <a:solidFill>
-                <a:srgbClr val="FF0000"/>
-              </a:solidFill>
-              <a:latin typeface="Arial" charset="0"/>
-            </a:endParaRPr>
-          </a:p>
-          <a:p>
-            <a:pPr lvl="2"/>
-            <a:r>
-              <a:rPr lang="en-US" dirty="0" err="1" smtClean="0">
-                <a:latin typeface="Arial" charset="0"/>
-              </a:rPr>
-              <a:t>Lec</a:t>
-            </a:r>
-            <a:r>
-              <a:rPr lang="en-US" dirty="0" smtClean="0">
-                <a:latin typeface="Arial" charset="0"/>
-              </a:rPr>
-              <a:t>. 23: Exam 2 Preview (Wed. 3/28)</a:t>
-            </a:r>
-          </a:p>
-          <a:p>
-            <a:r>
-              <a:rPr lang="en-US" dirty="0" smtClean="0">
-                <a:latin typeface="Arial" charset="0"/>
-              </a:rPr>
-              <a:t>Today’s lecture</a:t>
-            </a:r>
-          </a:p>
-          <a:p>
-            <a:pPr lvl="1"/>
-            <a:r>
-              <a:rPr lang="en-US" dirty="0" smtClean="0">
-                <a:latin typeface="Arial" charset="0"/>
-              </a:rPr>
-              <a:t>Review: Arrays </a:t>
-            </a:r>
-            <a:r>
-              <a:rPr lang="en-US" dirty="0" smtClean="0">
-                <a:latin typeface="Arial" charset="0"/>
-              </a:rPr>
-              <a:t>and functions</a:t>
-            </a:r>
-          </a:p>
-          <a:p>
-            <a:pPr lvl="1"/>
-            <a:r>
-              <a:rPr lang="en-US" dirty="0" smtClean="0">
-                <a:latin typeface="Arial" charset="0"/>
-              </a:rPr>
-              <a:t>Finish Program </a:t>
-            </a:r>
-            <a:r>
-              <a:rPr lang="en-US" dirty="0" smtClean="0">
-                <a:latin typeface="Arial" charset="0"/>
-              </a:rPr>
-              <a:t>6 </a:t>
-            </a:r>
-            <a:r>
-              <a:rPr lang="en-US" dirty="0" smtClean="0">
-                <a:latin typeface="Arial" charset="0"/>
-              </a:rPr>
-              <a:t>overview</a:t>
+              <a:t>Finish Program 6 overview</a:t>
             </a:r>
           </a:p>
           <a:p>
@@ -9823,7 +8280,7 @@
               <a:rPr lang="en-US" sz="1200" smtClean="0">
                 <a:latin typeface="Garamond" charset="0"/>
               </a:rPr>
-              <a:t>3/25/18</a:t>
+              <a:t>3/26/18</a:t>
             </a:fld>
             <a:endParaRPr lang="en-US" sz="1200">
               <a:latin typeface="Garamond" charset="0"/>
@@ -10485,7 +8942,7 @@
               <a:rPr lang="en-US" sz="1200" smtClean="0">
                 <a:latin typeface="Garamond" charset="0"/>
               </a:rPr>
-              <a:t>3/25/18</a:t>
+              <a:t>3/26/18</a:t>
             </a:fld>
             <a:endParaRPr lang="en-US" sz="1200">
               <a:latin typeface="Garamond" charset="0"/>
@@ -11016,7 +9473,7 @@
             </a:pPr>
             <a:fld id="{FBB452E4-45EE-514A-A2D4-CF7A3342E0E6}" type="datetime1">
               <a:rPr lang="en-US" smtClean="0"/>
-              <a:t>3/25/18</a:t>
+              <a:t>3/26/18</a:t>
             </a:fld>
             <a:endParaRPr lang="en-US"/>
           </a:p>
@@ -11166,11 +9623,7 @@
             </a:pPr>
             <a:r>
               <a:rPr lang="en-US" dirty="0" smtClean="0"/>
-              <a:t>Read a single </a:t>
-            </a:r>
-            <a:r>
-              <a:rPr lang="en-US" dirty="0" smtClean="0"/>
-              <a:t>character </a:t>
+              <a:t>Read a single character </a:t>
             </a:r>
             <a:r>
               <a:rPr lang="en-US" b="1" dirty="0" smtClean="0">
@@ -11245,7 +9698,7 @@
             </a:pPr>
             <a:fld id="{9196B9A9-5E1A-BE49-9BCD-1BC3C680AD9B}" type="datetime1">
               <a:rPr lang="en-US" smtClean="0"/>
-              <a:t>3/25/18</a:t>
+              <a:t>3/26/18</a:t>
             </a:fld>
             <a:endParaRPr lang="en-US"/>
           </a:p>
@@ -11316,6 +9769,13 @@
   <p:clrMapOvr>
     <a:masterClrMapping/>
   </p:clrMapOvr>
+  <p:timing>
+    <p:tnLst>
+      <p:par>
+        <p:cTn xmlns:p14="http://schemas.microsoft.com/office/powerpoint/2010/main" id="1" dur="indefinite" restart="never" nodeType="tmRoot"/>
+      </p:par>
+    </p:tnLst>
+  </p:timing>
 </p:sld>
 </file>
 
@@ -11471,7 +9931,7 @@
             </a:pPr>
             <a:fld id="{BCFF298B-8974-BE4C-A8D1-1516E3683B89}" type="datetime1">
               <a:rPr lang="en-US" smtClean="0"/>
-              <a:t>3/25/18</a:t>
+              <a:t>3/26/18</a:t>
             </a:fld>
             <a:endParaRPr lang="en-US"/>
           </a:p>
@@ -11542,6 +10002,13 @@
   <p:clrMapOvr>
     <a:masterClrMapping/>
   </p:clrMapOvr>
+  <p:timing>
+    <p:tnLst>
+      <p:par>
+        <p:cTn xmlns:p14="http://schemas.microsoft.com/office/powerpoint/2010/main" id="1" dur="indefinite" restart="never" nodeType="tmRoot"/>
+      </p:par>
+    </p:tnLst>
+  </p:timing>
 </p:sld>
 </file>
 
@@ -11564,7 +10031,7 @@
       </p:grpSpPr>
       <p:sp>
         <p:nvSpPr>
-          <p:cNvPr id="20481" name="Title 1"/>
+          <p:cNvPr id="2" name="Title 1"/>
           <p:cNvSpPr>
             <a:spLocks noGrp="1"/>
           </p:cNvSpPr>
@@ -11577,18 +10044,13 @@
           <a:bodyPr/>
           <a:lstStyle/>
           <a:p>
-            <a:r>
-              <a:rPr lang="en-US">
-                <a:latin typeface="Garamond" charset="0"/>
-              </a:rPr>
-              <a:t>Strings in C</a:t>
-            </a:r>
-          </a:p>
-        </p:txBody>
-      </p:sp>
-      <p:sp>
-        <p:nvSpPr>
-          <p:cNvPr id="20482" name="Content Placeholder 2"/>
+            <a:endParaRPr lang="en-US"/>
+          </a:p>
+        </p:txBody>
+      </p:sp>
+      <p:sp>
+        <p:nvSpPr>
+          <p:cNvPr id="3" name="Content Placeholder 2"/>
           <p:cNvSpPr>
             <a:spLocks noGrp="1"/>
           </p:cNvSpPr>
@@ -11596,897 +10058,23 @@
             <p:ph idx="1"/>
           </p:nvPr>
         </p:nvSpPr>
-        <p:spPr>
-          <a:xfrm>
-            <a:off x="457200" y="1066800"/>
-            <a:ext cx="8229600" cy="5064125"/>
-          </a:xfrm>
-        </p:spPr>
+        <p:spPr/>
         <p:txBody>
           <a:bodyPr/>
           <a:lstStyle/>
           <a:p>
-            <a:pPr>
-              <a:lnSpc>
-                <a:spcPct val="80000"/>
-              </a:lnSpc>
-            </a:pPr>
-            <a:r>
-              <a:rPr lang="en-US" sz="2300">
-                <a:latin typeface="Arial" charset="0"/>
-              </a:rPr>
-              <a:t>Strings in C: null-terminated arrays of characters</a:t>
-            </a:r>
-          </a:p>
-          <a:p>
-            <a:pPr lvl="1">
-              <a:lnSpc>
-                <a:spcPct val="80000"/>
-              </a:lnSpc>
-            </a:pPr>
-            <a:r>
-              <a:rPr lang="ja-JP" altLang="en-US" sz="2000">
-                <a:latin typeface="Courier New" charset="0"/>
-                <a:cs typeface="Courier New" charset="0"/>
-              </a:rPr>
-              <a:t>“</a:t>
-            </a:r>
-            <a:r>
-              <a:rPr lang="en-US" altLang="ja-JP" sz="2000">
-                <a:latin typeface="Courier New" charset="0"/>
-                <a:cs typeface="Courier New" charset="0"/>
-              </a:rPr>
-              <a:t>Hello</a:t>
-            </a:r>
-            <a:r>
-              <a:rPr lang="ja-JP" altLang="en-US" sz="2000">
-                <a:latin typeface="Courier New" charset="0"/>
-                <a:cs typeface="Courier New" charset="0"/>
-              </a:rPr>
-              <a:t>”</a:t>
-            </a:r>
-            <a:r>
-              <a:rPr lang="en-US" altLang="ja-JP" sz="2000">
-                <a:latin typeface="Courier New" charset="0"/>
-                <a:cs typeface="Courier New" charset="0"/>
-                <a:sym typeface="Wingdings" charset="0"/>
-              </a:rPr>
-              <a:t>{</a:t>
-            </a:r>
-            <a:r>
-              <a:rPr lang="ja-JP" altLang="en-US" sz="2000">
-                <a:latin typeface="Courier New" charset="0"/>
-                <a:cs typeface="Courier New" charset="0"/>
-                <a:sym typeface="Wingdings" charset="0"/>
-              </a:rPr>
-              <a:t>‘</a:t>
-            </a:r>
-            <a:r>
-              <a:rPr lang="en-US" altLang="ja-JP" sz="2000">
-                <a:latin typeface="Courier New" charset="0"/>
-                <a:cs typeface="Courier New" charset="0"/>
-                <a:sym typeface="Wingdings" charset="0"/>
-              </a:rPr>
-              <a:t>H</a:t>
-            </a:r>
-            <a:r>
-              <a:rPr lang="ja-JP" altLang="en-US" sz="2000">
-                <a:latin typeface="Courier New" charset="0"/>
-                <a:cs typeface="Courier New" charset="0"/>
-                <a:sym typeface="Wingdings" charset="0"/>
-              </a:rPr>
-              <a:t>’</a:t>
-            </a:r>
-            <a:r>
-              <a:rPr lang="en-US" altLang="ja-JP" sz="2000">
-                <a:latin typeface="Courier New" charset="0"/>
-                <a:cs typeface="Courier New" charset="0"/>
-                <a:sym typeface="Wingdings" charset="0"/>
-              </a:rPr>
-              <a:t>, </a:t>
-            </a:r>
-            <a:r>
-              <a:rPr lang="ja-JP" altLang="en-US" sz="2000">
-                <a:latin typeface="Courier New" charset="0"/>
-                <a:cs typeface="Courier New" charset="0"/>
-                <a:sym typeface="Wingdings" charset="0"/>
-              </a:rPr>
-              <a:t>‘</a:t>
-            </a:r>
-            <a:r>
-              <a:rPr lang="en-US" altLang="ja-JP" sz="2000">
-                <a:latin typeface="Courier New" charset="0"/>
-                <a:cs typeface="Courier New" charset="0"/>
-                <a:sym typeface="Wingdings" charset="0"/>
-              </a:rPr>
-              <a:t>e</a:t>
-            </a:r>
-            <a:r>
-              <a:rPr lang="ja-JP" altLang="en-US" sz="2000">
-                <a:latin typeface="Courier New" charset="0"/>
-                <a:cs typeface="Courier New" charset="0"/>
-                <a:sym typeface="Wingdings" charset="0"/>
-              </a:rPr>
-              <a:t>’</a:t>
-            </a:r>
-            <a:r>
-              <a:rPr lang="en-US" altLang="ja-JP" sz="2000">
-                <a:latin typeface="Courier New" charset="0"/>
-                <a:cs typeface="Courier New" charset="0"/>
-                <a:sym typeface="Wingdings" charset="0"/>
-              </a:rPr>
-              <a:t>, </a:t>
-            </a:r>
-            <a:r>
-              <a:rPr lang="ja-JP" altLang="en-US" sz="2000">
-                <a:latin typeface="Courier New" charset="0"/>
-                <a:cs typeface="Courier New" charset="0"/>
-                <a:sym typeface="Wingdings" charset="0"/>
-              </a:rPr>
-              <a:t>‘</a:t>
-            </a:r>
-            <a:r>
-              <a:rPr lang="en-US" altLang="ja-JP" sz="2000">
-                <a:latin typeface="Courier New" charset="0"/>
-                <a:cs typeface="Courier New" charset="0"/>
-                <a:sym typeface="Wingdings" charset="0"/>
-              </a:rPr>
-              <a:t>l</a:t>
-            </a:r>
-            <a:r>
-              <a:rPr lang="ja-JP" altLang="en-US" sz="2000">
-                <a:latin typeface="Courier New" charset="0"/>
-                <a:cs typeface="Courier New" charset="0"/>
-                <a:sym typeface="Wingdings" charset="0"/>
-              </a:rPr>
-              <a:t>’</a:t>
-            </a:r>
-            <a:r>
-              <a:rPr lang="en-US" altLang="ja-JP" sz="2000">
-                <a:latin typeface="Courier New" charset="0"/>
-                <a:cs typeface="Courier New" charset="0"/>
-                <a:sym typeface="Wingdings" charset="0"/>
-              </a:rPr>
-              <a:t>, </a:t>
-            </a:r>
-            <a:r>
-              <a:rPr lang="ja-JP" altLang="en-US" sz="2000">
-                <a:latin typeface="Courier New" charset="0"/>
-                <a:cs typeface="Courier New" charset="0"/>
-                <a:sym typeface="Wingdings" charset="0"/>
-              </a:rPr>
-              <a:t>‘</a:t>
-            </a:r>
-            <a:r>
-              <a:rPr lang="en-US" altLang="ja-JP" sz="2000">
-                <a:latin typeface="Courier New" charset="0"/>
-                <a:cs typeface="Courier New" charset="0"/>
-                <a:sym typeface="Wingdings" charset="0"/>
-              </a:rPr>
-              <a:t>l</a:t>
-            </a:r>
-            <a:r>
-              <a:rPr lang="ja-JP" altLang="en-US" sz="2000">
-                <a:latin typeface="Courier New" charset="0"/>
-                <a:cs typeface="Courier New" charset="0"/>
-                <a:sym typeface="Wingdings" charset="0"/>
-              </a:rPr>
-              <a:t>’</a:t>
-            </a:r>
-            <a:r>
-              <a:rPr lang="en-US" altLang="ja-JP" sz="2000">
-                <a:latin typeface="Courier New" charset="0"/>
-                <a:cs typeface="Courier New" charset="0"/>
-                <a:sym typeface="Wingdings" charset="0"/>
-              </a:rPr>
-              <a:t>, </a:t>
-            </a:r>
-            <a:r>
-              <a:rPr lang="ja-JP" altLang="en-US" sz="2000">
-                <a:latin typeface="Courier New" charset="0"/>
-                <a:cs typeface="Courier New" charset="0"/>
-                <a:sym typeface="Wingdings" charset="0"/>
-              </a:rPr>
-              <a:t>‘</a:t>
-            </a:r>
-            <a:r>
-              <a:rPr lang="en-US" altLang="ja-JP" sz="2000">
-                <a:latin typeface="Courier New" charset="0"/>
-                <a:cs typeface="Courier New" charset="0"/>
-                <a:sym typeface="Wingdings" charset="0"/>
-              </a:rPr>
-              <a:t>o</a:t>
-            </a:r>
-            <a:r>
-              <a:rPr lang="ja-JP" altLang="en-US" sz="2000">
-                <a:latin typeface="Courier New" charset="0"/>
-                <a:cs typeface="Courier New" charset="0"/>
-                <a:sym typeface="Wingdings" charset="0"/>
-              </a:rPr>
-              <a:t>’</a:t>
-            </a:r>
-            <a:r>
-              <a:rPr lang="en-US" altLang="ja-JP" sz="2000">
-                <a:latin typeface="Courier New" charset="0"/>
-                <a:cs typeface="Courier New" charset="0"/>
-                <a:sym typeface="Wingdings" charset="0"/>
-              </a:rPr>
-              <a:t>, 0}</a:t>
-            </a:r>
-            <a:endParaRPr lang="en-US" altLang="ja-JP" sz="2000">
-              <a:latin typeface="Courier New" charset="0"/>
-              <a:cs typeface="Courier New" charset="0"/>
-            </a:endParaRPr>
-          </a:p>
-          <a:p>
-            <a:pPr lvl="1">
-              <a:lnSpc>
-                <a:spcPct val="80000"/>
-              </a:lnSpc>
-            </a:pPr>
-            <a:r>
-              <a:rPr lang="en-US" sz="2000">
-                <a:latin typeface="Arial" charset="0"/>
-              </a:rPr>
-              <a:t>Null character = 0 = </a:t>
-            </a:r>
-            <a:r>
-              <a:rPr lang="ja-JP" altLang="en-US" sz="2000">
-                <a:latin typeface="Courier New" charset="0"/>
-                <a:cs typeface="Courier New" charset="0"/>
-              </a:rPr>
-              <a:t>‘</a:t>
-            </a:r>
-            <a:r>
-              <a:rPr lang="en-US" altLang="ja-JP" sz="2000">
-                <a:latin typeface="Courier New" charset="0"/>
-                <a:cs typeface="Courier New" charset="0"/>
-              </a:rPr>
-              <a:t>\0</a:t>
-            </a:r>
-            <a:r>
-              <a:rPr lang="ja-JP" altLang="en-US" sz="2000">
-                <a:latin typeface="Courier New" charset="0"/>
-                <a:cs typeface="Courier New" charset="0"/>
-              </a:rPr>
-              <a:t>’</a:t>
-            </a:r>
-            <a:endParaRPr lang="en-US" altLang="ja-JP" sz="2000">
-              <a:latin typeface="Courier New" charset="0"/>
-              <a:cs typeface="Courier New" charset="0"/>
-            </a:endParaRPr>
-          </a:p>
-          <a:p>
-            <a:pPr>
-              <a:lnSpc>
-                <a:spcPct val="80000"/>
-              </a:lnSpc>
-            </a:pPr>
-            <a:r>
-              <a:rPr lang="en-US" sz="2300">
-                <a:latin typeface="Arial" charset="0"/>
-              </a:rPr>
-              <a:t>Can declare array to hold string</a:t>
-            </a:r>
-          </a:p>
-          <a:p>
-            <a:pPr lvl="1">
-              <a:lnSpc>
-                <a:spcPct val="80000"/>
-              </a:lnSpc>
-            </a:pPr>
-            <a:r>
-              <a:rPr lang="en-US" sz="2000">
-                <a:latin typeface="Arial" charset="0"/>
-              </a:rPr>
-              <a:t>Need space to hold null: </a:t>
-            </a:r>
-            <a:r>
-              <a:rPr lang="en-US" sz="2000">
-                <a:latin typeface="Courier New" charset="0"/>
-                <a:cs typeface="Courier New" charset="0"/>
-              </a:rPr>
-              <a:t>char hello[5]</a:t>
-            </a:r>
-            <a:r>
-              <a:rPr lang="en-US" sz="2000">
-                <a:latin typeface="Arial" charset="0"/>
-                <a:cs typeface="Courier New" charset="0"/>
-              </a:rPr>
-              <a:t> would be </a:t>
-            </a:r>
-            <a:r>
-              <a:rPr lang="en-US" sz="2000">
-                <a:latin typeface="Arial" charset="0"/>
-                <a:sym typeface="Wingdings" charset="0"/>
-              </a:rPr>
-              <a:t>too small</a:t>
-            </a:r>
-          </a:p>
-          <a:p>
-            <a:pPr lvl="1">
-              <a:lnSpc>
-                <a:spcPct val="80000"/>
-              </a:lnSpc>
-            </a:pPr>
-            <a:r>
-              <a:rPr lang="en-US" sz="2000">
-                <a:latin typeface="Arial" charset="0"/>
-                <a:cs typeface="Courier New" charset="0"/>
-                <a:sym typeface="Wingdings" charset="0"/>
-              </a:rPr>
-              <a:t>Can use string constants to directly initialize</a:t>
-            </a:r>
-          </a:p>
-          <a:p>
-            <a:pPr lvl="1">
-              <a:lnSpc>
-                <a:spcPct val="80000"/>
-              </a:lnSpc>
-              <a:buFont typeface="Wingdings" charset="0"/>
-              <a:buNone/>
-            </a:pPr>
-            <a:r>
-              <a:rPr lang="en-US" sz="2000">
-                <a:latin typeface="Arial" charset="0"/>
-                <a:cs typeface="Courier New" charset="0"/>
-                <a:sym typeface="Wingdings" charset="0"/>
-              </a:rPr>
-              <a:t>	</a:t>
-            </a:r>
-            <a:r>
-              <a:rPr lang="en-US" sz="2000">
-                <a:latin typeface="Courier New" charset="0"/>
-                <a:cs typeface="Courier New" charset="0"/>
-                <a:sym typeface="Wingdings" charset="0"/>
-              </a:rPr>
-              <a:t>char hello[] = </a:t>
-            </a:r>
-            <a:r>
-              <a:rPr lang="ja-JP" altLang="en-US" sz="2000">
-                <a:latin typeface="Courier New" charset="0"/>
-                <a:cs typeface="Courier New" charset="0"/>
-                <a:sym typeface="Wingdings" charset="0"/>
-              </a:rPr>
-              <a:t>“</a:t>
-            </a:r>
-            <a:r>
-              <a:rPr lang="en-US" altLang="ja-JP" sz="2000">
-                <a:latin typeface="Courier New" charset="0"/>
-                <a:cs typeface="Courier New" charset="0"/>
-                <a:sym typeface="Wingdings" charset="0"/>
-              </a:rPr>
-              <a:t>Hello</a:t>
-            </a:r>
-            <a:r>
-              <a:rPr lang="ja-JP" altLang="en-US" sz="2000">
-                <a:latin typeface="Courier New" charset="0"/>
-                <a:cs typeface="Courier New" charset="0"/>
-                <a:sym typeface="Wingdings" charset="0"/>
-              </a:rPr>
-              <a:t>”</a:t>
-            </a:r>
-            <a:r>
-              <a:rPr lang="en-US" altLang="ja-JP" sz="2000">
-                <a:latin typeface="Courier New" charset="0"/>
-                <a:cs typeface="Courier New" charset="0"/>
-                <a:sym typeface="Wingdings" charset="0"/>
-              </a:rPr>
-              <a:t>;</a:t>
-            </a:r>
-            <a:endParaRPr lang="en-US" altLang="ja-JP" sz="2000">
-              <a:latin typeface="Arial" charset="0"/>
-              <a:cs typeface="Courier New" charset="0"/>
-            </a:endParaRPr>
-          </a:p>
-          <a:p>
-            <a:pPr lvl="1">
-              <a:lnSpc>
-                <a:spcPct val="80000"/>
-              </a:lnSpc>
-            </a:pPr>
-            <a:r>
-              <a:rPr lang="en-US" sz="2000">
-                <a:latin typeface="Arial" charset="0"/>
-                <a:cs typeface="Courier New" charset="0"/>
-                <a:sym typeface="Wingdings" charset="0"/>
-              </a:rPr>
-              <a:t>Equivalent to:</a:t>
-            </a:r>
-          </a:p>
-          <a:p>
-            <a:pPr lvl="1">
-              <a:lnSpc>
-                <a:spcPct val="80000"/>
-              </a:lnSpc>
-              <a:buFont typeface="Wingdings" charset="0"/>
-              <a:buNone/>
-            </a:pPr>
-            <a:r>
-              <a:rPr lang="en-US" sz="2000">
-                <a:latin typeface="Arial" charset="0"/>
-                <a:cs typeface="Courier New" charset="0"/>
-                <a:sym typeface="Wingdings" charset="0"/>
-              </a:rPr>
-              <a:t>	</a:t>
-            </a:r>
-            <a:r>
-              <a:rPr lang="en-US" sz="2000">
-                <a:latin typeface="Courier New" charset="0"/>
-                <a:cs typeface="Courier New" charset="0"/>
-                <a:sym typeface="Wingdings" charset="0"/>
-              </a:rPr>
-              <a:t>char hello[6];</a:t>
-            </a:r>
-          </a:p>
-          <a:p>
-            <a:pPr lvl="1">
-              <a:lnSpc>
-                <a:spcPct val="80000"/>
-              </a:lnSpc>
-              <a:buFont typeface="Wingdings" charset="0"/>
-              <a:buNone/>
-            </a:pPr>
-            <a:r>
-              <a:rPr lang="en-US" sz="2000">
-                <a:latin typeface="Courier New" charset="0"/>
-                <a:cs typeface="Courier New" charset="0"/>
-                <a:sym typeface="Wingdings" charset="0"/>
-              </a:rPr>
-              <a:t>	hello[0] = </a:t>
-            </a:r>
-            <a:r>
-              <a:rPr lang="ja-JP" altLang="en-US" sz="2000">
-                <a:latin typeface="Courier New" charset="0"/>
-                <a:cs typeface="Courier New" charset="0"/>
-                <a:sym typeface="Wingdings" charset="0"/>
-              </a:rPr>
-              <a:t>‘</a:t>
-            </a:r>
-            <a:r>
-              <a:rPr lang="en-US" altLang="ja-JP" sz="2000">
-                <a:latin typeface="Courier New" charset="0"/>
-                <a:cs typeface="Courier New" charset="0"/>
-                <a:sym typeface="Wingdings" charset="0"/>
-              </a:rPr>
-              <a:t>H</a:t>
-            </a:r>
-            <a:r>
-              <a:rPr lang="ja-JP" altLang="en-US" sz="2000">
-                <a:latin typeface="Courier New" charset="0"/>
-                <a:cs typeface="Courier New" charset="0"/>
-                <a:sym typeface="Wingdings" charset="0"/>
-              </a:rPr>
-              <a:t>’</a:t>
-            </a:r>
-            <a:r>
-              <a:rPr lang="en-US" altLang="ja-JP" sz="2000">
-                <a:latin typeface="Courier New" charset="0"/>
-                <a:cs typeface="Courier New" charset="0"/>
-                <a:sym typeface="Wingdings" charset="0"/>
-              </a:rPr>
-              <a:t>;</a:t>
-            </a:r>
-          </a:p>
-          <a:p>
-            <a:pPr lvl="1">
-              <a:lnSpc>
-                <a:spcPct val="80000"/>
-              </a:lnSpc>
-              <a:buFont typeface="Wingdings" charset="0"/>
-              <a:buNone/>
-            </a:pPr>
-            <a:r>
-              <a:rPr lang="en-US" sz="2000">
-                <a:latin typeface="Courier New" charset="0"/>
-                <a:cs typeface="Courier New" charset="0"/>
-                <a:sym typeface="Wingdings" charset="0"/>
-              </a:rPr>
-              <a:t>	hello[1] = </a:t>
-            </a:r>
-            <a:r>
-              <a:rPr lang="ja-JP" altLang="en-US" sz="2000">
-                <a:latin typeface="Courier New" charset="0"/>
-                <a:cs typeface="Courier New" charset="0"/>
-                <a:sym typeface="Wingdings" charset="0"/>
-              </a:rPr>
-              <a:t>‘</a:t>
-            </a:r>
-            <a:r>
-              <a:rPr lang="en-US" altLang="ja-JP" sz="2000">
-                <a:latin typeface="Courier New" charset="0"/>
-                <a:cs typeface="Courier New" charset="0"/>
-                <a:sym typeface="Wingdings" charset="0"/>
-              </a:rPr>
-              <a:t>e</a:t>
-            </a:r>
-            <a:r>
-              <a:rPr lang="ja-JP" altLang="en-US" sz="2000">
-                <a:latin typeface="Courier New" charset="0"/>
-                <a:cs typeface="Courier New" charset="0"/>
-                <a:sym typeface="Wingdings" charset="0"/>
-              </a:rPr>
-              <a:t>’</a:t>
-            </a:r>
-            <a:r>
-              <a:rPr lang="en-US" altLang="ja-JP" sz="2000">
-                <a:latin typeface="Courier New" charset="0"/>
-                <a:cs typeface="Courier New" charset="0"/>
-                <a:sym typeface="Wingdings" charset="0"/>
-              </a:rPr>
-              <a:t>;</a:t>
-            </a:r>
-          </a:p>
-          <a:p>
-            <a:pPr lvl="1">
-              <a:lnSpc>
-                <a:spcPct val="80000"/>
-              </a:lnSpc>
-              <a:buFont typeface="Wingdings" charset="0"/>
-              <a:buNone/>
-            </a:pPr>
-            <a:r>
-              <a:rPr lang="en-US" sz="2000">
-                <a:latin typeface="Courier New" charset="0"/>
-                <a:cs typeface="Courier New" charset="0"/>
-                <a:sym typeface="Wingdings" charset="0"/>
-              </a:rPr>
-              <a:t>	hello[2] = </a:t>
-            </a:r>
-            <a:r>
-              <a:rPr lang="ja-JP" altLang="en-US" sz="2000">
-                <a:latin typeface="Courier New" charset="0"/>
-                <a:cs typeface="Courier New" charset="0"/>
-                <a:sym typeface="Wingdings" charset="0"/>
-              </a:rPr>
-              <a:t>‘</a:t>
-            </a:r>
-            <a:r>
-              <a:rPr lang="en-US" altLang="ja-JP" sz="2000">
-                <a:latin typeface="Courier New" charset="0"/>
-                <a:cs typeface="Courier New" charset="0"/>
-                <a:sym typeface="Wingdings" charset="0"/>
-              </a:rPr>
-              <a:t>l</a:t>
-            </a:r>
-            <a:r>
-              <a:rPr lang="ja-JP" altLang="en-US" sz="2000">
-                <a:latin typeface="Courier New" charset="0"/>
-                <a:cs typeface="Courier New" charset="0"/>
-                <a:sym typeface="Wingdings" charset="0"/>
-              </a:rPr>
-              <a:t>’</a:t>
-            </a:r>
-            <a:r>
-              <a:rPr lang="en-US" altLang="ja-JP" sz="2000">
-                <a:latin typeface="Courier New" charset="0"/>
-                <a:cs typeface="Courier New" charset="0"/>
-                <a:sym typeface="Wingdings" charset="0"/>
-              </a:rPr>
-              <a:t>;</a:t>
-            </a:r>
-          </a:p>
-          <a:p>
-            <a:pPr lvl="1">
-              <a:lnSpc>
-                <a:spcPct val="80000"/>
-              </a:lnSpc>
-              <a:buFont typeface="Wingdings" charset="0"/>
-              <a:buNone/>
-            </a:pPr>
-            <a:r>
-              <a:rPr lang="en-US" sz="2000">
-                <a:latin typeface="Courier New" charset="0"/>
-                <a:cs typeface="Courier New" charset="0"/>
-                <a:sym typeface="Wingdings" charset="0"/>
-              </a:rPr>
-              <a:t>	hello[3] = </a:t>
-            </a:r>
-            <a:r>
-              <a:rPr lang="ja-JP" altLang="en-US" sz="2000">
-                <a:latin typeface="Courier New" charset="0"/>
-                <a:cs typeface="Courier New" charset="0"/>
-                <a:sym typeface="Wingdings" charset="0"/>
-              </a:rPr>
-              <a:t>‘</a:t>
-            </a:r>
-            <a:r>
-              <a:rPr lang="en-US" altLang="ja-JP" sz="2000">
-                <a:latin typeface="Courier New" charset="0"/>
-                <a:cs typeface="Courier New" charset="0"/>
-                <a:sym typeface="Wingdings" charset="0"/>
-              </a:rPr>
-              <a:t>l</a:t>
-            </a:r>
-            <a:r>
-              <a:rPr lang="ja-JP" altLang="en-US" sz="2000">
-                <a:latin typeface="Courier New" charset="0"/>
-                <a:cs typeface="Courier New" charset="0"/>
-                <a:sym typeface="Wingdings" charset="0"/>
-              </a:rPr>
-              <a:t>’</a:t>
-            </a:r>
-            <a:r>
-              <a:rPr lang="en-US" altLang="ja-JP" sz="2000">
-                <a:latin typeface="Courier New" charset="0"/>
-                <a:cs typeface="Courier New" charset="0"/>
-                <a:sym typeface="Wingdings" charset="0"/>
-              </a:rPr>
-              <a:t>;</a:t>
-            </a:r>
-          </a:p>
-          <a:p>
-            <a:pPr lvl="1">
-              <a:lnSpc>
-                <a:spcPct val="80000"/>
-              </a:lnSpc>
-              <a:buFont typeface="Wingdings" charset="0"/>
-              <a:buNone/>
-            </a:pPr>
-            <a:r>
-              <a:rPr lang="en-US" sz="2000">
-                <a:latin typeface="Courier New" charset="0"/>
-                <a:cs typeface="Courier New" charset="0"/>
-                <a:sym typeface="Wingdings" charset="0"/>
-              </a:rPr>
-              <a:t>	hello[4] = </a:t>
-            </a:r>
-            <a:r>
-              <a:rPr lang="ja-JP" altLang="en-US" sz="2000">
-                <a:latin typeface="Courier New" charset="0"/>
-                <a:cs typeface="Courier New" charset="0"/>
-                <a:sym typeface="Wingdings" charset="0"/>
-              </a:rPr>
-              <a:t>‘</a:t>
-            </a:r>
-            <a:r>
-              <a:rPr lang="en-US" altLang="ja-JP" sz="2000">
-                <a:latin typeface="Courier New" charset="0"/>
-                <a:cs typeface="Courier New" charset="0"/>
-                <a:sym typeface="Wingdings" charset="0"/>
-              </a:rPr>
-              <a:t>o</a:t>
-            </a:r>
-            <a:r>
-              <a:rPr lang="ja-JP" altLang="en-US" sz="2000">
-                <a:latin typeface="Courier New" charset="0"/>
-                <a:cs typeface="Courier New" charset="0"/>
-                <a:sym typeface="Wingdings" charset="0"/>
-              </a:rPr>
-              <a:t>’</a:t>
-            </a:r>
-            <a:r>
-              <a:rPr lang="en-US" altLang="ja-JP" sz="2000">
-                <a:latin typeface="Courier New" charset="0"/>
-                <a:cs typeface="Courier New" charset="0"/>
-                <a:sym typeface="Wingdings" charset="0"/>
-              </a:rPr>
-              <a:t>;</a:t>
-            </a:r>
-          </a:p>
-          <a:p>
-            <a:pPr lvl="1">
-              <a:lnSpc>
-                <a:spcPct val="80000"/>
-              </a:lnSpc>
-              <a:buFont typeface="Wingdings" charset="0"/>
-              <a:buNone/>
-            </a:pPr>
-            <a:r>
-              <a:rPr lang="en-US" sz="2000">
-                <a:latin typeface="Courier New" charset="0"/>
-                <a:cs typeface="Courier New" charset="0"/>
-                <a:sym typeface="Wingdings" charset="0"/>
-              </a:rPr>
-              <a:t>	hello[5] = 0	   --OR--	hello[5] = </a:t>
-            </a:r>
-            <a:r>
-              <a:rPr lang="ja-JP" altLang="en-US" sz="2000">
-                <a:latin typeface="Courier New" charset="0"/>
-                <a:cs typeface="Courier New" charset="0"/>
-                <a:sym typeface="Wingdings" charset="0"/>
-              </a:rPr>
-              <a:t>‘</a:t>
-            </a:r>
-            <a:r>
-              <a:rPr lang="en-US" altLang="ja-JP" sz="2000">
-                <a:latin typeface="Courier New" charset="0"/>
-                <a:cs typeface="Courier New" charset="0"/>
-                <a:sym typeface="Wingdings" charset="0"/>
-              </a:rPr>
-              <a:t>\0</a:t>
-            </a:r>
-            <a:r>
-              <a:rPr lang="ja-JP" altLang="en-US" sz="2000">
-                <a:latin typeface="Courier New" charset="0"/>
-                <a:cs typeface="Courier New" charset="0"/>
-                <a:sym typeface="Wingdings" charset="0"/>
-              </a:rPr>
-              <a:t>’</a:t>
-            </a:r>
-            <a:r>
-              <a:rPr lang="en-US" altLang="ja-JP" sz="2000">
-                <a:latin typeface="Courier New" charset="0"/>
-                <a:cs typeface="Courier New" charset="0"/>
-                <a:sym typeface="Wingdings" charset="0"/>
-              </a:rPr>
-              <a:t>;</a:t>
-            </a:r>
-            <a:endParaRPr lang="en-US" sz="2000">
-              <a:latin typeface="Courier New" charset="0"/>
-              <a:cs typeface="Courier New" charset="0"/>
-              <a:sym typeface="Wingdings" charset="0"/>
-            </a:endParaRPr>
-          </a:p>
-        </p:txBody>
-      </p:sp>
-      <p:sp>
-        <p:nvSpPr>
-          <p:cNvPr id="20483" name="Date Placeholder 3"/>
+            <a:endParaRPr lang="en-US"/>
+          </a:p>
+        </p:txBody>
+      </p:sp>
+      <p:sp>
+        <p:nvSpPr>
+          <p:cNvPr id="4" name="Date Placeholder 3"/>
           <p:cNvSpPr>
             <a:spLocks noGrp="1"/>
           </p:cNvSpPr>
           <p:nvPr>
-            <p:ph type="dt" sz="quarter" idx="10"/>
-          </p:nvPr>
-        </p:nvSpPr>
-        <p:spPr>
-          <a:noFill/>
-          <a:ln/>
-          <a:extLst>
-            <a:ext uri="{909E8E84-426E-40dd-AFC4-6F175D3DCCD1}">
-              <a14:hiddenFill xmlns:a14="http://schemas.microsoft.com/office/drawing/2010/main">
-                <a:solidFill>
-                  <a:srgbClr val="FFFFFF"/>
-                </a:solidFill>
-              </a14:hiddenFill>
-            </a:ext>
-            <a:ext uri="{91240B29-F687-4f45-9708-019B960494DF}">
-              <a14:hiddenLine xmlns:a14="http://schemas.microsoft.com/office/drawing/2010/main" w="9525">
-                <a:solidFill>
-                  <a:srgbClr val="000000"/>
-                </a:solidFill>
-                <a:miter lim="800000"/>
-                <a:headEnd/>
-                <a:tailEnd/>
-              </a14:hiddenLine>
-            </a:ext>
-          </a:extLst>
-        </p:spPr>
-        <p:txBody>
-          <a:bodyPr/>
-          <a:lstStyle>
-            <a:lvl1pPr eaLnBrk="0" hangingPunct="0">
-              <a:defRPr sz="2400">
-                <a:solidFill>
-                  <a:schemeClr val="tx1"/>
-                </a:solidFill>
-                <a:latin typeface="Arial" charset="0"/>
-                <a:ea typeface="ＭＳ Ｐゴシック" charset="0"/>
-                <a:cs typeface="ＭＳ Ｐゴシック" charset="0"/>
-              </a:defRPr>
-            </a:lvl1pPr>
-            <a:lvl2pPr marL="742950" indent="-285750" eaLnBrk="0" hangingPunct="0">
-              <a:defRPr sz="2400">
-                <a:solidFill>
-                  <a:schemeClr val="tx1"/>
-                </a:solidFill>
-                <a:latin typeface="Arial" charset="0"/>
-                <a:ea typeface="ＭＳ Ｐゴシック" charset="0"/>
-              </a:defRPr>
-            </a:lvl2pPr>
-            <a:lvl3pPr marL="1143000" indent="-228600" eaLnBrk="0" hangingPunct="0">
-              <a:defRPr sz="2400">
-                <a:solidFill>
-                  <a:schemeClr val="tx1"/>
-                </a:solidFill>
-                <a:latin typeface="Arial" charset="0"/>
-                <a:ea typeface="ＭＳ Ｐゴシック" charset="0"/>
-              </a:defRPr>
-            </a:lvl3pPr>
-            <a:lvl4pPr marL="1600200" indent="-228600" eaLnBrk="0" hangingPunct="0">
-              <a:defRPr sz="2400">
-                <a:solidFill>
-                  <a:schemeClr val="tx1"/>
-                </a:solidFill>
-                <a:latin typeface="Arial" charset="0"/>
-                <a:ea typeface="ＭＳ Ｐゴシック" charset="0"/>
-              </a:defRPr>
-            </a:lvl4pPr>
-            <a:lvl5pPr marL="2057400" indent="-228600" eaLnBrk="0" hangingPunct="0">
-              <a:defRPr sz="2400">
-                <a:solidFill>
-                  <a:schemeClr val="tx1"/>
-                </a:solidFill>
-                <a:latin typeface="Arial" charset="0"/>
-                <a:ea typeface="ＭＳ Ｐゴシック" charset="0"/>
-              </a:defRPr>
-            </a:lvl5pPr>
-            <a:lvl6pPr marL="2514600" indent="-228600" eaLnBrk="0" fontAlgn="base" hangingPunct="0">
-              <a:spcBef>
-                <a:spcPct val="0"/>
-              </a:spcBef>
-              <a:spcAft>
-                <a:spcPct val="0"/>
-              </a:spcAft>
-              <a:defRPr sz="2400">
-                <a:solidFill>
-                  <a:schemeClr val="tx1"/>
-                </a:solidFill>
-                <a:latin typeface="Arial" charset="0"/>
-                <a:ea typeface="ＭＳ Ｐゴシック" charset="0"/>
-              </a:defRPr>
-            </a:lvl6pPr>
-            <a:lvl7pPr marL="2971800" indent="-228600" eaLnBrk="0" fontAlgn="base" hangingPunct="0">
-              <a:spcBef>
-                <a:spcPct val="0"/>
-              </a:spcBef>
-              <a:spcAft>
-                <a:spcPct val="0"/>
-              </a:spcAft>
-              <a:defRPr sz="2400">
-                <a:solidFill>
-                  <a:schemeClr val="tx1"/>
-                </a:solidFill>
-                <a:latin typeface="Arial" charset="0"/>
-                <a:ea typeface="ＭＳ Ｐゴシック" charset="0"/>
-              </a:defRPr>
-            </a:lvl7pPr>
-            <a:lvl8pPr marL="3429000" indent="-228600" eaLnBrk="0" fontAlgn="base" hangingPunct="0">
-              <a:spcBef>
-                <a:spcPct val="0"/>
-              </a:spcBef>
-              <a:spcAft>
-                <a:spcPct val="0"/>
-              </a:spcAft>
-              <a:defRPr sz="2400">
-                <a:solidFill>
-                  <a:schemeClr val="tx1"/>
-                </a:solidFill>
-                <a:latin typeface="Arial" charset="0"/>
-                <a:ea typeface="ＭＳ Ｐゴシック" charset="0"/>
-              </a:defRPr>
-            </a:lvl8pPr>
-            <a:lvl9pPr marL="3886200" indent="-228600" eaLnBrk="0" fontAlgn="base" hangingPunct="0">
-              <a:spcBef>
-                <a:spcPct val="0"/>
-              </a:spcBef>
-              <a:spcAft>
-                <a:spcPct val="0"/>
-              </a:spcAft>
-              <a:defRPr sz="2400">
-                <a:solidFill>
-                  <a:schemeClr val="tx1"/>
-                </a:solidFill>
-                <a:latin typeface="Arial" charset="0"/>
-                <a:ea typeface="ＭＳ Ｐゴシック" charset="0"/>
-              </a:defRPr>
-            </a:lvl9pPr>
-          </a:lstStyle>
-          <a:p>
-            <a:pPr eaLnBrk="1" hangingPunct="1"/>
-            <a:fld id="{804E5931-1D03-7C4B-B916-EC456C32E415}" type="datetime1">
-              <a:rPr lang="en-US" sz="1200" smtClean="0">
-                <a:latin typeface="Garamond" charset="0"/>
-                <a:cs typeface="Arial" charset="0"/>
-              </a:rPr>
-              <a:t>3/25/18</a:t>
-            </a:fld>
-            <a:endParaRPr lang="en-US" sz="1200">
-              <a:latin typeface="Garamond" charset="0"/>
-              <a:cs typeface="Arial" charset="0"/>
-            </a:endParaRPr>
-          </a:p>
-        </p:txBody>
-      </p:sp>
-      <p:sp>
-        <p:nvSpPr>
-          <p:cNvPr id="5" name="Footer Placeholder 4"/>
-          <p:cNvSpPr>
-            <a:spLocks noGrp="1"/>
-          </p:cNvSpPr>
-          <p:nvPr>
-            <p:ph type="ftr" sz="quarter" idx="11"/>
+            <p:ph type="dt" sz="half" idx="10"/>
           </p:nvPr>
         </p:nvSpPr>
         <p:spPr/>
@@ -12497,6 +10085,32 @@
             <a:pPr>
               <a:defRPr/>
             </a:pPr>
+            <a:fld id="{CE19B1CE-253C-3746-B6BC-4EBD52F4C35C}" type="datetime1">
+              <a:rPr lang="en-US" smtClean="0"/>
+              <a:t>3/26/18</a:t>
+            </a:fld>
+            <a:endParaRPr lang="en-US"/>
+          </a:p>
+        </p:txBody>
+      </p:sp>
+      <p:sp>
+        <p:nvSpPr>
+          <p:cNvPr id="5" name="Footer Placeholder 4"/>
+          <p:cNvSpPr>
+            <a:spLocks noGrp="1"/>
+          </p:cNvSpPr>
+          <p:nvPr>
+            <p:ph type="ftr" sz="quarter" idx="11"/>
+          </p:nvPr>
+        </p:nvSpPr>
+        <p:spPr/>
+        <p:txBody>
+          <a:bodyPr/>
+          <a:lstStyle/>
+          <a:p>
+            <a:pPr>
+              <a:defRPr/>
+            </a:pPr>
             <a:r>
               <a:rPr lang="en-US" altLang="en-US" smtClean="0"/>
               <a:t>ECE Application Programming: Lecture 22</a:t>
@@ -12507,7 +10121,7 @@
       </p:sp>
       <p:sp>
         <p:nvSpPr>
-          <p:cNvPr id="20485" name="Slide Number Placeholder 5"/>
+          <p:cNvPr id="6" name="Slide Number Placeholder 5"/>
           <p:cNvSpPr>
             <a:spLocks noGrp="1"/>
           </p:cNvSpPr>
@@ -12515,160 +10129,29 @@
             <p:ph type="sldNum" sz="quarter" idx="12"/>
           </p:nvPr>
         </p:nvSpPr>
-        <p:spPr>
-          <a:noFill/>
-          <a:ln/>
-          <a:extLst>
-            <a:ext uri="{909E8E84-426E-40dd-AFC4-6F175D3DCCD1}">
-              <a14:hiddenFill xmlns:a14="http://schemas.microsoft.com/office/drawing/2010/main">
-                <a:solidFill>
-                  <a:srgbClr val="FFFFFF"/>
-                </a:solidFill>
-              </a14:hiddenFill>
-            </a:ext>
-            <a:ext uri="{91240B29-F687-4f45-9708-019B960494DF}">
-              <a14:hiddenLine xmlns:a14="http://schemas.microsoft.com/office/drawing/2010/main" w="9525">
-                <a:solidFill>
-                  <a:srgbClr val="000000"/>
-                </a:solidFill>
-                <a:miter lim="800000"/>
-                <a:headEnd/>
-                <a:tailEnd/>
-              </a14:hiddenLine>
-            </a:ext>
-          </a:extLst>
-        </p:spPr>
+        <p:spPr/>
         <p:txBody>
           <a:bodyPr/>
-          <a:lstStyle>
-            <a:lvl1pPr eaLnBrk="0" hangingPunct="0">
-              <a:defRPr sz="2400">
-                <a:solidFill>
-                  <a:schemeClr val="tx1"/>
-                </a:solidFill>
-                <a:latin typeface="Arial" charset="0"/>
-                <a:ea typeface="ＭＳ Ｐゴシック" charset="0"/>
-                <a:cs typeface="ＭＳ Ｐゴシック" charset="0"/>
-              </a:defRPr>
-            </a:lvl1pPr>
-            <a:lvl2pPr marL="742950" indent="-285750" eaLnBrk="0" hangingPunct="0">
-              <a:defRPr sz="2400">
-                <a:solidFill>
-                  <a:schemeClr val="tx1"/>
-                </a:solidFill>
-                <a:latin typeface="Arial" charset="0"/>
-                <a:ea typeface="ＭＳ Ｐゴシック" charset="0"/>
-              </a:defRPr>
-            </a:lvl2pPr>
-            <a:lvl3pPr marL="1143000" indent="-228600" eaLnBrk="0" hangingPunct="0">
-              <a:defRPr sz="2400">
-                <a:solidFill>
-                  <a:schemeClr val="tx1"/>
-                </a:solidFill>
-                <a:latin typeface="Arial" charset="0"/>
-                <a:ea typeface="ＭＳ Ｐゴシック" charset="0"/>
-              </a:defRPr>
-            </a:lvl3pPr>
-            <a:lvl4pPr marL="1600200" indent="-228600" eaLnBrk="0" hangingPunct="0">
-              <a:defRPr sz="2400">
-                <a:solidFill>
-                  <a:schemeClr val="tx1"/>
-                </a:solidFill>
-                <a:latin typeface="Arial" charset="0"/>
-                <a:ea typeface="ＭＳ Ｐゴシック" charset="0"/>
-              </a:defRPr>
-            </a:lvl4pPr>
-            <a:lvl5pPr marL="2057400" indent="-228600" eaLnBrk="0" hangingPunct="0">
-              <a:defRPr sz="2400">
-                <a:solidFill>
-                  <a:schemeClr val="tx1"/>
-                </a:solidFill>
-                <a:latin typeface="Arial" charset="0"/>
-                <a:ea typeface="ＭＳ Ｐゴシック" charset="0"/>
-              </a:defRPr>
-            </a:lvl5pPr>
-            <a:lvl6pPr marL="2514600" indent="-228600" eaLnBrk="0" fontAlgn="base" hangingPunct="0">
-              <a:spcBef>
-                <a:spcPct val="0"/>
-              </a:spcBef>
-              <a:spcAft>
-                <a:spcPct val="0"/>
-              </a:spcAft>
-              <a:defRPr sz="2400">
-                <a:solidFill>
-                  <a:schemeClr val="tx1"/>
-                </a:solidFill>
-                <a:latin typeface="Arial" charset="0"/>
-                <a:ea typeface="ＭＳ Ｐゴシック" charset="0"/>
-              </a:defRPr>
-            </a:lvl6pPr>
-            <a:lvl7pPr marL="2971800" indent="-228600" eaLnBrk="0" fontAlgn="base" hangingPunct="0">
-              <a:spcBef>
-                <a:spcPct val="0"/>
-              </a:spcBef>
-              <a:spcAft>
-                <a:spcPct val="0"/>
-              </a:spcAft>
-              <a:defRPr sz="2400">
-                <a:solidFill>
-                  <a:schemeClr val="tx1"/>
-                </a:solidFill>
-                <a:latin typeface="Arial" charset="0"/>
-                <a:ea typeface="ＭＳ Ｐゴシック" charset="0"/>
-              </a:defRPr>
-            </a:lvl7pPr>
-            <a:lvl8pPr marL="3429000" indent="-228600" eaLnBrk="0" fontAlgn="base" hangingPunct="0">
-              <a:spcBef>
-                <a:spcPct val="0"/>
-              </a:spcBef>
-              <a:spcAft>
-                <a:spcPct val="0"/>
-              </a:spcAft>
-              <a:defRPr sz="2400">
-                <a:solidFill>
-                  <a:schemeClr val="tx1"/>
-                </a:solidFill>
-                <a:latin typeface="Arial" charset="0"/>
-                <a:ea typeface="ＭＳ Ｐゴシック" charset="0"/>
-              </a:defRPr>
-            </a:lvl8pPr>
-            <a:lvl9pPr marL="3886200" indent="-228600" eaLnBrk="0" fontAlgn="base" hangingPunct="0">
-              <a:spcBef>
-                <a:spcPct val="0"/>
-              </a:spcBef>
-              <a:spcAft>
-                <a:spcPct val="0"/>
-              </a:spcAft>
-              <a:defRPr sz="2400">
-                <a:solidFill>
-                  <a:schemeClr val="tx1"/>
-                </a:solidFill>
-                <a:latin typeface="Arial" charset="0"/>
-                <a:ea typeface="ＭＳ Ｐゴシック" charset="0"/>
-              </a:defRPr>
-            </a:lvl9pPr>
-          </a:lstStyle>
-          <a:p>
-            <a:pPr eaLnBrk="1" hangingPunct="1"/>
-            <a:fld id="{E4D82A59-3716-D24B-9BF5-562DCA8E0DCF}" type="slidenum">
-              <a:rPr lang="en-US" sz="1200">
-                <a:latin typeface="Garamond" charset="0"/>
-                <a:cs typeface="Arial" charset="0"/>
-              </a:rPr>
-              <a:pPr eaLnBrk="1" hangingPunct="1"/>
+          <a:lstStyle/>
+          <a:p>
+            <a:pPr>
+              <a:defRPr/>
+            </a:pPr>
+            <a:fld id="{9B29CFE6-C5D5-024F-8CE3-7E4D4E10042D}" type="slidenum">
+              <a:rPr lang="en-US" smtClean="0"/>
+              <a:pPr>
+                <a:defRPr/>
+              </a:pPr>
               <a:t>7</a:t>
             </a:fld>
-            <a:endParaRPr lang="en-US" sz="1200">
-              <a:latin typeface="Garamond" charset="0"/>
-              <a:cs typeface="Arial" charset="0"/>
-            </a:endParaRPr>
+            <a:endParaRPr lang="en-US"/>
           </a:p>
         </p:txBody>
       </p:sp>
     </p:spTree>
     <p:extLst>
       <p:ext uri="{BB962C8B-B14F-4D97-AF65-F5344CB8AC3E}">
-        <p14:creationId xmlns:p14="http://schemas.microsoft.com/office/powerpoint/2010/main" val="1747388100"/>
+        <p14:creationId xmlns:p14="http://schemas.microsoft.com/office/powerpoint/2010/main" val="1748875179"/>
       </p:ext>
     </p:extLst>
   </p:cSld>
@@ -12704,7 +10187,7 @@
       </p:grpSpPr>
       <p:sp>
         <p:nvSpPr>
-          <p:cNvPr id="21505" name="Title 1"/>
+          <p:cNvPr id="20481" name="Title 1"/>
           <p:cNvSpPr>
             <a:spLocks noGrp="1"/>
           </p:cNvSpPr>
@@ -12718,32 +10201,17 @@
           <a:lstStyle/>
           <a:p>
             <a:r>
-              <a:rPr lang="en-US" dirty="0" smtClean="0">
+              <a:rPr lang="en-US">
                 <a:latin typeface="Garamond" charset="0"/>
               </a:rPr>
-              <a:t>Strings</a:t>
-            </a:r>
-            <a:r>
-              <a:rPr lang="en-US" dirty="0">
-                <a:latin typeface="Garamond" charset="0"/>
-              </a:rPr>
-              <a:t> </a:t>
-            </a:r>
-            <a:r>
-              <a:rPr lang="en-US" dirty="0" smtClean="0">
-                <a:latin typeface="Garamond" charset="0"/>
-              </a:rPr>
-              <a:t>and I/O functions</a:t>
-            </a:r>
-            <a:endParaRPr lang="en-US" dirty="0">
-              <a:latin typeface="Garamond" charset="0"/>
-            </a:endParaRPr>
-          </a:p>
-        </p:txBody>
-      </p:sp>
-      <p:sp>
-        <p:nvSpPr>
-          <p:cNvPr id="21506" name="Content Placeholder 2"/>
+              <a:t>Strings in C</a:t>
+            </a:r>
+          </a:p>
+        </p:txBody>
+      </p:sp>
+      <p:sp>
+        <p:nvSpPr>
+          <p:cNvPr id="20482" name="Content Placeholder 2"/>
           <p:cNvSpPr>
             <a:spLocks noGrp="1"/>
           </p:cNvSpPr>
@@ -12751,274 +10219,733 @@
             <p:ph idx="1"/>
           </p:nvPr>
         </p:nvSpPr>
-        <p:spPr/>
-        <p:txBody>
-          <a:bodyPr>
-            <a:normAutofit fontScale="92500" lnSpcReduction="10000"/>
-          </a:bodyPr>
+        <p:spPr>
+          <a:xfrm>
+            <a:off x="457200" y="1066800"/>
+            <a:ext cx="8229600" cy="5064125"/>
+          </a:xfrm>
+        </p:spPr>
+        <p:txBody>
+          <a:bodyPr/>
           <a:lstStyle/>
           <a:p>
-            <a:r>
-              <a:rPr lang="en-US" dirty="0">
-                <a:latin typeface="Arial" charset="0"/>
-              </a:rPr>
-              <a:t>Can pass string as array or pointer: </a:t>
-            </a:r>
-            <a:r>
-              <a:rPr lang="en-US" dirty="0">
+            <a:pPr>
+              <a:lnSpc>
+                <a:spcPct val="80000"/>
+              </a:lnSpc>
+            </a:pPr>
+            <a:r>
+              <a:rPr lang="en-US" sz="2300">
+                <a:latin typeface="Arial" charset="0"/>
+              </a:rPr>
+              <a:t>Strings in C: null-terminated arrays of characters</a:t>
+            </a:r>
+          </a:p>
+          <a:p>
+            <a:pPr lvl="1">
+              <a:lnSpc>
+                <a:spcPct val="80000"/>
+              </a:lnSpc>
+            </a:pPr>
+            <a:r>
+              <a:rPr lang="ja-JP" altLang="en-US" sz="2000">
                 <a:latin typeface="Courier New" charset="0"/>
                 <a:cs typeface="Courier New" charset="0"/>
               </a:rPr>
-              <a:t>char *</a:t>
-            </a:r>
-          </a:p>
-          <a:p>
-            <a:pPr lvl="1"/>
-            <a:r>
-              <a:rPr lang="en-US" dirty="0" err="1">
+              <a:t>“</a:t>
+            </a:r>
+            <a:r>
+              <a:rPr lang="en-US" altLang="ja-JP" sz="2000">
                 <a:latin typeface="Courier New" charset="0"/>
                 <a:cs typeface="Courier New" charset="0"/>
               </a:rPr>
-              <a:t>printf</a:t>
-            </a:r>
-            <a:r>
-              <a:rPr lang="en-US" dirty="0">
+              <a:t>Hello</a:t>
+            </a:r>
+            <a:r>
+              <a:rPr lang="ja-JP" altLang="en-US" sz="2000">
                 <a:latin typeface="Courier New" charset="0"/>
                 <a:cs typeface="Courier New" charset="0"/>
               </a:rPr>
-              <a:t>()</a:t>
-            </a:r>
-            <a:r>
-              <a:rPr lang="en-US" dirty="0">
-                <a:latin typeface="Arial" charset="0"/>
+              <a:t>”</a:t>
+            </a:r>
+            <a:r>
+              <a:rPr lang="en-US" altLang="ja-JP" sz="2000">
+                <a:latin typeface="Courier New" charset="0"/>
+                <a:cs typeface="Courier New" charset="0"/>
+                <a:sym typeface="Wingdings" charset="0"/>
+              </a:rPr>
+              <a:t>{</a:t>
+            </a:r>
+            <a:r>
+              <a:rPr lang="ja-JP" altLang="en-US" sz="2000">
+                <a:latin typeface="Courier New" charset="0"/>
+                <a:cs typeface="Courier New" charset="0"/>
+                <a:sym typeface="Wingdings" charset="0"/>
+              </a:rPr>
+              <a:t>‘</a:t>
+            </a:r>
+            <a:r>
+              <a:rPr lang="en-US" altLang="ja-JP" sz="2000">
+                <a:latin typeface="Courier New" charset="0"/>
+                <a:cs typeface="Courier New" charset="0"/>
+                <a:sym typeface="Wingdings" charset="0"/>
+              </a:rPr>
+              <a:t>H</a:t>
+            </a:r>
+            <a:r>
+              <a:rPr lang="ja-JP" altLang="en-US" sz="2000">
+                <a:latin typeface="Courier New" charset="0"/>
+                <a:cs typeface="Courier New" charset="0"/>
+                <a:sym typeface="Wingdings" charset="0"/>
+              </a:rPr>
+              <a:t>’</a:t>
+            </a:r>
+            <a:r>
+              <a:rPr lang="en-US" altLang="ja-JP" sz="2000">
+                <a:latin typeface="Courier New" charset="0"/>
+                <a:cs typeface="Courier New" charset="0"/>
+                <a:sym typeface="Wingdings" charset="0"/>
               </a:rPr>
               <a:t>, </a:t>
             </a:r>
             <a:r>
-              <a:rPr lang="en-US" dirty="0" err="1">
+              <a:rPr lang="ja-JP" altLang="en-US" sz="2000">
                 <a:latin typeface="Courier New" charset="0"/>
                 <a:cs typeface="Courier New" charset="0"/>
-              </a:rPr>
-              <a:t>scanf</a:t>
-            </a:r>
-            <a:r>
-              <a:rPr lang="en-US" dirty="0">
+                <a:sym typeface="Wingdings" charset="0"/>
+              </a:rPr>
+              <a:t>‘</a:t>
+            </a:r>
+            <a:r>
+              <a:rPr lang="en-US" altLang="ja-JP" sz="2000">
                 <a:latin typeface="Courier New" charset="0"/>
                 <a:cs typeface="Courier New" charset="0"/>
-              </a:rPr>
-              <a:t>()</a:t>
-            </a:r>
-            <a:r>
-              <a:rPr lang="en-US" dirty="0">
-                <a:latin typeface="Arial" charset="0"/>
-              </a:rPr>
-              <a:t> take </a:t>
-            </a:r>
-            <a:r>
-              <a:rPr lang="en-US" dirty="0">
+                <a:sym typeface="Wingdings" charset="0"/>
+              </a:rPr>
+              <a:t>e</a:t>
+            </a:r>
+            <a:r>
+              <a:rPr lang="ja-JP" altLang="en-US" sz="2000">
                 <a:latin typeface="Courier New" charset="0"/>
                 <a:cs typeface="Courier New" charset="0"/>
-              </a:rPr>
-              <a:t>char *</a:t>
-            </a:r>
-            <a:r>
-              <a:rPr lang="en-US" dirty="0">
-                <a:latin typeface="Arial" charset="0"/>
-              </a:rPr>
-              <a:t> as first argument</a:t>
-            </a:r>
-          </a:p>
-          <a:p>
-            <a:r>
-              <a:rPr lang="en-US" dirty="0">
-                <a:latin typeface="Arial" charset="0"/>
-              </a:rPr>
-              <a:t>Given string </a:t>
-            </a:r>
-            <a:r>
-              <a:rPr lang="en-US" dirty="0">
+                <a:sym typeface="Wingdings" charset="0"/>
+              </a:rPr>
+              <a:t>’</a:t>
+            </a:r>
+            <a:r>
+              <a:rPr lang="en-US" altLang="ja-JP" sz="2000">
                 <a:latin typeface="Courier New" charset="0"/>
                 <a:cs typeface="Courier New" charset="0"/>
-              </a:rPr>
-              <a:t>char hello[]</a:t>
-            </a:r>
-            <a:r>
-              <a:rPr lang="en-US" dirty="0">
-                <a:latin typeface="Arial" charset="0"/>
-              </a:rPr>
-              <a:t> from previous slide:</a:t>
-            </a:r>
-          </a:p>
-          <a:p>
-            <a:pPr lvl="1"/>
-            <a:r>
-              <a:rPr lang="en-US" dirty="0">
-                <a:latin typeface="Arial" charset="0"/>
-              </a:rPr>
-              <a:t>Print directly: </a:t>
-            </a:r>
-            <a:r>
-              <a:rPr lang="en-US" dirty="0" err="1">
+                <a:sym typeface="Wingdings" charset="0"/>
+              </a:rPr>
+              <a:t>, </a:t>
+            </a:r>
+            <a:r>
+              <a:rPr lang="ja-JP" altLang="en-US" sz="2000">
                 <a:latin typeface="Courier New" charset="0"/>
                 <a:cs typeface="Courier New" charset="0"/>
-              </a:rPr>
-              <a:t>printf</a:t>
-            </a:r>
-            <a:r>
-              <a:rPr lang="en-US" dirty="0">
+                <a:sym typeface="Wingdings" charset="0"/>
+              </a:rPr>
+              <a:t>‘</a:t>
+            </a:r>
+            <a:r>
+              <a:rPr lang="en-US" altLang="ja-JP" sz="2000">
                 <a:latin typeface="Courier New" charset="0"/>
                 <a:cs typeface="Courier New" charset="0"/>
-              </a:rPr>
-              <a:t>(hello);</a:t>
-            </a:r>
-          </a:p>
-          <a:p>
-            <a:pPr lvl="1"/>
-            <a:r>
-              <a:rPr lang="en-US" dirty="0">
-                <a:latin typeface="Arial" charset="0"/>
-                <a:cs typeface="Courier New" charset="0"/>
-              </a:rPr>
-              <a:t>Print w/formatting using %s: </a:t>
-            </a:r>
-            <a:r>
-              <a:rPr lang="en-US" dirty="0" err="1">
+                <a:sym typeface="Wingdings" charset="0"/>
+              </a:rPr>
+              <a:t>l</a:t>
+            </a:r>
+            <a:r>
+              <a:rPr lang="ja-JP" altLang="en-US" sz="2000">
                 <a:latin typeface="Courier New" charset="0"/>
                 <a:cs typeface="Courier New" charset="0"/>
-              </a:rPr>
-              <a:t>printf</a:t>
-            </a:r>
-            <a:r>
-              <a:rPr lang="en-US" dirty="0">
+                <a:sym typeface="Wingdings" charset="0"/>
+              </a:rPr>
+              <a:t>’</a:t>
+            </a:r>
+            <a:r>
+              <a:rPr lang="en-US" altLang="ja-JP" sz="2000">
                 <a:latin typeface="Courier New" charset="0"/>
                 <a:cs typeface="Courier New" charset="0"/>
-              </a:rPr>
-              <a:t>(“%s\n”, 					</a:t>
-            </a:r>
-            <a:r>
-              <a:rPr lang="en-US" dirty="0" smtClean="0">
+                <a:sym typeface="Wingdings" charset="0"/>
+              </a:rPr>
+              <a:t>, </a:t>
+            </a:r>
+            <a:r>
+              <a:rPr lang="ja-JP" altLang="en-US" sz="2000">
                 <a:latin typeface="Courier New" charset="0"/>
                 <a:cs typeface="Courier New" charset="0"/>
-              </a:rPr>
-              <a:t>	hello</a:t>
-            </a:r>
-            <a:r>
-              <a:rPr lang="en-US" dirty="0">
+                <a:sym typeface="Wingdings" charset="0"/>
+              </a:rPr>
+              <a:t>‘</a:t>
+            </a:r>
+            <a:r>
+              <a:rPr lang="en-US" altLang="ja-JP" sz="2000">
                 <a:latin typeface="Courier New" charset="0"/>
                 <a:cs typeface="Courier New" charset="0"/>
-              </a:rPr>
-              <a:t>);</a:t>
-            </a:r>
-          </a:p>
-          <a:p>
-            <a:pPr lvl="1"/>
-            <a:r>
-              <a:rPr lang="en-US" dirty="0">
-                <a:latin typeface="Arial" charset="0"/>
-                <a:cs typeface="Courier New" charset="0"/>
-              </a:rPr>
-              <a:t>Print individual character:  </a:t>
-            </a:r>
-            <a:r>
-              <a:rPr lang="en-US" dirty="0" err="1">
+                <a:sym typeface="Wingdings" charset="0"/>
+              </a:rPr>
+              <a:t>l</a:t>
+            </a:r>
+            <a:r>
+              <a:rPr lang="ja-JP" altLang="en-US" sz="2000">
                 <a:latin typeface="Courier New" charset="0"/>
                 <a:cs typeface="Courier New" charset="0"/>
-              </a:rPr>
-              <a:t>printf</a:t>
-            </a:r>
-            <a:r>
-              <a:rPr lang="en-US" dirty="0">
+                <a:sym typeface="Wingdings" charset="0"/>
+              </a:rPr>
+              <a:t>’</a:t>
+            </a:r>
+            <a:r>
+              <a:rPr lang="en-US" altLang="ja-JP" sz="2000">
                 <a:latin typeface="Courier New" charset="0"/>
                 <a:cs typeface="Courier New" charset="0"/>
-              </a:rPr>
-              <a:t>(“%c\n”, 					hello[1</a:t>
-            </a:r>
-            <a:r>
-              <a:rPr lang="en-US" dirty="0" smtClean="0">
+                <a:sym typeface="Wingdings" charset="0"/>
+              </a:rPr>
+              <a:t>, </a:t>
+            </a:r>
+            <a:r>
+              <a:rPr lang="ja-JP" altLang="en-US" sz="2000">
                 <a:latin typeface="Courier New" charset="0"/>
                 <a:cs typeface="Courier New" charset="0"/>
-              </a:rPr>
-              <a:t>]);</a:t>
-            </a:r>
-          </a:p>
-          <a:p>
-            <a:pPr lvl="1"/>
-            <a:r>
-              <a:rPr lang="en-US" dirty="0" smtClean="0">
-                <a:cs typeface="Courier New" charset="0"/>
-              </a:rPr>
-              <a:t>Overwrite with new string:</a:t>
-            </a:r>
-            <a:r>
-              <a:rPr lang="en-US" dirty="0" smtClean="0">
+                <a:sym typeface="Wingdings" charset="0"/>
+              </a:rPr>
+              <a:t>‘</a:t>
+            </a:r>
+            <a:r>
+              <a:rPr lang="en-US" altLang="ja-JP" sz="2000">
                 <a:latin typeface="Courier New" charset="0"/>
                 <a:cs typeface="Courier New" charset="0"/>
-              </a:rPr>
-              <a:t> </a:t>
-            </a:r>
-            <a:r>
-              <a:rPr lang="en-US" dirty="0" err="1" smtClean="0">
+                <a:sym typeface="Wingdings" charset="0"/>
+              </a:rPr>
+              <a:t>o</a:t>
+            </a:r>
+            <a:r>
+              <a:rPr lang="ja-JP" altLang="en-US" sz="2000">
                 <a:latin typeface="Courier New" charset="0"/>
                 <a:cs typeface="Courier New" charset="0"/>
-              </a:rPr>
-              <a:t>scanf</a:t>
-            </a:r>
-            <a:r>
-              <a:rPr lang="en-US" dirty="0" smtClean="0">
+                <a:sym typeface="Wingdings" charset="0"/>
+              </a:rPr>
+              <a:t>’</a:t>
+            </a:r>
+            <a:r>
+              <a:rPr lang="en-US" altLang="ja-JP" sz="2000">
                 <a:latin typeface="Courier New" charset="0"/>
                 <a:cs typeface="Courier New" charset="0"/>
-              </a:rPr>
-              <a:t>(“%s”, hello);</a:t>
-            </a:r>
-          </a:p>
-          <a:p>
-            <a:pPr lvl="2"/>
-            <a:r>
-              <a:rPr lang="en-US" dirty="0" smtClean="0">
-                <a:cs typeface="Courier New" charset="0"/>
-              </a:rPr>
-              <a:t>Ampersand is unnecessary </a:t>
-            </a:r>
-            <a:r>
-              <a:rPr lang="en-US" dirty="0" smtClean="0">
-                <a:cs typeface="Courier New" charset="0"/>
-                <a:sym typeface="Wingdings" panose="05000000000000000000" pitchFamily="2" charset="2"/>
-              </a:rPr>
-              <a:t> array name is already address</a:t>
-            </a:r>
-          </a:p>
-          <a:p>
-            <a:pPr lvl="2"/>
-            <a:r>
-              <a:rPr lang="en-US" dirty="0" err="1" smtClean="0">
-                <a:cs typeface="Courier New" charset="0"/>
-                <a:sym typeface="Wingdings" panose="05000000000000000000" pitchFamily="2" charset="2"/>
-              </a:rPr>
-              <a:t>scanf</a:t>
-            </a:r>
-            <a:r>
-              <a:rPr lang="en-US" dirty="0" smtClean="0">
-                <a:cs typeface="Courier New" charset="0"/>
-                <a:sym typeface="Wingdings" panose="05000000000000000000" pitchFamily="2" charset="2"/>
-              </a:rPr>
-              <a:t>() will read up to first </a:t>
-            </a:r>
-            <a:r>
-              <a:rPr lang="en-US" smtClean="0">
-                <a:cs typeface="Courier New" charset="0"/>
-                <a:sym typeface="Wingdings" panose="05000000000000000000" pitchFamily="2" charset="2"/>
-              </a:rPr>
-              <a:t>whitespace character</a:t>
-            </a:r>
-            <a:endParaRPr lang="en-US" dirty="0">
+                <a:sym typeface="Wingdings" charset="0"/>
+              </a:rPr>
+              <a:t>, 0}</a:t>
+            </a:r>
+            <a:endParaRPr lang="en-US" altLang="ja-JP" sz="2000">
+              <a:latin typeface="Courier New" charset="0"/>
               <a:cs typeface="Courier New" charset="0"/>
             </a:endParaRPr>
           </a:p>
-        </p:txBody>
-      </p:sp>
-      <p:sp>
-        <p:nvSpPr>
-          <p:cNvPr id="21507" name="Date Placeholder 3"/>
+          <a:p>
+            <a:pPr lvl="1">
+              <a:lnSpc>
+                <a:spcPct val="80000"/>
+              </a:lnSpc>
+            </a:pPr>
+            <a:r>
+              <a:rPr lang="en-US" sz="2000">
+                <a:latin typeface="Arial" charset="0"/>
+              </a:rPr>
+              <a:t>Null character = 0 = </a:t>
+            </a:r>
+            <a:r>
+              <a:rPr lang="ja-JP" altLang="en-US" sz="2000">
+                <a:latin typeface="Courier New" charset="0"/>
+                <a:cs typeface="Courier New" charset="0"/>
+              </a:rPr>
+              <a:t>‘</a:t>
+            </a:r>
+            <a:r>
+              <a:rPr lang="en-US" altLang="ja-JP" sz="2000">
+                <a:latin typeface="Courier New" charset="0"/>
+                <a:cs typeface="Courier New" charset="0"/>
+              </a:rPr>
+              <a:t>\0</a:t>
+            </a:r>
+            <a:r>
+              <a:rPr lang="ja-JP" altLang="en-US" sz="2000">
+                <a:latin typeface="Courier New" charset="0"/>
+                <a:cs typeface="Courier New" charset="0"/>
+              </a:rPr>
+              <a:t>’</a:t>
+            </a:r>
+            <a:endParaRPr lang="en-US" altLang="ja-JP" sz="2000">
+              <a:latin typeface="Courier New" charset="0"/>
+              <a:cs typeface="Courier New" charset="0"/>
+            </a:endParaRPr>
+          </a:p>
+          <a:p>
+            <a:pPr>
+              <a:lnSpc>
+                <a:spcPct val="80000"/>
+              </a:lnSpc>
+            </a:pPr>
+            <a:r>
+              <a:rPr lang="en-US" sz="2300">
+                <a:latin typeface="Arial" charset="0"/>
+              </a:rPr>
+              <a:t>Can declare array to hold string</a:t>
+            </a:r>
+          </a:p>
+          <a:p>
+            <a:pPr lvl="1">
+              <a:lnSpc>
+                <a:spcPct val="80000"/>
+              </a:lnSpc>
+            </a:pPr>
+            <a:r>
+              <a:rPr lang="en-US" sz="2000">
+                <a:latin typeface="Arial" charset="0"/>
+              </a:rPr>
+              <a:t>Need space to hold null: </a:t>
+            </a:r>
+            <a:r>
+              <a:rPr lang="en-US" sz="2000">
+                <a:latin typeface="Courier New" charset="0"/>
+                <a:cs typeface="Courier New" charset="0"/>
+              </a:rPr>
+              <a:t>char hello[5]</a:t>
+            </a:r>
+            <a:r>
+              <a:rPr lang="en-US" sz="2000">
+                <a:latin typeface="Arial" charset="0"/>
+                <a:cs typeface="Courier New" charset="0"/>
+              </a:rPr>
+              <a:t> would be </a:t>
+            </a:r>
+            <a:r>
+              <a:rPr lang="en-US" sz="2000">
+                <a:latin typeface="Arial" charset="0"/>
+                <a:sym typeface="Wingdings" charset="0"/>
+              </a:rPr>
+              <a:t>too small</a:t>
+            </a:r>
+          </a:p>
+          <a:p>
+            <a:pPr lvl="1">
+              <a:lnSpc>
+                <a:spcPct val="80000"/>
+              </a:lnSpc>
+            </a:pPr>
+            <a:r>
+              <a:rPr lang="en-US" sz="2000">
+                <a:latin typeface="Arial" charset="0"/>
+                <a:cs typeface="Courier New" charset="0"/>
+                <a:sym typeface="Wingdings" charset="0"/>
+              </a:rPr>
+              <a:t>Can use string constants to directly initialize</a:t>
+            </a:r>
+          </a:p>
+          <a:p>
+            <a:pPr lvl="1">
+              <a:lnSpc>
+                <a:spcPct val="80000"/>
+              </a:lnSpc>
+              <a:buFont typeface="Wingdings" charset="0"/>
+              <a:buNone/>
+            </a:pPr>
+            <a:r>
+              <a:rPr lang="en-US" sz="2000">
+                <a:latin typeface="Arial" charset="0"/>
+                <a:cs typeface="Courier New" charset="0"/>
+                <a:sym typeface="Wingdings" charset="0"/>
+              </a:rPr>
+              <a:t>	</a:t>
+            </a:r>
+            <a:r>
+              <a:rPr lang="en-US" sz="2000">
+                <a:latin typeface="Courier New" charset="0"/>
+                <a:cs typeface="Courier New" charset="0"/>
+                <a:sym typeface="Wingdings" charset="0"/>
+              </a:rPr>
+              <a:t>char hello[] = </a:t>
+            </a:r>
+            <a:r>
+              <a:rPr lang="ja-JP" altLang="en-US" sz="2000">
+                <a:latin typeface="Courier New" charset="0"/>
+                <a:cs typeface="Courier New" charset="0"/>
+                <a:sym typeface="Wingdings" charset="0"/>
+              </a:rPr>
+              <a:t>“</a:t>
+            </a:r>
+            <a:r>
+              <a:rPr lang="en-US" altLang="ja-JP" sz="2000">
+                <a:latin typeface="Courier New" charset="0"/>
+                <a:cs typeface="Courier New" charset="0"/>
+                <a:sym typeface="Wingdings" charset="0"/>
+              </a:rPr>
+              <a:t>Hello</a:t>
+            </a:r>
+            <a:r>
+              <a:rPr lang="ja-JP" altLang="en-US" sz="2000">
+                <a:latin typeface="Courier New" charset="0"/>
+                <a:cs typeface="Courier New" charset="0"/>
+                <a:sym typeface="Wingdings" charset="0"/>
+              </a:rPr>
+              <a:t>”</a:t>
+            </a:r>
+            <a:r>
+              <a:rPr lang="en-US" altLang="ja-JP" sz="2000">
+                <a:latin typeface="Courier New" charset="0"/>
+                <a:cs typeface="Courier New" charset="0"/>
+                <a:sym typeface="Wingdings" charset="0"/>
+              </a:rPr>
+              <a:t>;</a:t>
+            </a:r>
+            <a:endParaRPr lang="en-US" altLang="ja-JP" sz="2000">
+              <a:latin typeface="Arial" charset="0"/>
+              <a:cs typeface="Courier New" charset="0"/>
+            </a:endParaRPr>
+          </a:p>
+          <a:p>
+            <a:pPr lvl="1">
+              <a:lnSpc>
+                <a:spcPct val="80000"/>
+              </a:lnSpc>
+            </a:pPr>
+            <a:r>
+              <a:rPr lang="en-US" sz="2000">
+                <a:latin typeface="Arial" charset="0"/>
+                <a:cs typeface="Courier New" charset="0"/>
+                <a:sym typeface="Wingdings" charset="0"/>
+              </a:rPr>
+              <a:t>Equivalent to:</a:t>
+            </a:r>
+          </a:p>
+          <a:p>
+            <a:pPr lvl="1">
+              <a:lnSpc>
+                <a:spcPct val="80000"/>
+              </a:lnSpc>
+              <a:buFont typeface="Wingdings" charset="0"/>
+              <a:buNone/>
+            </a:pPr>
+            <a:r>
+              <a:rPr lang="en-US" sz="2000">
+                <a:latin typeface="Arial" charset="0"/>
+                <a:cs typeface="Courier New" charset="0"/>
+                <a:sym typeface="Wingdings" charset="0"/>
+              </a:rPr>
+              <a:t>	</a:t>
+            </a:r>
+            <a:r>
+              <a:rPr lang="en-US" sz="2000">
+                <a:latin typeface="Courier New" charset="0"/>
+                <a:cs typeface="Courier New" charset="0"/>
+                <a:sym typeface="Wingdings" charset="0"/>
+              </a:rPr>
+              <a:t>char hello[6];</a:t>
+            </a:r>
+          </a:p>
+          <a:p>
+            <a:pPr lvl="1">
+              <a:lnSpc>
+                <a:spcPct val="80000"/>
+              </a:lnSpc>
+              <a:buFont typeface="Wingdings" charset="0"/>
+              <a:buNone/>
+            </a:pPr>
+            <a:r>
+              <a:rPr lang="en-US" sz="2000">
+                <a:latin typeface="Courier New" charset="0"/>
+                <a:cs typeface="Courier New" charset="0"/>
+                <a:sym typeface="Wingdings" charset="0"/>
+              </a:rPr>
+              <a:t>	hello[0] = </a:t>
+            </a:r>
+            <a:r>
+              <a:rPr lang="ja-JP" altLang="en-US" sz="2000">
+                <a:latin typeface="Courier New" charset="0"/>
+                <a:cs typeface="Courier New" charset="0"/>
+                <a:sym typeface="Wingdings" charset="0"/>
+              </a:rPr>
+              <a:t>‘</a:t>
+            </a:r>
+            <a:r>
+              <a:rPr lang="en-US" altLang="ja-JP" sz="2000">
+                <a:latin typeface="Courier New" charset="0"/>
+                <a:cs typeface="Courier New" charset="0"/>
+                <a:sym typeface="Wingdings" charset="0"/>
+              </a:rPr>
+              <a:t>H</a:t>
+            </a:r>
+            <a:r>
+              <a:rPr lang="ja-JP" altLang="en-US" sz="2000">
+                <a:latin typeface="Courier New" charset="0"/>
+                <a:cs typeface="Courier New" charset="0"/>
+                <a:sym typeface="Wingdings" charset="0"/>
+              </a:rPr>
+              <a:t>’</a:t>
+            </a:r>
+            <a:r>
+              <a:rPr lang="en-US" altLang="ja-JP" sz="2000">
+                <a:latin typeface="Courier New" charset="0"/>
+                <a:cs typeface="Courier New" charset="0"/>
+                <a:sym typeface="Wingdings" charset="0"/>
+              </a:rPr>
+              <a:t>;</a:t>
+            </a:r>
+          </a:p>
+          <a:p>
+            <a:pPr lvl="1">
+              <a:lnSpc>
+                <a:spcPct val="80000"/>
+              </a:lnSpc>
+              <a:buFont typeface="Wingdings" charset="0"/>
+              <a:buNone/>
+            </a:pPr>
+            <a:r>
+              <a:rPr lang="en-US" sz="2000">
+                <a:latin typeface="Courier New" charset="0"/>
+                <a:cs typeface="Courier New" charset="0"/>
+                <a:sym typeface="Wingdings" charset="0"/>
+              </a:rPr>
+              <a:t>	hello[1] = </a:t>
+            </a:r>
+            <a:r>
+              <a:rPr lang="ja-JP" altLang="en-US" sz="2000">
+                <a:latin typeface="Courier New" charset="0"/>
+                <a:cs typeface="Courier New" charset="0"/>
+                <a:sym typeface="Wingdings" charset="0"/>
+              </a:rPr>
+              <a:t>‘</a:t>
+            </a:r>
+            <a:r>
+              <a:rPr lang="en-US" altLang="ja-JP" sz="2000">
+                <a:latin typeface="Courier New" charset="0"/>
+                <a:cs typeface="Courier New" charset="0"/>
+                <a:sym typeface="Wingdings" charset="0"/>
+              </a:rPr>
+              <a:t>e</a:t>
+            </a:r>
+            <a:r>
+              <a:rPr lang="ja-JP" altLang="en-US" sz="2000">
+                <a:latin typeface="Courier New" charset="0"/>
+                <a:cs typeface="Courier New" charset="0"/>
+                <a:sym typeface="Wingdings" charset="0"/>
+              </a:rPr>
+              <a:t>’</a:t>
+            </a:r>
+            <a:r>
+              <a:rPr lang="en-US" altLang="ja-JP" sz="2000">
+                <a:latin typeface="Courier New" charset="0"/>
+                <a:cs typeface="Courier New" charset="0"/>
+                <a:sym typeface="Wingdings" charset="0"/>
+              </a:rPr>
+              <a:t>;</a:t>
+            </a:r>
+          </a:p>
+          <a:p>
+            <a:pPr lvl="1">
+              <a:lnSpc>
+                <a:spcPct val="80000"/>
+              </a:lnSpc>
+              <a:buFont typeface="Wingdings" charset="0"/>
+              <a:buNone/>
+            </a:pPr>
+            <a:r>
+              <a:rPr lang="en-US" sz="2000">
+                <a:latin typeface="Courier New" charset="0"/>
+                <a:cs typeface="Courier New" charset="0"/>
+                <a:sym typeface="Wingdings" charset="0"/>
+              </a:rPr>
+              <a:t>	hello[2] = </a:t>
+            </a:r>
+            <a:r>
+              <a:rPr lang="ja-JP" altLang="en-US" sz="2000">
+                <a:latin typeface="Courier New" charset="0"/>
+                <a:cs typeface="Courier New" charset="0"/>
+                <a:sym typeface="Wingdings" charset="0"/>
+              </a:rPr>
+              <a:t>‘</a:t>
+            </a:r>
+            <a:r>
+              <a:rPr lang="en-US" altLang="ja-JP" sz="2000">
+                <a:latin typeface="Courier New" charset="0"/>
+                <a:cs typeface="Courier New" charset="0"/>
+                <a:sym typeface="Wingdings" charset="0"/>
+              </a:rPr>
+              <a:t>l</a:t>
+            </a:r>
+            <a:r>
+              <a:rPr lang="ja-JP" altLang="en-US" sz="2000">
+                <a:latin typeface="Courier New" charset="0"/>
+                <a:cs typeface="Courier New" charset="0"/>
+                <a:sym typeface="Wingdings" charset="0"/>
+              </a:rPr>
+              <a:t>’</a:t>
+            </a:r>
+            <a:r>
+              <a:rPr lang="en-US" altLang="ja-JP" sz="2000">
+                <a:latin typeface="Courier New" charset="0"/>
+                <a:cs typeface="Courier New" charset="0"/>
+                <a:sym typeface="Wingdings" charset="0"/>
+              </a:rPr>
+              <a:t>;</a:t>
+            </a:r>
+          </a:p>
+          <a:p>
+            <a:pPr lvl="1">
+              <a:lnSpc>
+                <a:spcPct val="80000"/>
+              </a:lnSpc>
+              <a:buFont typeface="Wingdings" charset="0"/>
+              <a:buNone/>
+            </a:pPr>
+            <a:r>
+              <a:rPr lang="en-US" sz="2000">
+                <a:latin typeface="Courier New" charset="0"/>
+                <a:cs typeface="Courier New" charset="0"/>
+                <a:sym typeface="Wingdings" charset="0"/>
+              </a:rPr>
+              <a:t>	hello[3] = </a:t>
+            </a:r>
+            <a:r>
+              <a:rPr lang="ja-JP" altLang="en-US" sz="2000">
+                <a:latin typeface="Courier New" charset="0"/>
+                <a:cs typeface="Courier New" charset="0"/>
+                <a:sym typeface="Wingdings" charset="0"/>
+              </a:rPr>
+              <a:t>‘</a:t>
+            </a:r>
+            <a:r>
+              <a:rPr lang="en-US" altLang="ja-JP" sz="2000">
+                <a:latin typeface="Courier New" charset="0"/>
+                <a:cs typeface="Courier New" charset="0"/>
+                <a:sym typeface="Wingdings" charset="0"/>
+              </a:rPr>
+              <a:t>l</a:t>
+            </a:r>
+            <a:r>
+              <a:rPr lang="ja-JP" altLang="en-US" sz="2000">
+                <a:latin typeface="Courier New" charset="0"/>
+                <a:cs typeface="Courier New" charset="0"/>
+                <a:sym typeface="Wingdings" charset="0"/>
+              </a:rPr>
+              <a:t>’</a:t>
+            </a:r>
+            <a:r>
+              <a:rPr lang="en-US" altLang="ja-JP" sz="2000">
+                <a:latin typeface="Courier New" charset="0"/>
+                <a:cs typeface="Courier New" charset="0"/>
+                <a:sym typeface="Wingdings" charset="0"/>
+              </a:rPr>
+              <a:t>;</a:t>
+            </a:r>
+          </a:p>
+          <a:p>
+            <a:pPr lvl="1">
+              <a:lnSpc>
+                <a:spcPct val="80000"/>
+              </a:lnSpc>
+              <a:buFont typeface="Wingdings" charset="0"/>
+              <a:buNone/>
+            </a:pPr>
+            <a:r>
+              <a:rPr lang="en-US" sz="2000">
+                <a:latin typeface="Courier New" charset="0"/>
+                <a:cs typeface="Courier New" charset="0"/>
+                <a:sym typeface="Wingdings" charset="0"/>
+              </a:rPr>
+              <a:t>	hello[4] = </a:t>
+            </a:r>
+            <a:r>
+              <a:rPr lang="ja-JP" altLang="en-US" sz="2000">
+                <a:latin typeface="Courier New" charset="0"/>
+                <a:cs typeface="Courier New" charset="0"/>
+                <a:sym typeface="Wingdings" charset="0"/>
+              </a:rPr>
+              <a:t>‘</a:t>
+            </a:r>
+            <a:r>
+              <a:rPr lang="en-US" altLang="ja-JP" sz="2000">
+                <a:latin typeface="Courier New" charset="0"/>
+                <a:cs typeface="Courier New" charset="0"/>
+                <a:sym typeface="Wingdings" charset="0"/>
+              </a:rPr>
+              <a:t>o</a:t>
+            </a:r>
+            <a:r>
+              <a:rPr lang="ja-JP" altLang="en-US" sz="2000">
+                <a:latin typeface="Courier New" charset="0"/>
+                <a:cs typeface="Courier New" charset="0"/>
+                <a:sym typeface="Wingdings" charset="0"/>
+              </a:rPr>
+              <a:t>’</a:t>
+            </a:r>
+            <a:r>
+              <a:rPr lang="en-US" altLang="ja-JP" sz="2000">
+                <a:latin typeface="Courier New" charset="0"/>
+                <a:cs typeface="Courier New" charset="0"/>
+                <a:sym typeface="Wingdings" charset="0"/>
+              </a:rPr>
+              <a:t>;</a:t>
+            </a:r>
+          </a:p>
+          <a:p>
+            <a:pPr lvl="1">
+              <a:lnSpc>
+                <a:spcPct val="80000"/>
+              </a:lnSpc>
+              <a:buFont typeface="Wingdings" charset="0"/>
+              <a:buNone/>
+            </a:pPr>
+            <a:r>
+              <a:rPr lang="en-US" sz="2000">
+                <a:latin typeface="Courier New" charset="0"/>
+                <a:cs typeface="Courier New" charset="0"/>
+                <a:sym typeface="Wingdings" charset="0"/>
+              </a:rPr>
+              <a:t>	hello[5] = 0	   --OR--	hello[5] = </a:t>
+            </a:r>
+            <a:r>
+              <a:rPr lang="ja-JP" altLang="en-US" sz="2000">
+                <a:latin typeface="Courier New" charset="0"/>
+                <a:cs typeface="Courier New" charset="0"/>
+                <a:sym typeface="Wingdings" charset="0"/>
+              </a:rPr>
+              <a:t>‘</a:t>
+            </a:r>
+            <a:r>
+              <a:rPr lang="en-US" altLang="ja-JP" sz="2000">
+                <a:latin typeface="Courier New" charset="0"/>
+                <a:cs typeface="Courier New" charset="0"/>
+                <a:sym typeface="Wingdings" charset="0"/>
+              </a:rPr>
+              <a:t>\0</a:t>
+            </a:r>
+            <a:r>
+              <a:rPr lang="ja-JP" altLang="en-US" sz="2000">
+                <a:latin typeface="Courier New" charset="0"/>
+                <a:cs typeface="Courier New" charset="0"/>
+                <a:sym typeface="Wingdings" charset="0"/>
+              </a:rPr>
+              <a:t>’</a:t>
+            </a:r>
+            <a:r>
+              <a:rPr lang="en-US" altLang="ja-JP" sz="2000">
+                <a:latin typeface="Courier New" charset="0"/>
+                <a:cs typeface="Courier New" charset="0"/>
+                <a:sym typeface="Wingdings" charset="0"/>
+              </a:rPr>
+              <a:t>;</a:t>
+            </a:r>
+            <a:endParaRPr lang="en-US" sz="2000">
+              <a:latin typeface="Courier New" charset="0"/>
+              <a:cs typeface="Courier New" charset="0"/>
+              <a:sym typeface="Wingdings" charset="0"/>
+            </a:endParaRPr>
+          </a:p>
+        </p:txBody>
+      </p:sp>
+      <p:sp>
+        <p:nvSpPr>
+          <p:cNvPr id="20483" name="Date Placeholder 3"/>
           <p:cNvSpPr>
             <a:spLocks noGrp="1"/>
           </p:cNvSpPr>
@@ -13161,12 +11088,12 @@
           </a:lstStyle>
           <a:p>
             <a:pPr eaLnBrk="1" hangingPunct="1"/>
-            <a:fld id="{66BF3E9F-BAD4-5B4E-A20D-7C70A01EC795}" type="datetime1">
+            <a:fld id="{804E5931-1D03-7C4B-B916-EC456C32E415}" type="datetime1">
               <a:rPr lang="en-US" sz="1200" smtClean="0">
                 <a:latin typeface="Garamond" charset="0"/>
                 <a:cs typeface="Arial" charset="0"/>
               </a:rPr>
-              <a:t>3/25/18</a:t>
+              <a:t>3/26/18</a:t>
             </a:fld>
             <a:endParaRPr lang="en-US" sz="1200">
               <a:latin typeface="Garamond" charset="0"/>
@@ -13203,7 +11130,7 @@
       </p:sp>
       <p:sp>
         <p:nvSpPr>
-          <p:cNvPr id="21509" name="Slide Number Placeholder 5"/>
+          <p:cNvPr id="20485" name="Slide Number Placeholder 5"/>
           <p:cNvSpPr>
             <a:spLocks noGrp="1"/>
           </p:cNvSpPr>
@@ -13346,7 +11273,7 @@
           </a:lstStyle>
           <a:p>
             <a:pPr eaLnBrk="1" hangingPunct="1"/>
-            <a:fld id="{41AC0AE3-EF86-5341-A8BC-D36450E83481}" type="slidenum">
+            <a:fld id="{E4D82A59-3716-D24B-9BF5-562DCA8E0DCF}" type="slidenum">
               <a:rPr lang="en-US" sz="1200">
                 <a:latin typeface="Garamond" charset="0"/>
                 <a:cs typeface="Arial" charset="0"/>
@@ -13364,7 +11291,7 @@
     </p:spTree>
     <p:extLst>
       <p:ext uri="{BB962C8B-B14F-4D97-AF65-F5344CB8AC3E}">
-        <p14:creationId xmlns:p14="http://schemas.microsoft.com/office/powerpoint/2010/main" val="2347645850"/>
+        <p14:creationId xmlns:p14="http://schemas.microsoft.com/office/powerpoint/2010/main" val="1747388100"/>
       </p:ext>
     </p:extLst>
   </p:cSld>
@@ -13400,7 +11327,7 @@
       </p:grpSpPr>
       <p:sp>
         <p:nvSpPr>
-          <p:cNvPr id="22529" name="Title 1"/>
+          <p:cNvPr id="21505" name="Title 1"/>
           <p:cNvSpPr>
             <a:spLocks noGrp="1"/>
           </p:cNvSpPr>
@@ -13414,17 +11341,32 @@
           <a:lstStyle/>
           <a:p>
             <a:r>
-              <a:rPr lang="en-US">
+              <a:rPr lang="en-US" dirty="0" smtClean="0">
                 <a:latin typeface="Garamond" charset="0"/>
               </a:rPr>
-              <a:t>String functions</a:t>
-            </a:r>
-          </a:p>
-        </p:txBody>
-      </p:sp>
-      <p:sp>
-        <p:nvSpPr>
-          <p:cNvPr id="22530" name="Content Placeholder 2"/>
+              <a:t>Strings</a:t>
+            </a:r>
+            <a:r>
+              <a:rPr lang="en-US" dirty="0">
+                <a:latin typeface="Garamond" charset="0"/>
+              </a:rPr>
+              <a:t> </a:t>
+            </a:r>
+            <a:r>
+              <a:rPr lang="en-US" dirty="0" smtClean="0">
+                <a:latin typeface="Garamond" charset="0"/>
+              </a:rPr>
+              <a:t>and I/O functions</a:t>
+            </a:r>
+            <a:endParaRPr lang="en-US" dirty="0">
+              <a:latin typeface="Garamond" charset="0"/>
+            </a:endParaRPr>
+          </a:p>
+        </p:txBody>
+      </p:sp>
+      <p:sp>
+        <p:nvSpPr>
+          <p:cNvPr id="21506" name="Content Placeholder 2"/>
           <p:cNvSpPr>
             <a:spLocks noGrp="1"/>
           </p:cNvSpPr>
@@ -13434,75 +11376,272 @@
         </p:nvSpPr>
         <p:spPr/>
         <p:txBody>
-          <a:bodyPr/>
+          <a:bodyPr>
+            <a:normAutofit fontScale="92500" lnSpcReduction="10000"/>
+          </a:bodyPr>
           <a:lstStyle/>
           <a:p>
             <a:r>
-              <a:rPr lang="en-US">
-                <a:latin typeface="Arial" charset="0"/>
-              </a:rPr>
-              <a:t>Things we’d like to do with strings:</a:t>
+              <a:rPr lang="en-US" dirty="0">
+                <a:latin typeface="Arial" charset="0"/>
+              </a:rPr>
+              <a:t>Can pass string as array or pointer: </a:t>
+            </a:r>
+            <a:r>
+              <a:rPr lang="en-US" dirty="0">
+                <a:latin typeface="Courier New" charset="0"/>
+                <a:cs typeface="Courier New" charset="0"/>
+              </a:rPr>
+              <a:t>char *</a:t>
             </a:r>
           </a:p>
           <a:p>
             <a:pPr lvl="1"/>
             <a:r>
-              <a:rPr lang="en-US">
-                <a:latin typeface="Arial" charset="0"/>
-              </a:rPr>
-              <a:t>Set one equal to another</a:t>
+              <a:rPr lang="en-US" dirty="0" err="1">
+                <a:latin typeface="Courier New" charset="0"/>
+                <a:cs typeface="Courier New" charset="0"/>
+              </a:rPr>
+              <a:t>printf</a:t>
+            </a:r>
+            <a:r>
+              <a:rPr lang="en-US" dirty="0">
+                <a:latin typeface="Courier New" charset="0"/>
+                <a:cs typeface="Courier New" charset="0"/>
+              </a:rPr>
+              <a:t>()</a:t>
+            </a:r>
+            <a:r>
+              <a:rPr lang="en-US" dirty="0">
+                <a:latin typeface="Arial" charset="0"/>
+              </a:rPr>
+              <a:t>, </a:t>
+            </a:r>
+            <a:r>
+              <a:rPr lang="en-US" dirty="0" err="1">
+                <a:latin typeface="Courier New" charset="0"/>
+                <a:cs typeface="Courier New" charset="0"/>
+              </a:rPr>
+              <a:t>scanf</a:t>
+            </a:r>
+            <a:r>
+              <a:rPr lang="en-US" dirty="0">
+                <a:latin typeface="Courier New" charset="0"/>
+                <a:cs typeface="Courier New" charset="0"/>
+              </a:rPr>
+              <a:t>()</a:t>
+            </a:r>
+            <a:r>
+              <a:rPr lang="en-US" dirty="0">
+                <a:latin typeface="Arial" charset="0"/>
+              </a:rPr>
+              <a:t> take </a:t>
+            </a:r>
+            <a:r>
+              <a:rPr lang="en-US" dirty="0">
+                <a:latin typeface="Courier New" charset="0"/>
+                <a:cs typeface="Courier New" charset="0"/>
+              </a:rPr>
+              <a:t>char *</a:t>
+            </a:r>
+            <a:r>
+              <a:rPr lang="en-US" dirty="0">
+                <a:latin typeface="Arial" charset="0"/>
+              </a:rPr>
+              <a:t> as first argument</a:t>
+            </a:r>
+          </a:p>
+          <a:p>
+            <a:r>
+              <a:rPr lang="en-US" dirty="0">
+                <a:latin typeface="Arial" charset="0"/>
+              </a:rPr>
+              <a:t>Given string </a:t>
+            </a:r>
+            <a:r>
+              <a:rPr lang="en-US" dirty="0">
+                <a:latin typeface="Courier New" charset="0"/>
+                <a:cs typeface="Courier New" charset="0"/>
+              </a:rPr>
+              <a:t>char hello[]</a:t>
+            </a:r>
+            <a:r>
+              <a:rPr lang="en-US" dirty="0">
+                <a:latin typeface="Arial" charset="0"/>
+              </a:rPr>
+              <a:t> from previous slide:</a:t>
             </a:r>
           </a:p>
           <a:p>
             <a:pPr lvl="1"/>
             <a:r>
-              <a:rPr lang="en-US">
-                <a:latin typeface="Arial" charset="0"/>
-              </a:rPr>
-              <a:t>Compare two strings</a:t>
+              <a:rPr lang="en-US" dirty="0">
+                <a:latin typeface="Arial" charset="0"/>
+              </a:rPr>
+              <a:t>Print directly: </a:t>
+            </a:r>
+            <a:r>
+              <a:rPr lang="en-US" dirty="0" err="1">
+                <a:latin typeface="Courier New" charset="0"/>
+                <a:cs typeface="Courier New" charset="0"/>
+              </a:rPr>
+              <a:t>printf</a:t>
+            </a:r>
+            <a:r>
+              <a:rPr lang="en-US" dirty="0">
+                <a:latin typeface="Courier New" charset="0"/>
+                <a:cs typeface="Courier New" charset="0"/>
+              </a:rPr>
+              <a:t>(hello);</a:t>
             </a:r>
           </a:p>
           <a:p>
             <a:pPr lvl="1"/>
             <a:r>
-              <a:rPr lang="en-US">
-                <a:latin typeface="Arial" charset="0"/>
-              </a:rPr>
-              <a:t>Find # characters in string</a:t>
+              <a:rPr lang="en-US" dirty="0">
+                <a:latin typeface="Arial" charset="0"/>
+                <a:cs typeface="Courier New" charset="0"/>
+              </a:rPr>
+              <a:t>Print w/formatting using %s: </a:t>
+            </a:r>
+            <a:r>
+              <a:rPr lang="en-US" dirty="0" err="1">
+                <a:latin typeface="Courier New" charset="0"/>
+                <a:cs typeface="Courier New" charset="0"/>
+              </a:rPr>
+              <a:t>printf</a:t>
+            </a:r>
+            <a:r>
+              <a:rPr lang="en-US" dirty="0">
+                <a:latin typeface="Courier New" charset="0"/>
+                <a:cs typeface="Courier New" charset="0"/>
+              </a:rPr>
+              <a:t>(“%s\n”, 					</a:t>
+            </a:r>
+            <a:r>
+              <a:rPr lang="en-US" dirty="0" smtClean="0">
+                <a:latin typeface="Courier New" charset="0"/>
+                <a:cs typeface="Courier New" charset="0"/>
+              </a:rPr>
+              <a:t>	hello</a:t>
+            </a:r>
+            <a:r>
+              <a:rPr lang="en-US" dirty="0">
+                <a:latin typeface="Courier New" charset="0"/>
+                <a:cs typeface="Courier New" charset="0"/>
+              </a:rPr>
+              <a:t>);</a:t>
+            </a:r>
+          </a:p>
+          <a:p>
+            <a:pPr lvl="1"/>
+            <a:r>
+              <a:rPr lang="en-US" dirty="0">
+                <a:latin typeface="Arial" charset="0"/>
+                <a:cs typeface="Courier New" charset="0"/>
+              </a:rPr>
+              <a:t>Print individual character:  </a:t>
+            </a:r>
+            <a:r>
+              <a:rPr lang="en-US" dirty="0" err="1">
+                <a:latin typeface="Courier New" charset="0"/>
+                <a:cs typeface="Courier New" charset="0"/>
+              </a:rPr>
+              <a:t>printf</a:t>
+            </a:r>
+            <a:r>
+              <a:rPr lang="en-US" dirty="0">
+                <a:latin typeface="Courier New" charset="0"/>
+                <a:cs typeface="Courier New" charset="0"/>
+              </a:rPr>
+              <a:t>(“%c\n”, 					hello[1</a:t>
+            </a:r>
+            <a:r>
+              <a:rPr lang="en-US" dirty="0" smtClean="0">
+                <a:latin typeface="Courier New" charset="0"/>
+                <a:cs typeface="Courier New" charset="0"/>
+              </a:rPr>
+              <a:t>]);</a:t>
+            </a:r>
+          </a:p>
+          <a:p>
+            <a:pPr lvl="1"/>
+            <a:r>
+              <a:rPr lang="en-US" dirty="0" smtClean="0">
+                <a:cs typeface="Courier New" charset="0"/>
+              </a:rPr>
+              <a:t>Overwrite with new string:</a:t>
+            </a:r>
+            <a:r>
+              <a:rPr lang="en-US" dirty="0" smtClean="0">
+                <a:latin typeface="Courier New" charset="0"/>
+                <a:cs typeface="Courier New" charset="0"/>
+              </a:rPr>
+              <a:t> </a:t>
+            </a:r>
+            <a:r>
+              <a:rPr lang="en-US" dirty="0" err="1" smtClean="0">
+                <a:latin typeface="Courier New" charset="0"/>
+                <a:cs typeface="Courier New" charset="0"/>
+              </a:rPr>
+              <a:t>scanf</a:t>
+            </a:r>
+            <a:r>
+              <a:rPr lang="en-US" dirty="0" smtClean="0">
+                <a:latin typeface="Courier New" charset="0"/>
+                <a:cs typeface="Courier New" charset="0"/>
+              </a:rPr>
+              <a:t>(“%s”, hello);</a:t>
             </a:r>
           </a:p>
           <a:p>
             <a:pPr lvl="2"/>
             <a:r>
-              <a:rPr lang="en-US">
-                <a:latin typeface="Arial" charset="0"/>
-              </a:rPr>
-              <a:t>String may not fill array (“buffer”) allocated for it</a:t>
-            </a:r>
-          </a:p>
-          <a:p>
-            <a:pPr lvl="1"/>
-            <a:r>
-              <a:rPr lang="en-US">
-                <a:latin typeface="Arial" charset="0"/>
-              </a:rPr>
-              <a:t>“Add” two strings together</a:t>
+              <a:rPr lang="en-US" dirty="0" smtClean="0">
+                <a:cs typeface="Courier New" charset="0"/>
+              </a:rPr>
+              <a:t>Ampersand is unnecessary </a:t>
+            </a:r>
+            <a:r>
+              <a:rPr lang="en-US" dirty="0" smtClean="0">
+                <a:cs typeface="Courier New" charset="0"/>
+                <a:sym typeface="Wingdings" panose="05000000000000000000" pitchFamily="2" charset="2"/>
+              </a:rPr>
+              <a:t> array name is already address</a:t>
             </a:r>
           </a:p>
           <a:p>
             <a:pPr lvl="2"/>
             <a:r>
-              <a:rPr lang="en-US">
-                <a:latin typeface="Arial" charset="0"/>
-              </a:rPr>
-              <a:t>“abc” + “def” = “abcdef”</a:t>
-            </a:r>
-          </a:p>
-        </p:txBody>
-      </p:sp>
-      <p:sp>
-        <p:nvSpPr>
-          <p:cNvPr id="22531" name="Date Placeholder 3"/>
+              <a:rPr lang="en-US" dirty="0" err="1" smtClean="0">
+                <a:cs typeface="Courier New" charset="0"/>
+                <a:sym typeface="Wingdings" panose="05000000000000000000" pitchFamily="2" charset="2"/>
+              </a:rPr>
+              <a:t>scanf</a:t>
+            </a:r>
+            <a:r>
+              <a:rPr lang="en-US" dirty="0" smtClean="0">
+                <a:cs typeface="Courier New" charset="0"/>
+                <a:sym typeface="Wingdings" panose="05000000000000000000" pitchFamily="2" charset="2"/>
+              </a:rPr>
+              <a:t>() will read up to first </a:t>
+            </a:r>
+            <a:r>
+              <a:rPr lang="en-US" smtClean="0">
+                <a:cs typeface="Courier New" charset="0"/>
+                <a:sym typeface="Wingdings" panose="05000000000000000000" pitchFamily="2" charset="2"/>
+              </a:rPr>
+              <a:t>whitespace character</a:t>
+            </a:r>
+            <a:endParaRPr lang="en-US" dirty="0">
+              <a:cs typeface="Courier New" charset="0"/>
+            </a:endParaRPr>
+          </a:p>
+        </p:txBody>
+      </p:sp>
+      <p:sp>
+        <p:nvSpPr>
+          <p:cNvPr id="21507" name="Date Placeholder 3"/>
           <p:cNvSpPr>
             <a:spLocks noGrp="1"/>
           </p:cNvSpPr>
@@ -13645,12 +11784,12 @@
           </a:lstStyle>
           <a:p>
             <a:pPr eaLnBrk="1" hangingPunct="1"/>
-            <a:fld id="{719A6FF0-B78A-C84E-8CBE-9591AAEE1AD2}" type="datetime1">
+            <a:fld id="{66BF3E9F-BAD4-5B4E-A20D-7C70A01EC795}" type="datetime1">
               <a:rPr lang="en-US" sz="1200" smtClean="0">
                 <a:latin typeface="Garamond" charset="0"/>
                 <a:cs typeface="Arial" charset="0"/>
               </a:rPr>
-              <a:t>3/25/18</a:t>
+              <a:t>3/26/18</a:t>
             </a:fld>
             <a:endParaRPr lang="en-US" sz="1200">
               <a:latin typeface="Garamond" charset="0"/>
@@ -13687,7 +11826,7 @@
       </p:sp>
       <p:sp>
         <p:nvSpPr>
-          <p:cNvPr id="22533" name="Slide Number Placeholder 5"/>
+          <p:cNvPr id="21509" name="Slide Number Placeholder 5"/>
           <p:cNvSpPr>
             <a:spLocks noGrp="1"/>
           </p:cNvSpPr>
@@ -13830,7 +11969,7 @@
           </a:lstStyle>
           <a:p>
             <a:pPr eaLnBrk="1" hangingPunct="1"/>
-            <a:fld id="{2C301CE6-3F17-A846-BA25-0D6463054381}" type="slidenum">
+            <a:fld id="{41AC0AE3-EF86-5341-A8BC-D36450E83481}" type="slidenum">
               <a:rPr lang="en-US" sz="1200">
                 <a:latin typeface="Garamond" charset="0"/>
                 <a:cs typeface="Arial" charset="0"/>
@@ -13848,7 +11987,7 @@
     </p:spTree>
     <p:extLst>
       <p:ext uri="{BB962C8B-B14F-4D97-AF65-F5344CB8AC3E}">
-        <p14:creationId xmlns:p14="http://schemas.microsoft.com/office/powerpoint/2010/main" val="3669480358"/>
+        <p14:creationId xmlns:p14="http://schemas.microsoft.com/office/powerpoint/2010/main" val="2347645850"/>
       </p:ext>
     </p:extLst>
   </p:cSld>
